--- a/Assets/Demo.pptx
+++ b/Assets/Demo.pptx
@@ -13,13 +13,13 @@
     <p:sldId id="262" r:id="rId4"/>
     <p:sldId id="263" r:id="rId5"/>
     <p:sldId id="264" r:id="rId6"/>
-    <p:sldId id="297" r:id="rId7"/>
-    <p:sldId id="266" r:id="rId8"/>
-    <p:sldId id="296" r:id="rId9"/>
-    <p:sldId id="281" r:id="rId10"/>
-    <p:sldId id="260" r:id="rId11"/>
-    <p:sldId id="298" r:id="rId12"/>
-    <p:sldId id="299" r:id="rId13"/>
+    <p:sldId id="282" r:id="rId7"/>
+    <p:sldId id="297" r:id="rId8"/>
+    <p:sldId id="266" r:id="rId9"/>
+    <p:sldId id="296" r:id="rId10"/>
+    <p:sldId id="281" r:id="rId11"/>
+    <p:sldId id="260" r:id="rId12"/>
+    <p:sldId id="298" r:id="rId13"/>
   </p:sldIdLst>
   <p:sldSz cx="9144000" cy="5143500" type="screen16x9"/>
   <p:notesSz cx="6858000" cy="9144000"/>
@@ -833,6 +833,110 @@
   <p:cSld>
     <p:spTree>
       <p:nvGrpSpPr>
+        <p:cNvPr id="1" name="Shape 487"/>
+        <p:cNvGrpSpPr/>
+        <p:nvPr/>
+      </p:nvGrpSpPr>
+      <p:grpSpPr>
+        <a:xfrm>
+          <a:off x="0" y="0"/>
+          <a:ext cx="0" cy="0"/>
+          <a:chOff x="0" y="0"/>
+          <a:chExt cx="0" cy="0"/>
+        </a:xfrm>
+      </p:grpSpPr>
+      <p:sp>
+        <p:nvSpPr>
+          <p:cNvPr id="488" name="Google Shape;488;gb2f7c811ed_0_0:notes"/>
+          <p:cNvSpPr>
+            <a:spLocks noGrp="1" noRot="1" noChangeAspect="1"/>
+          </p:cNvSpPr>
+          <p:nvPr>
+            <p:ph type="sldImg" idx="2"/>
+          </p:nvPr>
+        </p:nvSpPr>
+        <p:spPr>
+          <a:xfrm>
+            <a:off x="381000" y="685800"/>
+            <a:ext cx="6096000" cy="3429000"/>
+          </a:xfrm>
+          <a:custGeom>
+            <a:avLst/>
+            <a:gdLst/>
+            <a:ahLst/>
+            <a:cxnLst/>
+            <a:rect l="l" t="t" r="r" b="b"/>
+            <a:pathLst>
+              <a:path w="120000" h="120000" extrusionOk="0">
+                <a:moveTo>
+                  <a:pt x="0" y="0"/>
+                </a:moveTo>
+                <a:lnTo>
+                  <a:pt x="120000" y="0"/>
+                </a:lnTo>
+                <a:lnTo>
+                  <a:pt x="120000" y="120000"/>
+                </a:lnTo>
+                <a:lnTo>
+                  <a:pt x="0" y="120000"/>
+                </a:lnTo>
+                <a:close/>
+              </a:path>
+            </a:pathLst>
+          </a:custGeom>
+        </p:spPr>
+      </p:sp>
+      <p:sp>
+        <p:nvSpPr>
+          <p:cNvPr id="489" name="Google Shape;489;gb2f7c811ed_0_0:notes"/>
+          <p:cNvSpPr txBox="1">
+            <a:spLocks noGrp="1"/>
+          </p:cNvSpPr>
+          <p:nvPr>
+            <p:ph type="body" idx="1"/>
+          </p:nvPr>
+        </p:nvSpPr>
+        <p:spPr>
+          <a:xfrm>
+            <a:off x="685800" y="4343400"/>
+            <a:ext cx="5486400" cy="4114800"/>
+          </a:xfrm>
+          <a:prstGeom prst="rect">
+            <a:avLst/>
+          </a:prstGeom>
+        </p:spPr>
+        <p:txBody>
+          <a:bodyPr spcFirstLastPara="1" wrap="square" lIns="91425" tIns="91425" rIns="91425" bIns="91425" anchor="t" anchorCtr="0">
+            <a:noAutofit/>
+          </a:bodyPr>
+          <a:lstStyle/>
+          <a:p>
+            <a:pPr marL="0" lvl="0" indent="0" algn="l" rtl="0">
+              <a:spcBef>
+                <a:spcPts val="0"/>
+              </a:spcBef>
+              <a:spcAft>
+                <a:spcPts val="0"/>
+              </a:spcAft>
+              <a:buNone/>
+            </a:pPr>
+            <a:endParaRPr/>
+          </a:p>
+        </p:txBody>
+      </p:sp>
+    </p:spTree>
+  </p:cSld>
+  <p:clrMapOvr>
+    <a:masterClrMapping/>
+  </p:clrMapOvr>
+</p:notes>
+</file>
+
+<file path=ppt/notesSlides/notesSlide11.xml><?xml version="1.0" encoding="utf-8"?>
+<p:notes xmlns:a="http://schemas.openxmlformats.org/drawingml/2006/main" xmlns:r="http://schemas.openxmlformats.org/officeDocument/2006/relationships" xmlns:p="http://schemas.openxmlformats.org/presentationml/2006/main" showMasterSp="0" showMasterPhAnim="0">
+  <p:cSld>
+    <p:spTree>
+      <p:nvGrpSpPr>
         <p:cNvPr id="1" name="Shape 152"/>
         <p:cNvGrpSpPr/>
         <p:nvPr/>
@@ -925,115 +1029,6 @@
         </p:txBody>
       </p:sp>
     </p:spTree>
-  </p:cSld>
-  <p:clrMapOvr>
-    <a:masterClrMapping/>
-  </p:clrMapOvr>
-</p:notes>
-</file>
-
-<file path=ppt/notesSlides/notesSlide11.xml><?xml version="1.0" encoding="utf-8"?>
-<p:notes xmlns:a="http://schemas.openxmlformats.org/drawingml/2006/main" xmlns:r="http://schemas.openxmlformats.org/officeDocument/2006/relationships" xmlns:p="http://schemas.openxmlformats.org/presentationml/2006/main" showMasterSp="0" showMasterPhAnim="0">
-  <p:cSld>
-    <p:spTree>
-      <p:nvGrpSpPr>
-        <p:cNvPr id="1" name="Shape 158"/>
-        <p:cNvGrpSpPr/>
-        <p:nvPr/>
-      </p:nvGrpSpPr>
-      <p:grpSpPr>
-        <a:xfrm>
-          <a:off x="0" y="0"/>
-          <a:ext cx="0" cy="0"/>
-          <a:chOff x="0" y="0"/>
-          <a:chExt cx="0" cy="0"/>
-        </a:xfrm>
-      </p:grpSpPr>
-      <p:sp>
-        <p:nvSpPr>
-          <p:cNvPr id="159" name="Google Shape;159;p:notes"/>
-          <p:cNvSpPr>
-            <a:spLocks noGrp="1" noRot="1" noChangeAspect="1"/>
-          </p:cNvSpPr>
-          <p:nvPr>
-            <p:ph type="sldImg" idx="2"/>
-          </p:nvPr>
-        </p:nvSpPr>
-        <p:spPr>
-          <a:xfrm>
-            <a:off x="381000" y="685800"/>
-            <a:ext cx="6096000" cy="3429000"/>
-          </a:xfrm>
-          <a:custGeom>
-            <a:avLst/>
-            <a:gdLst/>
-            <a:ahLst/>
-            <a:cxnLst/>
-            <a:rect l="l" t="t" r="r" b="b"/>
-            <a:pathLst>
-              <a:path w="120000" h="120000" extrusionOk="0">
-                <a:moveTo>
-                  <a:pt x="0" y="0"/>
-                </a:moveTo>
-                <a:lnTo>
-                  <a:pt x="120000" y="0"/>
-                </a:lnTo>
-                <a:lnTo>
-                  <a:pt x="120000" y="120000"/>
-                </a:lnTo>
-                <a:lnTo>
-                  <a:pt x="0" y="120000"/>
-                </a:lnTo>
-                <a:close/>
-              </a:path>
-            </a:pathLst>
-          </a:custGeom>
-        </p:spPr>
-      </p:sp>
-      <p:sp>
-        <p:nvSpPr>
-          <p:cNvPr id="160" name="Google Shape;160;p:notes"/>
-          <p:cNvSpPr txBox="1">
-            <a:spLocks noGrp="1"/>
-          </p:cNvSpPr>
-          <p:nvPr>
-            <p:ph type="body" idx="1"/>
-          </p:nvPr>
-        </p:nvSpPr>
-        <p:spPr>
-          <a:xfrm>
-            <a:off x="685800" y="4343400"/>
-            <a:ext cx="5486400" cy="4114800"/>
-          </a:xfrm>
-          <a:prstGeom prst="rect">
-            <a:avLst/>
-          </a:prstGeom>
-        </p:spPr>
-        <p:txBody>
-          <a:bodyPr spcFirstLastPara="1" wrap="square" lIns="91425" tIns="91425" rIns="91425" bIns="91425" anchor="t" anchorCtr="0">
-            <a:noAutofit/>
-          </a:bodyPr>
-          <a:lstStyle/>
-          <a:p>
-            <a:pPr marL="0" lvl="0" indent="0" algn="l" rtl="0">
-              <a:spcBef>
-                <a:spcPts val="0"/>
-              </a:spcBef>
-              <a:spcAft>
-                <a:spcPts val="0"/>
-              </a:spcAft>
-              <a:buNone/>
-            </a:pPr>
-            <a:endParaRPr/>
-          </a:p>
-        </p:txBody>
-      </p:sp>
-    </p:spTree>
-    <p:extLst>
-      <p:ext uri="{BB962C8B-B14F-4D97-AF65-F5344CB8AC3E}">
-        <p14:creationId xmlns:p14="http://schemas.microsoft.com/office/powerpoint/2010/main" val="1730283166"/>
-      </p:ext>
-    </p:extLst>
   </p:cSld>
   <p:clrMapOvr>
     <a:masterClrMapping/>
@@ -1140,7 +1135,7 @@
     </p:spTree>
     <p:extLst>
       <p:ext uri="{BB962C8B-B14F-4D97-AF65-F5344CB8AC3E}">
-        <p14:creationId xmlns:p14="http://schemas.microsoft.com/office/powerpoint/2010/main" val="3720344133"/>
+        <p14:creationId xmlns:p14="http://schemas.microsoft.com/office/powerpoint/2010/main" val="1730283166"/>
       </p:ext>
     </p:extLst>
   </p:cSld>
@@ -1571,6 +1566,110 @@
   <p:cSld>
     <p:spTree>
       <p:nvGrpSpPr>
+        <p:cNvPr id="1" name="Shape 518"/>
+        <p:cNvGrpSpPr/>
+        <p:nvPr/>
+      </p:nvGrpSpPr>
+      <p:grpSpPr>
+        <a:xfrm>
+          <a:off x="0" y="0"/>
+          <a:ext cx="0" cy="0"/>
+          <a:chOff x="0" y="0"/>
+          <a:chExt cx="0" cy="0"/>
+        </a:xfrm>
+      </p:grpSpPr>
+      <p:sp>
+        <p:nvSpPr>
+          <p:cNvPr id="519" name="Google Shape;519;gb2f7c811ed_0_5:notes"/>
+          <p:cNvSpPr>
+            <a:spLocks noGrp="1" noRot="1" noChangeAspect="1"/>
+          </p:cNvSpPr>
+          <p:nvPr>
+            <p:ph type="sldImg" idx="2"/>
+          </p:nvPr>
+        </p:nvSpPr>
+        <p:spPr>
+          <a:xfrm>
+            <a:off x="381000" y="685800"/>
+            <a:ext cx="6096000" cy="3429000"/>
+          </a:xfrm>
+          <a:custGeom>
+            <a:avLst/>
+            <a:gdLst/>
+            <a:ahLst/>
+            <a:cxnLst/>
+            <a:rect l="l" t="t" r="r" b="b"/>
+            <a:pathLst>
+              <a:path w="120000" h="120000" extrusionOk="0">
+                <a:moveTo>
+                  <a:pt x="0" y="0"/>
+                </a:moveTo>
+                <a:lnTo>
+                  <a:pt x="120000" y="0"/>
+                </a:lnTo>
+                <a:lnTo>
+                  <a:pt x="120000" y="120000"/>
+                </a:lnTo>
+                <a:lnTo>
+                  <a:pt x="0" y="120000"/>
+                </a:lnTo>
+                <a:close/>
+              </a:path>
+            </a:pathLst>
+          </a:custGeom>
+        </p:spPr>
+      </p:sp>
+      <p:sp>
+        <p:nvSpPr>
+          <p:cNvPr id="520" name="Google Shape;520;gb2f7c811ed_0_5:notes"/>
+          <p:cNvSpPr txBox="1">
+            <a:spLocks noGrp="1"/>
+          </p:cNvSpPr>
+          <p:nvPr>
+            <p:ph type="body" idx="1"/>
+          </p:nvPr>
+        </p:nvSpPr>
+        <p:spPr>
+          <a:xfrm>
+            <a:off x="685800" y="4343400"/>
+            <a:ext cx="5486400" cy="4114800"/>
+          </a:xfrm>
+          <a:prstGeom prst="rect">
+            <a:avLst/>
+          </a:prstGeom>
+        </p:spPr>
+        <p:txBody>
+          <a:bodyPr spcFirstLastPara="1" wrap="square" lIns="91425" tIns="91425" rIns="91425" bIns="91425" anchor="t" anchorCtr="0">
+            <a:noAutofit/>
+          </a:bodyPr>
+          <a:lstStyle/>
+          <a:p>
+            <a:pPr marL="0" lvl="0" indent="0" algn="l" rtl="0">
+              <a:spcBef>
+                <a:spcPts val="0"/>
+              </a:spcBef>
+              <a:spcAft>
+                <a:spcPts val="0"/>
+              </a:spcAft>
+              <a:buNone/>
+            </a:pPr>
+            <a:endParaRPr/>
+          </a:p>
+        </p:txBody>
+      </p:sp>
+    </p:spTree>
+  </p:cSld>
+  <p:clrMapOvr>
+    <a:masterClrMapping/>
+  </p:clrMapOvr>
+</p:notes>
+</file>
+
+<file path=ppt/notesSlides/notesSlide7.xml><?xml version="1.0" encoding="utf-8"?>
+<p:notes xmlns:a="http://schemas.openxmlformats.org/drawingml/2006/main" xmlns:r="http://schemas.openxmlformats.org/officeDocument/2006/relationships" xmlns:p="http://schemas.openxmlformats.org/presentationml/2006/main" showMasterSp="0" showMasterPhAnim="0">
+  <p:cSld>
+    <p:spTree>
+      <p:nvGrpSpPr>
         <p:cNvPr id="1" name="Shape 158"/>
         <p:cNvGrpSpPr/>
         <p:nvPr/>
@@ -1675,7 +1774,7 @@
 </p:notes>
 </file>
 
-<file path=ppt/notesSlides/notesSlide7.xml><?xml version="1.0" encoding="utf-8"?>
+<file path=ppt/notesSlides/notesSlide8.xml><?xml version="1.0" encoding="utf-8"?>
 <p:notes xmlns:a="http://schemas.openxmlformats.org/drawingml/2006/main" xmlns:r="http://schemas.openxmlformats.org/officeDocument/2006/relationships" xmlns:p="http://schemas.openxmlformats.org/presentationml/2006/main" showMasterSp="0" showMasterPhAnim="0">
   <p:cSld>
     <p:spTree>
@@ -1779,7 +1878,7 @@
 </p:notes>
 </file>
 
-<file path=ppt/notesSlides/notesSlide8.xml><?xml version="1.0" encoding="utf-8"?>
+<file path=ppt/notesSlides/notesSlide9.xml><?xml version="1.0" encoding="utf-8"?>
 <p:notes xmlns:a="http://schemas.openxmlformats.org/drawingml/2006/main" xmlns:r="http://schemas.openxmlformats.org/officeDocument/2006/relationships" xmlns:p="http://schemas.openxmlformats.org/presentationml/2006/main" showMasterSp="0" showMasterPhAnim="0">
   <p:cSld>
     <p:spTree>
@@ -1881,110 +1980,6 @@
         <p14:creationId xmlns:p14="http://schemas.microsoft.com/office/powerpoint/2010/main" val="4129142679"/>
       </p:ext>
     </p:extLst>
-  </p:cSld>
-  <p:clrMapOvr>
-    <a:masterClrMapping/>
-  </p:clrMapOvr>
-</p:notes>
-</file>
-
-<file path=ppt/notesSlides/notesSlide9.xml><?xml version="1.0" encoding="utf-8"?>
-<p:notes xmlns:a="http://schemas.openxmlformats.org/drawingml/2006/main" xmlns:r="http://schemas.openxmlformats.org/officeDocument/2006/relationships" xmlns:p="http://schemas.openxmlformats.org/presentationml/2006/main" showMasterSp="0" showMasterPhAnim="0">
-  <p:cSld>
-    <p:spTree>
-      <p:nvGrpSpPr>
-        <p:cNvPr id="1" name="Shape 487"/>
-        <p:cNvGrpSpPr/>
-        <p:nvPr/>
-      </p:nvGrpSpPr>
-      <p:grpSpPr>
-        <a:xfrm>
-          <a:off x="0" y="0"/>
-          <a:ext cx="0" cy="0"/>
-          <a:chOff x="0" y="0"/>
-          <a:chExt cx="0" cy="0"/>
-        </a:xfrm>
-      </p:grpSpPr>
-      <p:sp>
-        <p:nvSpPr>
-          <p:cNvPr id="488" name="Google Shape;488;gb2f7c811ed_0_0:notes"/>
-          <p:cNvSpPr>
-            <a:spLocks noGrp="1" noRot="1" noChangeAspect="1"/>
-          </p:cNvSpPr>
-          <p:nvPr>
-            <p:ph type="sldImg" idx="2"/>
-          </p:nvPr>
-        </p:nvSpPr>
-        <p:spPr>
-          <a:xfrm>
-            <a:off x="381000" y="685800"/>
-            <a:ext cx="6096000" cy="3429000"/>
-          </a:xfrm>
-          <a:custGeom>
-            <a:avLst/>
-            <a:gdLst/>
-            <a:ahLst/>
-            <a:cxnLst/>
-            <a:rect l="l" t="t" r="r" b="b"/>
-            <a:pathLst>
-              <a:path w="120000" h="120000" extrusionOk="0">
-                <a:moveTo>
-                  <a:pt x="0" y="0"/>
-                </a:moveTo>
-                <a:lnTo>
-                  <a:pt x="120000" y="0"/>
-                </a:lnTo>
-                <a:lnTo>
-                  <a:pt x="120000" y="120000"/>
-                </a:lnTo>
-                <a:lnTo>
-                  <a:pt x="0" y="120000"/>
-                </a:lnTo>
-                <a:close/>
-              </a:path>
-            </a:pathLst>
-          </a:custGeom>
-        </p:spPr>
-      </p:sp>
-      <p:sp>
-        <p:nvSpPr>
-          <p:cNvPr id="489" name="Google Shape;489;gb2f7c811ed_0_0:notes"/>
-          <p:cNvSpPr txBox="1">
-            <a:spLocks noGrp="1"/>
-          </p:cNvSpPr>
-          <p:nvPr>
-            <p:ph type="body" idx="1"/>
-          </p:nvPr>
-        </p:nvSpPr>
-        <p:spPr>
-          <a:xfrm>
-            <a:off x="685800" y="4343400"/>
-            <a:ext cx="5486400" cy="4114800"/>
-          </a:xfrm>
-          <a:prstGeom prst="rect">
-            <a:avLst/>
-          </a:prstGeom>
-        </p:spPr>
-        <p:txBody>
-          <a:bodyPr spcFirstLastPara="1" wrap="square" lIns="91425" tIns="91425" rIns="91425" bIns="91425" anchor="t" anchorCtr="0">
-            <a:noAutofit/>
-          </a:bodyPr>
-          <a:lstStyle/>
-          <a:p>
-            <a:pPr marL="0" lvl="0" indent="0" algn="l" rtl="0">
-              <a:spcBef>
-                <a:spcPts val="0"/>
-              </a:spcBef>
-              <a:spcAft>
-                <a:spcPts val="0"/>
-              </a:spcAft>
-              <a:buNone/>
-            </a:pPr>
-            <a:endParaRPr/>
-          </a:p>
-        </p:txBody>
-      </p:sp>
-    </p:spTree>
   </p:cSld>
   <p:clrMapOvr>
     <a:masterClrMapping/>
@@ -4987,6 +4982,351 @@
 </p:sldLayout>
 </file>
 
+<file path=ppt/slideLayouts/slideLayout7.xml><?xml version="1.0" encoding="utf-8"?>
+<p:sldLayout xmlns:a="http://schemas.openxmlformats.org/drawingml/2006/main" xmlns:r="http://schemas.openxmlformats.org/officeDocument/2006/relationships" xmlns:p="http://schemas.openxmlformats.org/presentationml/2006/main" matchingName="Title only" type="titleOnly">
+  <p:cSld name="Title only">
+    <p:spTree>
+      <p:nvGrpSpPr>
+        <p:cNvPr id="1" name="Shape 51"/>
+        <p:cNvGrpSpPr/>
+        <p:nvPr/>
+      </p:nvGrpSpPr>
+      <p:grpSpPr>
+        <a:xfrm>
+          <a:off x="0" y="0"/>
+          <a:ext cx="0" cy="0"/>
+          <a:chOff x="0" y="0"/>
+          <a:chExt cx="0" cy="0"/>
+        </a:xfrm>
+      </p:grpSpPr>
+      <p:sp>
+        <p:nvSpPr>
+          <p:cNvPr id="52" name="Google Shape;52;p8"/>
+          <p:cNvSpPr txBox="1">
+            <a:spLocks noGrp="1"/>
+          </p:cNvSpPr>
+          <p:nvPr>
+            <p:ph type="title"/>
+          </p:nvPr>
+        </p:nvSpPr>
+        <p:spPr>
+          <a:xfrm>
+            <a:off x="855300" y="836000"/>
+            <a:ext cx="5307000" cy="396300"/>
+          </a:xfrm>
+          <a:prstGeom prst="rect">
+            <a:avLst/>
+          </a:prstGeom>
+        </p:spPr>
+        <p:txBody>
+          <a:bodyPr spcFirstLastPara="1" wrap="square" lIns="0" tIns="0" rIns="0" bIns="0" anchor="b" anchorCtr="0">
+            <a:noAutofit/>
+          </a:bodyPr>
+          <a:lstStyle>
+            <a:lvl1pPr lvl="0" rtl="0">
+              <a:spcBef>
+                <a:spcPts val="0"/>
+              </a:spcBef>
+              <a:spcAft>
+                <a:spcPts val="0"/>
+              </a:spcAft>
+              <a:buSzPts val="2400"/>
+              <a:buNone/>
+              <a:defRPr/>
+            </a:lvl1pPr>
+            <a:lvl2pPr lvl="1" rtl="0">
+              <a:spcBef>
+                <a:spcPts val="0"/>
+              </a:spcBef>
+              <a:spcAft>
+                <a:spcPts val="0"/>
+              </a:spcAft>
+              <a:buSzPts val="2400"/>
+              <a:buNone/>
+              <a:defRPr/>
+            </a:lvl2pPr>
+            <a:lvl3pPr lvl="2" rtl="0">
+              <a:spcBef>
+                <a:spcPts val="0"/>
+              </a:spcBef>
+              <a:spcAft>
+                <a:spcPts val="0"/>
+              </a:spcAft>
+              <a:buSzPts val="2400"/>
+              <a:buNone/>
+              <a:defRPr/>
+            </a:lvl3pPr>
+            <a:lvl4pPr lvl="3" rtl="0">
+              <a:spcBef>
+                <a:spcPts val="0"/>
+              </a:spcBef>
+              <a:spcAft>
+                <a:spcPts val="0"/>
+              </a:spcAft>
+              <a:buSzPts val="2400"/>
+              <a:buNone/>
+              <a:defRPr/>
+            </a:lvl4pPr>
+            <a:lvl5pPr lvl="4" rtl="0">
+              <a:spcBef>
+                <a:spcPts val="0"/>
+              </a:spcBef>
+              <a:spcAft>
+                <a:spcPts val="0"/>
+              </a:spcAft>
+              <a:buSzPts val="2400"/>
+              <a:buNone/>
+              <a:defRPr/>
+            </a:lvl5pPr>
+            <a:lvl6pPr lvl="5" rtl="0">
+              <a:spcBef>
+                <a:spcPts val="0"/>
+              </a:spcBef>
+              <a:spcAft>
+                <a:spcPts val="0"/>
+              </a:spcAft>
+              <a:buSzPts val="2400"/>
+              <a:buNone/>
+              <a:defRPr/>
+            </a:lvl6pPr>
+            <a:lvl7pPr lvl="6" rtl="0">
+              <a:spcBef>
+                <a:spcPts val="0"/>
+              </a:spcBef>
+              <a:spcAft>
+                <a:spcPts val="0"/>
+              </a:spcAft>
+              <a:buSzPts val="2400"/>
+              <a:buNone/>
+              <a:defRPr/>
+            </a:lvl7pPr>
+            <a:lvl8pPr lvl="7" rtl="0">
+              <a:spcBef>
+                <a:spcPts val="0"/>
+              </a:spcBef>
+              <a:spcAft>
+                <a:spcPts val="0"/>
+              </a:spcAft>
+              <a:buSzPts val="2400"/>
+              <a:buNone/>
+              <a:defRPr/>
+            </a:lvl8pPr>
+            <a:lvl9pPr lvl="8" rtl="0">
+              <a:spcBef>
+                <a:spcPts val="0"/>
+              </a:spcBef>
+              <a:spcAft>
+                <a:spcPts val="0"/>
+              </a:spcAft>
+              <a:buSzPts val="2400"/>
+              <a:buNone/>
+              <a:defRPr/>
+            </a:lvl9pPr>
+          </a:lstStyle>
+          <a:p>
+            <a:endParaRPr/>
+          </a:p>
+        </p:txBody>
+      </p:sp>
+      <p:sp>
+        <p:nvSpPr>
+          <p:cNvPr id="53" name="Google Shape;53;p8"/>
+          <p:cNvSpPr txBox="1">
+            <a:spLocks noGrp="1"/>
+          </p:cNvSpPr>
+          <p:nvPr>
+            <p:ph type="sldNum" idx="12"/>
+          </p:nvPr>
+        </p:nvSpPr>
+        <p:spPr>
+          <a:xfrm>
+            <a:off x="8693400" y="4749850"/>
+            <a:ext cx="450600" cy="347100"/>
+          </a:xfrm>
+          <a:prstGeom prst="rect">
+            <a:avLst/>
+          </a:prstGeom>
+        </p:spPr>
+        <p:txBody>
+          <a:bodyPr spcFirstLastPara="1" wrap="square" lIns="0" tIns="0" rIns="0" bIns="0" anchor="ctr" anchorCtr="0">
+            <a:noAutofit/>
+          </a:bodyPr>
+          <a:lstStyle>
+            <a:lvl1pPr lvl="0" rtl="0">
+              <a:buNone/>
+              <a:defRPr/>
+            </a:lvl1pPr>
+            <a:lvl2pPr lvl="1" rtl="0">
+              <a:buNone/>
+              <a:defRPr/>
+            </a:lvl2pPr>
+            <a:lvl3pPr lvl="2" rtl="0">
+              <a:buNone/>
+              <a:defRPr/>
+            </a:lvl3pPr>
+            <a:lvl4pPr lvl="3" rtl="0">
+              <a:buNone/>
+              <a:defRPr/>
+            </a:lvl4pPr>
+            <a:lvl5pPr lvl="4" rtl="0">
+              <a:buNone/>
+              <a:defRPr/>
+            </a:lvl5pPr>
+            <a:lvl6pPr lvl="5" rtl="0">
+              <a:buNone/>
+              <a:defRPr/>
+            </a:lvl6pPr>
+            <a:lvl7pPr lvl="6" rtl="0">
+              <a:buNone/>
+              <a:defRPr/>
+            </a:lvl7pPr>
+            <a:lvl8pPr lvl="7" rtl="0">
+              <a:buNone/>
+              <a:defRPr/>
+            </a:lvl8pPr>
+            <a:lvl9pPr lvl="8" rtl="0">
+              <a:buNone/>
+              <a:defRPr/>
+            </a:lvl9pPr>
+          </a:lstStyle>
+          <a:p>
+            <a:pPr marL="0" lvl="0" indent="0" algn="ctr" rtl="0">
+              <a:spcBef>
+                <a:spcPts val="0"/>
+              </a:spcBef>
+              <a:spcAft>
+                <a:spcPts val="0"/>
+              </a:spcAft>
+              <a:buNone/>
+            </a:pPr>
+            <a:fld id="{00000000-1234-1234-1234-123412341234}" type="slidenum">
+              <a:rPr lang="en"/>
+              <a:t>‹#›</a:t>
+            </a:fld>
+            <a:endParaRPr/>
+          </a:p>
+        </p:txBody>
+      </p:sp>
+      <p:grpSp>
+        <p:nvGrpSpPr>
+          <p:cNvPr id="54" name="Google Shape;54;p8"/>
+          <p:cNvGrpSpPr/>
+          <p:nvPr/>
+        </p:nvGrpSpPr>
+        <p:grpSpPr>
+          <a:xfrm>
+            <a:off x="0" y="1120426"/>
+            <a:ext cx="719125" cy="41709"/>
+            <a:chOff x="0" y="1120426"/>
+            <a:chExt cx="719125" cy="41709"/>
+          </a:xfrm>
+        </p:grpSpPr>
+        <p:sp>
+          <p:nvSpPr>
+            <p:cNvPr id="55" name="Google Shape;55;p8"/>
+            <p:cNvSpPr/>
+            <p:nvPr/>
+          </p:nvSpPr>
+          <p:spPr>
+            <a:xfrm>
+              <a:off x="0" y="1120426"/>
+              <a:ext cx="509100" cy="41700"/>
+            </a:xfrm>
+            <a:prstGeom prst="rect">
+              <a:avLst/>
+            </a:prstGeom>
+            <a:gradFill>
+              <a:gsLst>
+                <a:gs pos="0">
+                  <a:srgbClr val="FFFFFF">
+                    <a:alpha val="29803"/>
+                  </a:srgbClr>
+                </a:gs>
+                <a:gs pos="100000">
+                  <a:srgbClr val="FFFFFF">
+                    <a:alpha val="0"/>
+                  </a:srgbClr>
+                </a:gs>
+              </a:gsLst>
+              <a:lin ang="10800025" scaled="0"/>
+            </a:gradFill>
+            <a:ln>
+              <a:noFill/>
+            </a:ln>
+          </p:spPr>
+          <p:txBody>
+            <a:bodyPr spcFirstLastPara="1" wrap="square" lIns="91425" tIns="91425" rIns="91425" bIns="91425" anchor="ctr" anchorCtr="0">
+              <a:noAutofit/>
+            </a:bodyPr>
+            <a:lstStyle/>
+            <a:p>
+              <a:pPr marL="0" lvl="0" indent="0" algn="l" rtl="0">
+                <a:spcBef>
+                  <a:spcPts val="0"/>
+                </a:spcBef>
+                <a:spcAft>
+                  <a:spcPts val="0"/>
+                </a:spcAft>
+                <a:buNone/>
+              </a:pPr>
+              <a:endParaRPr/>
+            </a:p>
+          </p:txBody>
+        </p:sp>
+        <p:sp>
+          <p:nvSpPr>
+            <p:cNvPr id="56" name="Google Shape;56;p8"/>
+            <p:cNvSpPr/>
+            <p:nvPr/>
+          </p:nvSpPr>
+          <p:spPr>
+            <a:xfrm>
+              <a:off x="506425" y="1120435"/>
+              <a:ext cx="212700" cy="41700"/>
+            </a:xfrm>
+            <a:prstGeom prst="rect">
+              <a:avLst/>
+            </a:prstGeom>
+            <a:solidFill>
+              <a:schemeClr val="accent1"/>
+            </a:solidFill>
+            <a:ln>
+              <a:noFill/>
+            </a:ln>
+          </p:spPr>
+          <p:txBody>
+            <a:bodyPr spcFirstLastPara="1" wrap="square" lIns="91425" tIns="91425" rIns="91425" bIns="91425" anchor="ctr" anchorCtr="0">
+              <a:noAutofit/>
+            </a:bodyPr>
+            <a:lstStyle/>
+            <a:p>
+              <a:pPr marL="0" lvl="0" indent="0" algn="l" rtl="0">
+                <a:spcBef>
+                  <a:spcPts val="0"/>
+                </a:spcBef>
+                <a:spcAft>
+                  <a:spcPts val="0"/>
+                </a:spcAft>
+                <a:buNone/>
+              </a:pPr>
+              <a:endParaRPr/>
+            </a:p>
+          </p:txBody>
+        </p:sp>
+      </p:grpSp>
+    </p:spTree>
+    <p:extLst>
+      <p:ext uri="{BB962C8B-B14F-4D97-AF65-F5344CB8AC3E}">
+        <p14:creationId xmlns:p14="http://schemas.microsoft.com/office/powerpoint/2010/main" val="2136314000"/>
+      </p:ext>
+    </p:extLst>
+  </p:cSld>
+  <p:clrMapOvr>
+    <a:masterClrMapping/>
+  </p:clrMapOvr>
+</p:sldLayout>
+</file>
+
 <file path=ppt/slideMasters/slideMaster1.xml><?xml version="1.0" encoding="utf-8"?>
 <p:sldMaster xmlns:a="http://schemas.openxmlformats.org/drawingml/2006/main" xmlns:r="http://schemas.openxmlformats.org/officeDocument/2006/relationships" xmlns:p="http://schemas.openxmlformats.org/presentationml/2006/main">
   <p:cSld name="simple-light">
@@ -5810,6 +6150,7 @@
     <p:sldLayoutId id="2147483652" r:id="rId4"/>
     <p:sldLayoutId id="2147483653" r:id="rId5"/>
     <p:sldLayoutId id="2147483656" r:id="rId6"/>
+    <p:sldLayoutId id="2147483658" r:id="rId7"/>
   </p:sldLayoutIdLst>
   <mc:AlternateContent xmlns:mc="http://schemas.openxmlformats.org/markup-compatibility/2006" xmlns:p14="http://schemas.microsoft.com/office/powerpoint/2010/main">
     <mc:Choice Requires="p14">
@@ -9351,6 +9692,2961 @@
   <p:cSld>
     <p:spTree>
       <p:nvGrpSpPr>
+        <p:cNvPr id="1" name="Shape 490"/>
+        <p:cNvGrpSpPr/>
+        <p:nvPr/>
+      </p:nvGrpSpPr>
+      <p:grpSpPr>
+        <a:xfrm>
+          <a:off x="0" y="0"/>
+          <a:ext cx="0" cy="0"/>
+          <a:chOff x="0" y="0"/>
+          <a:chExt cx="0" cy="0"/>
+        </a:xfrm>
+      </p:grpSpPr>
+      <p:sp>
+        <p:nvSpPr>
+          <p:cNvPr id="491" name="Google Shape;491;p36"/>
+          <p:cNvSpPr txBox="1">
+            <a:spLocks noGrp="1"/>
+          </p:cNvSpPr>
+          <p:nvPr>
+            <p:ph type="ctrTitle"/>
+          </p:nvPr>
+        </p:nvSpPr>
+        <p:spPr>
+          <a:xfrm>
+            <a:off x="814769" y="85412"/>
+            <a:ext cx="5110800" cy="1159800"/>
+          </a:xfrm>
+          <a:prstGeom prst="rect">
+            <a:avLst/>
+          </a:prstGeom>
+        </p:spPr>
+        <p:txBody>
+          <a:bodyPr spcFirstLastPara="1" wrap="square" lIns="0" tIns="0" rIns="0" bIns="0" anchor="b" anchorCtr="0">
+            <a:noAutofit/>
+          </a:bodyPr>
+          <a:lstStyle/>
+          <a:p>
+            <a:pPr marL="0" lvl="0" indent="0" algn="l" rtl="0">
+              <a:spcBef>
+                <a:spcPts val="0"/>
+              </a:spcBef>
+              <a:spcAft>
+                <a:spcPts val="0"/>
+              </a:spcAft>
+              <a:buNone/>
+            </a:pPr>
+            <a:r>
+              <a:rPr lang="en" dirty="0"/>
+              <a:t>TONS OF LEARNING !</a:t>
+            </a:r>
+            <a:endParaRPr dirty="0"/>
+          </a:p>
+        </p:txBody>
+      </p:sp>
+      <p:sp>
+        <p:nvSpPr>
+          <p:cNvPr id="492" name="Google Shape;492;p36"/>
+          <p:cNvSpPr txBox="1">
+            <a:spLocks noGrp="1"/>
+          </p:cNvSpPr>
+          <p:nvPr>
+            <p:ph type="subTitle" idx="1"/>
+          </p:nvPr>
+        </p:nvSpPr>
+        <p:spPr>
+          <a:xfrm>
+            <a:off x="872981" y="1446580"/>
+            <a:ext cx="5110800" cy="428100"/>
+          </a:xfrm>
+          <a:prstGeom prst="rect">
+            <a:avLst/>
+          </a:prstGeom>
+        </p:spPr>
+        <p:txBody>
+          <a:bodyPr spcFirstLastPara="1" wrap="square" lIns="0" tIns="0" rIns="0" bIns="0" anchor="t" anchorCtr="0">
+            <a:noAutofit/>
+          </a:bodyPr>
+          <a:lstStyle/>
+          <a:p>
+            <a:pPr marL="342900" lvl="0" indent="-342900" algn="l" rtl="0">
+              <a:spcBef>
+                <a:spcPts val="0"/>
+              </a:spcBef>
+              <a:spcAft>
+                <a:spcPts val="800"/>
+              </a:spcAft>
+              <a:buFont typeface="Wingdings" panose="05000000000000000000" pitchFamily="2" charset="2"/>
+              <a:buChar char="§"/>
+            </a:pPr>
+            <a:r>
+              <a:rPr lang="en-US" sz="2000" dirty="0">
+                <a:solidFill>
+                  <a:schemeClr val="tx1"/>
+                </a:solidFill>
+              </a:rPr>
+              <a:t>I learnt Django and React from scratch and I’m glad I was able to pull off the prototype.</a:t>
+            </a:r>
+          </a:p>
+          <a:p>
+            <a:pPr marL="342900" lvl="0" indent="-342900" algn="l" rtl="0">
+              <a:spcBef>
+                <a:spcPts val="0"/>
+              </a:spcBef>
+              <a:spcAft>
+                <a:spcPts val="800"/>
+              </a:spcAft>
+              <a:buFont typeface="Wingdings" panose="05000000000000000000" pitchFamily="2" charset="2"/>
+              <a:buChar char="§"/>
+            </a:pPr>
+            <a:r>
+              <a:rPr lang="en-US" sz="2000" dirty="0">
+                <a:solidFill>
+                  <a:schemeClr val="tx1"/>
+                </a:solidFill>
+              </a:rPr>
+              <a:t>I read a lot about face recognition algorithms and figured out an optimal, memory efficient and fast way to do it.</a:t>
+            </a:r>
+          </a:p>
+          <a:p>
+            <a:pPr marL="342900" lvl="0" indent="-342900" algn="l" rtl="0">
+              <a:spcBef>
+                <a:spcPts val="0"/>
+              </a:spcBef>
+              <a:spcAft>
+                <a:spcPts val="800"/>
+              </a:spcAft>
+              <a:buFont typeface="Wingdings" panose="05000000000000000000" pitchFamily="2" charset="2"/>
+              <a:buChar char="§"/>
+            </a:pPr>
+            <a:r>
+              <a:rPr lang="en-US" sz="2000" dirty="0">
+                <a:solidFill>
+                  <a:schemeClr val="tx1"/>
+                </a:solidFill>
+              </a:rPr>
+              <a:t>I also practiced good code documentation and code base management techniques.</a:t>
+            </a:r>
+          </a:p>
+          <a:p>
+            <a:pPr marL="342900" lvl="0" indent="-342900" algn="l" rtl="0">
+              <a:spcBef>
+                <a:spcPts val="0"/>
+              </a:spcBef>
+              <a:spcAft>
+                <a:spcPts val="800"/>
+              </a:spcAft>
+              <a:buFont typeface="Wingdings" panose="05000000000000000000" pitchFamily="2" charset="2"/>
+              <a:buChar char="§"/>
+            </a:pPr>
+            <a:r>
+              <a:rPr lang="en-US" sz="2000" dirty="0">
+                <a:solidFill>
+                  <a:schemeClr val="tx1"/>
+                </a:solidFill>
+              </a:rPr>
+              <a:t>Most importantly, I learnt how to resolve the difficulties you face in any tasks :)</a:t>
+            </a:r>
+            <a:endParaRPr sz="2000" dirty="0">
+              <a:solidFill>
+                <a:schemeClr val="tx1"/>
+              </a:solidFill>
+            </a:endParaRPr>
+          </a:p>
+        </p:txBody>
+      </p:sp>
+      <p:grpSp>
+        <p:nvGrpSpPr>
+          <p:cNvPr id="54" name="Grupo 53">
+            <a:extLst>
+              <a:ext uri="{FF2B5EF4-FFF2-40B4-BE49-F238E27FC236}">
+                <a16:creationId xmlns:a16="http://schemas.microsoft.com/office/drawing/2014/main" id="{C1C0CF39-E114-3949-A27F-1C46512C1BF9}"/>
+              </a:ext>
+            </a:extLst>
+          </p:cNvPr>
+          <p:cNvGrpSpPr/>
+          <p:nvPr/>
+        </p:nvGrpSpPr>
+        <p:grpSpPr>
+          <a:xfrm>
+            <a:off x="5598057" y="477007"/>
+            <a:ext cx="3378214" cy="3959923"/>
+            <a:chOff x="7017258" y="4131327"/>
+            <a:chExt cx="583504" cy="683980"/>
+          </a:xfrm>
+        </p:grpSpPr>
+        <p:sp>
+          <p:nvSpPr>
+            <p:cNvPr id="55" name="Google Shape;1160;p46">
+              <a:extLst>
+                <a:ext uri="{FF2B5EF4-FFF2-40B4-BE49-F238E27FC236}">
+                  <a16:creationId xmlns:a16="http://schemas.microsoft.com/office/drawing/2014/main" id="{0B46D6C6-9873-6D47-AAD1-DB7F3E676FA1}"/>
+                </a:ext>
+              </a:extLst>
+            </p:cNvPr>
+            <p:cNvSpPr/>
+            <p:nvPr/>
+          </p:nvSpPr>
+          <p:spPr>
+            <a:xfrm>
+              <a:off x="7315814" y="4178415"/>
+              <a:ext cx="150241" cy="410597"/>
+            </a:xfrm>
+            <a:custGeom>
+              <a:avLst/>
+              <a:gdLst/>
+              <a:ahLst/>
+              <a:cxnLst/>
+              <a:rect l="l" t="t" r="r" b="b"/>
+              <a:pathLst>
+                <a:path w="1502409" h="4105966" extrusionOk="0">
+                  <a:moveTo>
+                    <a:pt x="0" y="0"/>
+                  </a:moveTo>
+                  <a:lnTo>
+                    <a:pt x="1502410" y="868091"/>
+                  </a:lnTo>
+                  <a:lnTo>
+                    <a:pt x="1502410" y="4105966"/>
+                  </a:lnTo>
+                  <a:lnTo>
+                    <a:pt x="0" y="3238679"/>
+                  </a:lnTo>
+                  <a:lnTo>
+                    <a:pt x="0" y="0"/>
+                  </a:lnTo>
+                  <a:close/>
+                </a:path>
+              </a:pathLst>
+            </a:custGeom>
+            <a:solidFill>
+              <a:srgbClr val="FFFFFF">
+                <a:alpha val="9800"/>
+              </a:srgbClr>
+            </a:solidFill>
+            <a:ln>
+              <a:noFill/>
+            </a:ln>
+          </p:spPr>
+          <p:txBody>
+            <a:bodyPr spcFirstLastPara="1" wrap="square" lIns="68575" tIns="34275" rIns="68575" bIns="34275" anchor="ctr" anchorCtr="0">
+              <a:noAutofit/>
+            </a:bodyPr>
+            <a:lstStyle/>
+            <a:p>
+              <a:pPr marL="0" marR="0" lvl="0" indent="0" algn="l" rtl="0">
+                <a:spcBef>
+                  <a:spcPts val="0"/>
+                </a:spcBef>
+                <a:spcAft>
+                  <a:spcPts val="0"/>
+                </a:spcAft>
+                <a:buNone/>
+              </a:pPr>
+              <a:endParaRPr sz="1400">
+                <a:solidFill>
+                  <a:schemeClr val="dk1"/>
+                </a:solidFill>
+                <a:latin typeface="Calibri"/>
+                <a:ea typeface="Calibri"/>
+                <a:cs typeface="Calibri"/>
+                <a:sym typeface="Calibri"/>
+              </a:endParaRPr>
+            </a:p>
+          </p:txBody>
+        </p:sp>
+        <p:sp>
+          <p:nvSpPr>
+            <p:cNvPr id="56" name="Google Shape;1161;p46">
+              <a:extLst>
+                <a:ext uri="{FF2B5EF4-FFF2-40B4-BE49-F238E27FC236}">
+                  <a16:creationId xmlns:a16="http://schemas.microsoft.com/office/drawing/2014/main" id="{DA490056-2149-524D-843B-0B23B4A63343}"/>
+                </a:ext>
+              </a:extLst>
+            </p:cNvPr>
+            <p:cNvSpPr/>
+            <p:nvPr/>
+          </p:nvSpPr>
+          <p:spPr>
+            <a:xfrm>
+              <a:off x="7320563" y="4281056"/>
+              <a:ext cx="70592" cy="94782"/>
+            </a:xfrm>
+            <a:custGeom>
+              <a:avLst/>
+              <a:gdLst/>
+              <a:ahLst/>
+              <a:cxnLst/>
+              <a:rect l="l" t="t" r="r" b="b"/>
+              <a:pathLst>
+                <a:path w="705920" h="947817" extrusionOk="0">
+                  <a:moveTo>
+                    <a:pt x="352852" y="947818"/>
+                  </a:moveTo>
+                  <a:cubicBezTo>
+                    <a:pt x="-335753" y="51620"/>
+                    <a:pt x="162642" y="-272810"/>
+                    <a:pt x="352852" y="252381"/>
+                  </a:cubicBezTo>
+                  <a:cubicBezTo>
+                    <a:pt x="543863" y="-49564"/>
+                    <a:pt x="1041456" y="855467"/>
+                    <a:pt x="352852" y="947818"/>
+                  </a:cubicBezTo>
+                  <a:close/>
+                </a:path>
+              </a:pathLst>
+            </a:custGeom>
+            <a:solidFill>
+              <a:srgbClr val="FFFFFF">
+                <a:alpha val="9800"/>
+              </a:srgbClr>
+            </a:solidFill>
+            <a:ln>
+              <a:noFill/>
+            </a:ln>
+          </p:spPr>
+          <p:txBody>
+            <a:bodyPr spcFirstLastPara="1" wrap="square" lIns="68575" tIns="34275" rIns="68575" bIns="34275" anchor="ctr" anchorCtr="0">
+              <a:noAutofit/>
+            </a:bodyPr>
+            <a:lstStyle/>
+            <a:p>
+              <a:pPr marL="0" marR="0" lvl="0" indent="0" algn="l" rtl="0">
+                <a:spcBef>
+                  <a:spcPts val="0"/>
+                </a:spcBef>
+                <a:spcAft>
+                  <a:spcPts val="0"/>
+                </a:spcAft>
+                <a:buNone/>
+              </a:pPr>
+              <a:endParaRPr sz="1400">
+                <a:solidFill>
+                  <a:schemeClr val="dk1"/>
+                </a:solidFill>
+                <a:latin typeface="Calibri"/>
+                <a:ea typeface="Calibri"/>
+                <a:cs typeface="Calibri"/>
+                <a:sym typeface="Calibri"/>
+              </a:endParaRPr>
+            </a:p>
+          </p:txBody>
+        </p:sp>
+        <p:sp>
+          <p:nvSpPr>
+            <p:cNvPr id="57" name="Google Shape;1162;p46">
+              <a:extLst>
+                <a:ext uri="{FF2B5EF4-FFF2-40B4-BE49-F238E27FC236}">
+                  <a16:creationId xmlns:a16="http://schemas.microsoft.com/office/drawing/2014/main" id="{3C5EE54E-1191-F64D-B370-D9B5C3978D8F}"/>
+                </a:ext>
+              </a:extLst>
+            </p:cNvPr>
+            <p:cNvSpPr/>
+            <p:nvPr/>
+          </p:nvSpPr>
+          <p:spPr>
+            <a:xfrm>
+              <a:off x="7077193" y="4326164"/>
+              <a:ext cx="134029" cy="147278"/>
+            </a:xfrm>
+            <a:custGeom>
+              <a:avLst/>
+              <a:gdLst/>
+              <a:ahLst/>
+              <a:cxnLst/>
+              <a:rect l="l" t="t" r="r" b="b"/>
+              <a:pathLst>
+                <a:path w="1340290" h="1472783" extrusionOk="0">
+                  <a:moveTo>
+                    <a:pt x="1340291" y="774135"/>
+                  </a:moveTo>
+                  <a:lnTo>
+                    <a:pt x="0" y="0"/>
+                  </a:lnTo>
+                  <a:lnTo>
+                    <a:pt x="0" y="698649"/>
+                  </a:lnTo>
+                  <a:lnTo>
+                    <a:pt x="1340291" y="1472784"/>
+                  </a:lnTo>
+                  <a:lnTo>
+                    <a:pt x="1340291" y="774135"/>
+                  </a:lnTo>
+                  <a:close/>
+                </a:path>
+              </a:pathLst>
+            </a:custGeom>
+            <a:gradFill>
+              <a:gsLst>
+                <a:gs pos="0">
+                  <a:srgbClr val="FFFFFF">
+                    <a:alpha val="29803"/>
+                    <a:alpha val="29800"/>
+                  </a:srgbClr>
+                </a:gs>
+                <a:gs pos="100000">
+                  <a:srgbClr val="FFFFFF">
+                    <a:alpha val="0"/>
+                  </a:srgbClr>
+                </a:gs>
+              </a:gsLst>
+              <a:lin ang="10801400" scaled="0"/>
+            </a:gradFill>
+            <a:ln>
+              <a:noFill/>
+            </a:ln>
+          </p:spPr>
+          <p:txBody>
+            <a:bodyPr spcFirstLastPara="1" wrap="square" lIns="68575" tIns="34275" rIns="68575" bIns="34275" anchor="ctr" anchorCtr="0">
+              <a:noAutofit/>
+            </a:bodyPr>
+            <a:lstStyle/>
+            <a:p>
+              <a:pPr marL="0" marR="0" lvl="0" indent="0" algn="l" rtl="0">
+                <a:spcBef>
+                  <a:spcPts val="0"/>
+                </a:spcBef>
+                <a:spcAft>
+                  <a:spcPts val="0"/>
+                </a:spcAft>
+                <a:buNone/>
+              </a:pPr>
+              <a:endParaRPr sz="1400">
+                <a:solidFill>
+                  <a:schemeClr val="dk1"/>
+                </a:solidFill>
+                <a:latin typeface="Calibri"/>
+                <a:ea typeface="Calibri"/>
+                <a:cs typeface="Calibri"/>
+                <a:sym typeface="Calibri"/>
+              </a:endParaRPr>
+            </a:p>
+          </p:txBody>
+        </p:sp>
+        <p:sp>
+          <p:nvSpPr>
+            <p:cNvPr id="58" name="Google Shape;1163;p46">
+              <a:extLst>
+                <a:ext uri="{FF2B5EF4-FFF2-40B4-BE49-F238E27FC236}">
+                  <a16:creationId xmlns:a16="http://schemas.microsoft.com/office/drawing/2014/main" id="{BA083FF7-428D-C24A-B881-36F5DB395AF1}"/>
+                </a:ext>
+              </a:extLst>
+            </p:cNvPr>
+            <p:cNvSpPr/>
+            <p:nvPr/>
+          </p:nvSpPr>
+          <p:spPr>
+            <a:xfrm>
+              <a:off x="7089116" y="4349542"/>
+              <a:ext cx="15249" cy="22656"/>
+            </a:xfrm>
+            <a:custGeom>
+              <a:avLst/>
+              <a:gdLst/>
+              <a:ahLst/>
+              <a:cxnLst/>
+              <a:rect l="l" t="t" r="r" b="b"/>
+              <a:pathLst>
+                <a:path w="152488" h="226558" extrusionOk="0">
+                  <a:moveTo>
+                    <a:pt x="152488" y="157447"/>
+                  </a:moveTo>
+                  <a:cubicBezTo>
+                    <a:pt x="152488" y="215266"/>
+                    <a:pt x="118780" y="241767"/>
+                    <a:pt x="76244" y="217675"/>
+                  </a:cubicBezTo>
+                  <a:cubicBezTo>
+                    <a:pt x="34510" y="193584"/>
+                    <a:pt x="0" y="126931"/>
+                    <a:pt x="0" y="69112"/>
+                  </a:cubicBezTo>
+                  <a:cubicBezTo>
+                    <a:pt x="0" y="11293"/>
+                    <a:pt x="33708" y="-15208"/>
+                    <a:pt x="76244" y="8884"/>
+                  </a:cubicBezTo>
+                  <a:cubicBezTo>
+                    <a:pt x="118780" y="32975"/>
+                    <a:pt x="152488" y="99628"/>
+                    <a:pt x="152488" y="157447"/>
+                  </a:cubicBezTo>
+                  <a:close/>
+                </a:path>
+              </a:pathLst>
+            </a:custGeom>
+            <a:solidFill>
+              <a:schemeClr val="accent2"/>
+            </a:solidFill>
+            <a:ln>
+              <a:noFill/>
+            </a:ln>
+          </p:spPr>
+          <p:txBody>
+            <a:bodyPr spcFirstLastPara="1" wrap="square" lIns="68575" tIns="34275" rIns="68575" bIns="34275" anchor="ctr" anchorCtr="0">
+              <a:noAutofit/>
+            </a:bodyPr>
+            <a:lstStyle/>
+            <a:p>
+              <a:pPr marL="0" marR="0" lvl="0" indent="0" algn="l" rtl="0">
+                <a:spcBef>
+                  <a:spcPts val="0"/>
+                </a:spcBef>
+                <a:spcAft>
+                  <a:spcPts val="0"/>
+                </a:spcAft>
+                <a:buNone/>
+              </a:pPr>
+              <a:endParaRPr sz="1400">
+                <a:solidFill>
+                  <a:schemeClr val="dk1"/>
+                </a:solidFill>
+                <a:latin typeface="Calibri"/>
+                <a:ea typeface="Calibri"/>
+                <a:cs typeface="Calibri"/>
+                <a:sym typeface="Calibri"/>
+              </a:endParaRPr>
+            </a:p>
+          </p:txBody>
+        </p:sp>
+        <p:sp>
+          <p:nvSpPr>
+            <p:cNvPr id="59" name="Google Shape;1164;p46">
+              <a:extLst>
+                <a:ext uri="{FF2B5EF4-FFF2-40B4-BE49-F238E27FC236}">
+                  <a16:creationId xmlns:a16="http://schemas.microsoft.com/office/drawing/2014/main" id="{839367E8-6B3B-B741-86D0-942ABD040E64}"/>
+                </a:ext>
+              </a:extLst>
+            </p:cNvPr>
+            <p:cNvSpPr/>
+            <p:nvPr/>
+          </p:nvSpPr>
+          <p:spPr>
+            <a:xfrm>
+              <a:off x="7111362" y="4360598"/>
+              <a:ext cx="48876" cy="39108"/>
+            </a:xfrm>
+            <a:custGeom>
+              <a:avLst/>
+              <a:gdLst/>
+              <a:ahLst/>
+              <a:cxnLst/>
+              <a:rect l="l" t="t" r="r" b="b"/>
+              <a:pathLst>
+                <a:path w="488764" h="391082" extrusionOk="0">
+                  <a:moveTo>
+                    <a:pt x="0" y="0"/>
+                  </a:moveTo>
+                  <a:lnTo>
+                    <a:pt x="488765" y="281869"/>
+                  </a:lnTo>
+                  <a:lnTo>
+                    <a:pt x="488765" y="391083"/>
+                  </a:lnTo>
+                  <a:lnTo>
+                    <a:pt x="0" y="110017"/>
+                  </a:lnTo>
+                  <a:lnTo>
+                    <a:pt x="0" y="0"/>
+                  </a:lnTo>
+                  <a:close/>
+                </a:path>
+              </a:pathLst>
+            </a:custGeom>
+            <a:solidFill>
+              <a:srgbClr val="FFFFFF">
+                <a:alpha val="29800"/>
+              </a:srgbClr>
+            </a:solidFill>
+            <a:ln>
+              <a:noFill/>
+            </a:ln>
+          </p:spPr>
+          <p:txBody>
+            <a:bodyPr spcFirstLastPara="1" wrap="square" lIns="68575" tIns="34275" rIns="68575" bIns="34275" anchor="ctr" anchorCtr="0">
+              <a:noAutofit/>
+            </a:bodyPr>
+            <a:lstStyle/>
+            <a:p>
+              <a:pPr marL="0" marR="0" lvl="0" indent="0" algn="l" rtl="0">
+                <a:spcBef>
+                  <a:spcPts val="0"/>
+                </a:spcBef>
+                <a:spcAft>
+                  <a:spcPts val="0"/>
+                </a:spcAft>
+                <a:buNone/>
+              </a:pPr>
+              <a:endParaRPr sz="1400">
+                <a:solidFill>
+                  <a:schemeClr val="dk1"/>
+                </a:solidFill>
+                <a:latin typeface="Calibri"/>
+                <a:ea typeface="Calibri"/>
+                <a:cs typeface="Calibri"/>
+                <a:sym typeface="Calibri"/>
+              </a:endParaRPr>
+            </a:p>
+          </p:txBody>
+        </p:sp>
+        <p:sp>
+          <p:nvSpPr>
+            <p:cNvPr id="60" name="Google Shape;1165;p46">
+              <a:extLst>
+                <a:ext uri="{FF2B5EF4-FFF2-40B4-BE49-F238E27FC236}">
+                  <a16:creationId xmlns:a16="http://schemas.microsoft.com/office/drawing/2014/main" id="{A7B9A1FD-47D5-2949-A8F7-750BB12601C5}"/>
+                </a:ext>
+              </a:extLst>
+            </p:cNvPr>
+            <p:cNvSpPr/>
+            <p:nvPr/>
+          </p:nvSpPr>
+          <p:spPr>
+            <a:xfrm>
+              <a:off x="7111442" y="4383982"/>
+              <a:ext cx="85875" cy="60469"/>
+            </a:xfrm>
+            <a:custGeom>
+              <a:avLst/>
+              <a:gdLst/>
+              <a:ahLst/>
+              <a:cxnLst/>
+              <a:rect l="l" t="t" r="r" b="b"/>
+              <a:pathLst>
+                <a:path w="858749" h="604692" extrusionOk="0">
+                  <a:moveTo>
+                    <a:pt x="0" y="0"/>
+                  </a:moveTo>
+                  <a:lnTo>
+                    <a:pt x="858749" y="495479"/>
+                  </a:lnTo>
+                  <a:lnTo>
+                    <a:pt x="858749" y="604692"/>
+                  </a:lnTo>
+                  <a:lnTo>
+                    <a:pt x="0" y="109214"/>
+                  </a:lnTo>
+                  <a:lnTo>
+                    <a:pt x="0" y="0"/>
+                  </a:lnTo>
+                  <a:close/>
+                </a:path>
+              </a:pathLst>
+            </a:custGeom>
+            <a:solidFill>
+              <a:srgbClr val="FFFFFF">
+                <a:alpha val="29800"/>
+              </a:srgbClr>
+            </a:solidFill>
+            <a:ln>
+              <a:noFill/>
+            </a:ln>
+          </p:spPr>
+          <p:txBody>
+            <a:bodyPr spcFirstLastPara="1" wrap="square" lIns="68575" tIns="34275" rIns="68575" bIns="34275" anchor="ctr" anchorCtr="0">
+              <a:noAutofit/>
+            </a:bodyPr>
+            <a:lstStyle/>
+            <a:p>
+              <a:pPr marL="0" marR="0" lvl="0" indent="0" algn="l" rtl="0">
+                <a:spcBef>
+                  <a:spcPts val="0"/>
+                </a:spcBef>
+                <a:spcAft>
+                  <a:spcPts val="0"/>
+                </a:spcAft>
+                <a:buNone/>
+              </a:pPr>
+              <a:endParaRPr sz="1400">
+                <a:solidFill>
+                  <a:schemeClr val="dk1"/>
+                </a:solidFill>
+                <a:latin typeface="Calibri"/>
+                <a:ea typeface="Calibri"/>
+                <a:cs typeface="Calibri"/>
+                <a:sym typeface="Calibri"/>
+              </a:endParaRPr>
+            </a:p>
+          </p:txBody>
+        </p:sp>
+        <p:sp>
+          <p:nvSpPr>
+            <p:cNvPr id="61" name="Google Shape;1166;p46">
+              <a:extLst>
+                <a:ext uri="{FF2B5EF4-FFF2-40B4-BE49-F238E27FC236}">
+                  <a16:creationId xmlns:a16="http://schemas.microsoft.com/office/drawing/2014/main" id="{5FEC3C0A-4C02-A64E-9743-92B4501C194D}"/>
+                </a:ext>
+              </a:extLst>
+            </p:cNvPr>
+            <p:cNvSpPr/>
+            <p:nvPr/>
+          </p:nvSpPr>
+          <p:spPr>
+            <a:xfrm>
+              <a:off x="7281165" y="4207564"/>
+              <a:ext cx="150241" cy="410597"/>
+            </a:xfrm>
+            <a:custGeom>
+              <a:avLst/>
+              <a:gdLst/>
+              <a:ahLst/>
+              <a:cxnLst/>
+              <a:rect l="l" t="t" r="r" b="b"/>
+              <a:pathLst>
+                <a:path w="1502410" h="4105966" extrusionOk="0">
+                  <a:moveTo>
+                    <a:pt x="0" y="0"/>
+                  </a:moveTo>
+                  <a:lnTo>
+                    <a:pt x="1502410" y="868091"/>
+                  </a:lnTo>
+                  <a:lnTo>
+                    <a:pt x="1502410" y="4105967"/>
+                  </a:lnTo>
+                  <a:lnTo>
+                    <a:pt x="0" y="3238679"/>
+                  </a:lnTo>
+                  <a:lnTo>
+                    <a:pt x="0" y="0"/>
+                  </a:lnTo>
+                  <a:close/>
+                </a:path>
+              </a:pathLst>
+            </a:custGeom>
+            <a:gradFill>
+              <a:gsLst>
+                <a:gs pos="0">
+                  <a:srgbClr val="FFFFFF">
+                    <a:alpha val="29803"/>
+                    <a:alpha val="29800"/>
+                  </a:srgbClr>
+                </a:gs>
+                <a:gs pos="100000">
+                  <a:srgbClr val="FFFFFF">
+                    <a:alpha val="0"/>
+                  </a:srgbClr>
+                </a:gs>
+              </a:gsLst>
+              <a:lin ang="5400700" scaled="0"/>
+            </a:gradFill>
+            <a:ln>
+              <a:noFill/>
+            </a:ln>
+          </p:spPr>
+          <p:txBody>
+            <a:bodyPr spcFirstLastPara="1" wrap="square" lIns="68575" tIns="34275" rIns="68575" bIns="34275" anchor="ctr" anchorCtr="0">
+              <a:noAutofit/>
+            </a:bodyPr>
+            <a:lstStyle/>
+            <a:p>
+              <a:pPr marL="0" marR="0" lvl="0" indent="0" algn="l" rtl="0">
+                <a:spcBef>
+                  <a:spcPts val="0"/>
+                </a:spcBef>
+                <a:spcAft>
+                  <a:spcPts val="0"/>
+                </a:spcAft>
+                <a:buNone/>
+              </a:pPr>
+              <a:endParaRPr sz="1400">
+                <a:solidFill>
+                  <a:schemeClr val="dk1"/>
+                </a:solidFill>
+                <a:latin typeface="Calibri"/>
+                <a:ea typeface="Calibri"/>
+                <a:cs typeface="Calibri"/>
+                <a:sym typeface="Calibri"/>
+              </a:endParaRPr>
+            </a:p>
+          </p:txBody>
+        </p:sp>
+        <p:sp>
+          <p:nvSpPr>
+            <p:cNvPr id="62" name="Google Shape;1167;p46">
+              <a:extLst>
+                <a:ext uri="{FF2B5EF4-FFF2-40B4-BE49-F238E27FC236}">
+                  <a16:creationId xmlns:a16="http://schemas.microsoft.com/office/drawing/2014/main" id="{245CFDBC-B787-F140-A27C-8FE8AEB99F24}"/>
+                </a:ext>
+              </a:extLst>
+            </p:cNvPr>
+            <p:cNvSpPr/>
+            <p:nvPr/>
+          </p:nvSpPr>
+          <p:spPr>
+            <a:xfrm>
+              <a:off x="7295649" y="4387505"/>
+              <a:ext cx="120706" cy="80626"/>
+            </a:xfrm>
+            <a:custGeom>
+              <a:avLst/>
+              <a:gdLst/>
+              <a:ahLst/>
+              <a:cxnLst/>
+              <a:rect l="l" t="t" r="r" b="b"/>
+              <a:pathLst>
+                <a:path w="1207064" h="806256" extrusionOk="0">
+                  <a:moveTo>
+                    <a:pt x="0" y="0"/>
+                  </a:moveTo>
+                  <a:lnTo>
+                    <a:pt x="1207064" y="697043"/>
+                  </a:lnTo>
+                  <a:lnTo>
+                    <a:pt x="1207064" y="806257"/>
+                  </a:lnTo>
+                  <a:lnTo>
+                    <a:pt x="0" y="109214"/>
+                  </a:lnTo>
+                  <a:lnTo>
+                    <a:pt x="0" y="0"/>
+                  </a:lnTo>
+                  <a:close/>
+                </a:path>
+              </a:pathLst>
+            </a:custGeom>
+            <a:solidFill>
+              <a:srgbClr val="FFFFFF">
+                <a:alpha val="29800"/>
+              </a:srgbClr>
+            </a:solidFill>
+            <a:ln>
+              <a:noFill/>
+            </a:ln>
+          </p:spPr>
+          <p:txBody>
+            <a:bodyPr spcFirstLastPara="1" wrap="square" lIns="68575" tIns="34275" rIns="68575" bIns="34275" anchor="ctr" anchorCtr="0">
+              <a:noAutofit/>
+            </a:bodyPr>
+            <a:lstStyle/>
+            <a:p>
+              <a:pPr marL="0" marR="0" lvl="0" indent="0" algn="l" rtl="0">
+                <a:spcBef>
+                  <a:spcPts val="0"/>
+                </a:spcBef>
+                <a:spcAft>
+                  <a:spcPts val="0"/>
+                </a:spcAft>
+                <a:buNone/>
+              </a:pPr>
+              <a:endParaRPr sz="1400">
+                <a:solidFill>
+                  <a:schemeClr val="dk1"/>
+                </a:solidFill>
+                <a:latin typeface="Calibri"/>
+                <a:ea typeface="Calibri"/>
+                <a:cs typeface="Calibri"/>
+                <a:sym typeface="Calibri"/>
+              </a:endParaRPr>
+            </a:p>
+          </p:txBody>
+        </p:sp>
+        <p:sp>
+          <p:nvSpPr>
+            <p:cNvPr id="63" name="Google Shape;1168;p46">
+              <a:extLst>
+                <a:ext uri="{FF2B5EF4-FFF2-40B4-BE49-F238E27FC236}">
+                  <a16:creationId xmlns:a16="http://schemas.microsoft.com/office/drawing/2014/main" id="{68B13998-FD80-8345-BC29-F5B03C07C4E8}"/>
+                </a:ext>
+              </a:extLst>
+            </p:cNvPr>
+            <p:cNvSpPr/>
+            <p:nvPr/>
+          </p:nvSpPr>
+          <p:spPr>
+            <a:xfrm>
+              <a:off x="7304051" y="4414012"/>
+              <a:ext cx="103772" cy="70909"/>
+            </a:xfrm>
+            <a:custGeom>
+              <a:avLst/>
+              <a:gdLst/>
+              <a:ahLst/>
+              <a:cxnLst/>
+              <a:rect l="l" t="t" r="r" b="b"/>
+              <a:pathLst>
+                <a:path w="1037722" h="709088" extrusionOk="0">
+                  <a:moveTo>
+                    <a:pt x="0" y="0"/>
+                  </a:moveTo>
+                  <a:lnTo>
+                    <a:pt x="1037722" y="599874"/>
+                  </a:lnTo>
+                  <a:lnTo>
+                    <a:pt x="1037722" y="709088"/>
+                  </a:lnTo>
+                  <a:lnTo>
+                    <a:pt x="0" y="109214"/>
+                  </a:lnTo>
+                  <a:lnTo>
+                    <a:pt x="0" y="0"/>
+                  </a:lnTo>
+                  <a:close/>
+                </a:path>
+              </a:pathLst>
+            </a:custGeom>
+            <a:solidFill>
+              <a:srgbClr val="FFFFFF">
+                <a:alpha val="29800"/>
+              </a:srgbClr>
+            </a:solidFill>
+            <a:ln>
+              <a:noFill/>
+            </a:ln>
+          </p:spPr>
+          <p:txBody>
+            <a:bodyPr spcFirstLastPara="1" wrap="square" lIns="68575" tIns="34275" rIns="68575" bIns="34275" anchor="ctr" anchorCtr="0">
+              <a:noAutofit/>
+            </a:bodyPr>
+            <a:lstStyle/>
+            <a:p>
+              <a:pPr marL="0" marR="0" lvl="0" indent="0" algn="l" rtl="0">
+                <a:spcBef>
+                  <a:spcPts val="0"/>
+                </a:spcBef>
+                <a:spcAft>
+                  <a:spcPts val="0"/>
+                </a:spcAft>
+                <a:buNone/>
+              </a:pPr>
+              <a:endParaRPr sz="1400">
+                <a:solidFill>
+                  <a:schemeClr val="dk1"/>
+                </a:solidFill>
+                <a:latin typeface="Calibri"/>
+                <a:ea typeface="Calibri"/>
+                <a:cs typeface="Calibri"/>
+                <a:sym typeface="Calibri"/>
+              </a:endParaRPr>
+            </a:p>
+          </p:txBody>
+        </p:sp>
+        <p:sp>
+          <p:nvSpPr>
+            <p:cNvPr id="64" name="Google Shape;1169;p46">
+              <a:extLst>
+                <a:ext uri="{FF2B5EF4-FFF2-40B4-BE49-F238E27FC236}">
+                  <a16:creationId xmlns:a16="http://schemas.microsoft.com/office/drawing/2014/main" id="{551BFB32-2776-2F40-8765-7EFBDACFAF4D}"/>
+                </a:ext>
+              </a:extLst>
+            </p:cNvPr>
+            <p:cNvSpPr/>
+            <p:nvPr/>
+          </p:nvSpPr>
+          <p:spPr>
+            <a:xfrm>
+              <a:off x="7242035" y="4420419"/>
+              <a:ext cx="88684" cy="87371"/>
+            </a:xfrm>
+            <a:custGeom>
+              <a:avLst/>
+              <a:gdLst/>
+              <a:ahLst/>
+              <a:cxnLst/>
+              <a:rect l="l" t="t" r="r" b="b"/>
+              <a:pathLst>
+                <a:path w="886839" h="873712" extrusionOk="0">
+                  <a:moveTo>
+                    <a:pt x="0" y="361370"/>
+                  </a:moveTo>
+                  <a:lnTo>
+                    <a:pt x="0" y="0"/>
+                  </a:lnTo>
+                  <a:lnTo>
+                    <a:pt x="886839" y="512342"/>
+                  </a:lnTo>
+                  <a:lnTo>
+                    <a:pt x="886839" y="873712"/>
+                  </a:lnTo>
+                  <a:lnTo>
+                    <a:pt x="0" y="361370"/>
+                  </a:lnTo>
+                  <a:close/>
+                </a:path>
+              </a:pathLst>
+            </a:custGeom>
+            <a:gradFill>
+              <a:gsLst>
+                <a:gs pos="0">
+                  <a:schemeClr val="accent1"/>
+                </a:gs>
+                <a:gs pos="100000">
+                  <a:schemeClr val="accent2"/>
+                </a:gs>
+              </a:gsLst>
+              <a:lin ang="0" scaled="0"/>
+            </a:gradFill>
+            <a:ln>
+              <a:noFill/>
+            </a:ln>
+          </p:spPr>
+          <p:txBody>
+            <a:bodyPr spcFirstLastPara="1" wrap="square" lIns="68575" tIns="34275" rIns="68575" bIns="34275" anchor="ctr" anchorCtr="0">
+              <a:noAutofit/>
+            </a:bodyPr>
+            <a:lstStyle/>
+            <a:p>
+              <a:pPr marL="0" marR="0" lvl="0" indent="0" algn="l" rtl="0">
+                <a:spcBef>
+                  <a:spcPts val="0"/>
+                </a:spcBef>
+                <a:spcAft>
+                  <a:spcPts val="0"/>
+                </a:spcAft>
+                <a:buNone/>
+              </a:pPr>
+              <a:endParaRPr sz="1400">
+                <a:solidFill>
+                  <a:schemeClr val="dk1"/>
+                </a:solidFill>
+                <a:latin typeface="Calibri"/>
+                <a:ea typeface="Calibri"/>
+                <a:cs typeface="Calibri"/>
+                <a:sym typeface="Calibri"/>
+              </a:endParaRPr>
+            </a:p>
+          </p:txBody>
+        </p:sp>
+        <p:sp>
+          <p:nvSpPr>
+            <p:cNvPr id="65" name="Google Shape;1170;p46">
+              <a:extLst>
+                <a:ext uri="{FF2B5EF4-FFF2-40B4-BE49-F238E27FC236}">
+                  <a16:creationId xmlns:a16="http://schemas.microsoft.com/office/drawing/2014/main" id="{94624E01-92BA-314D-8E1B-36A9576598AD}"/>
+                </a:ext>
+              </a:extLst>
+            </p:cNvPr>
+            <p:cNvSpPr/>
+            <p:nvPr/>
+          </p:nvSpPr>
+          <p:spPr>
+            <a:xfrm>
+              <a:off x="7521147" y="4436256"/>
+              <a:ext cx="79615" cy="187933"/>
+            </a:xfrm>
+            <a:custGeom>
+              <a:avLst/>
+              <a:gdLst/>
+              <a:ahLst/>
+              <a:cxnLst/>
+              <a:rect l="l" t="t" r="r" b="b"/>
+              <a:pathLst>
+                <a:path w="796148" h="1879329" extrusionOk="0">
+                  <a:moveTo>
+                    <a:pt x="294543" y="125463"/>
+                  </a:moveTo>
+                  <a:cubicBezTo>
+                    <a:pt x="225522" y="15446"/>
+                    <a:pt x="130016" y="991"/>
+                    <a:pt x="126003" y="188"/>
+                  </a:cubicBezTo>
+                  <a:cubicBezTo>
+                    <a:pt x="116373" y="-1418"/>
+                    <a:pt x="110754" y="7416"/>
+                    <a:pt x="110754" y="20264"/>
+                  </a:cubicBezTo>
+                  <a:lnTo>
+                    <a:pt x="110754" y="310967"/>
+                  </a:lnTo>
+                  <a:cubicBezTo>
+                    <a:pt x="110754" y="409741"/>
+                    <a:pt x="77046" y="473182"/>
+                    <a:pt x="10433" y="500485"/>
+                  </a:cubicBezTo>
+                  <a:cubicBezTo>
+                    <a:pt x="4013" y="502894"/>
+                    <a:pt x="0" y="510122"/>
+                    <a:pt x="0" y="519758"/>
+                  </a:cubicBezTo>
+                  <a:cubicBezTo>
+                    <a:pt x="0" y="659488"/>
+                    <a:pt x="2408" y="1259362"/>
+                    <a:pt x="3210" y="1446472"/>
+                  </a:cubicBezTo>
+                  <a:cubicBezTo>
+                    <a:pt x="3210" y="1477790"/>
+                    <a:pt x="24879" y="1514731"/>
+                    <a:pt x="51364" y="1529988"/>
+                  </a:cubicBezTo>
+                  <a:cubicBezTo>
+                    <a:pt x="194222" y="1612702"/>
+                    <a:pt x="604335" y="1849600"/>
+                    <a:pt x="604335" y="1849600"/>
+                  </a:cubicBezTo>
+                  <a:cubicBezTo>
+                    <a:pt x="713484" y="1913040"/>
+                    <a:pt x="783308" y="1873691"/>
+                    <a:pt x="795346" y="1743598"/>
+                  </a:cubicBezTo>
+                  <a:lnTo>
+                    <a:pt x="796149" y="1167815"/>
+                  </a:lnTo>
+                  <a:cubicBezTo>
+                    <a:pt x="796149" y="1080283"/>
+                    <a:pt x="780900" y="990342"/>
+                    <a:pt x="732746" y="915659"/>
+                  </a:cubicBezTo>
+                  <a:cubicBezTo>
+                    <a:pt x="705458" y="873098"/>
+                    <a:pt x="673355" y="840173"/>
+                    <a:pt x="639648" y="820900"/>
+                  </a:cubicBezTo>
+                  <a:lnTo>
+                    <a:pt x="359551" y="659488"/>
+                  </a:lnTo>
+                  <a:lnTo>
+                    <a:pt x="359551" y="389665"/>
+                  </a:lnTo>
+                  <a:cubicBezTo>
+                    <a:pt x="360353" y="283663"/>
+                    <a:pt x="337882" y="195328"/>
+                    <a:pt x="294543" y="125463"/>
+                  </a:cubicBezTo>
+                  <a:close/>
+                </a:path>
+              </a:pathLst>
+            </a:custGeom>
+            <a:gradFill>
+              <a:gsLst>
+                <a:gs pos="0">
+                  <a:srgbClr val="FFFFFF">
+                    <a:alpha val="40000"/>
+                  </a:srgbClr>
+                </a:gs>
+                <a:gs pos="100000">
+                  <a:srgbClr val="FFFFFF">
+                    <a:alpha val="10000"/>
+                  </a:srgbClr>
+                </a:gs>
+              </a:gsLst>
+              <a:lin ang="6600474" scaled="0"/>
+            </a:gradFill>
+            <a:ln>
+              <a:noFill/>
+            </a:ln>
+          </p:spPr>
+          <p:txBody>
+            <a:bodyPr spcFirstLastPara="1" wrap="square" lIns="68575" tIns="34275" rIns="68575" bIns="34275" anchor="ctr" anchorCtr="0">
+              <a:noAutofit/>
+            </a:bodyPr>
+            <a:lstStyle/>
+            <a:p>
+              <a:pPr marL="0" marR="0" lvl="0" indent="0" algn="l" rtl="0">
+                <a:spcBef>
+                  <a:spcPts val="0"/>
+                </a:spcBef>
+                <a:spcAft>
+                  <a:spcPts val="0"/>
+                </a:spcAft>
+                <a:buNone/>
+              </a:pPr>
+              <a:endParaRPr sz="1400">
+                <a:solidFill>
+                  <a:schemeClr val="dk1"/>
+                </a:solidFill>
+                <a:latin typeface="Calibri"/>
+                <a:ea typeface="Calibri"/>
+                <a:cs typeface="Calibri"/>
+                <a:sym typeface="Calibri"/>
+              </a:endParaRPr>
+            </a:p>
+          </p:txBody>
+        </p:sp>
+        <p:sp>
+          <p:nvSpPr>
+            <p:cNvPr id="66" name="Google Shape;1171;p46">
+              <a:extLst>
+                <a:ext uri="{FF2B5EF4-FFF2-40B4-BE49-F238E27FC236}">
+                  <a16:creationId xmlns:a16="http://schemas.microsoft.com/office/drawing/2014/main" id="{10DE90FF-48AC-4A4F-88ED-74F8C32263B8}"/>
+                </a:ext>
+              </a:extLst>
+            </p:cNvPr>
+            <p:cNvSpPr/>
+            <p:nvPr/>
+          </p:nvSpPr>
+          <p:spPr>
+            <a:xfrm>
+              <a:off x="7483777" y="4463342"/>
+              <a:ext cx="31300" cy="120537"/>
+            </a:xfrm>
+            <a:custGeom>
+              <a:avLst/>
+              <a:gdLst/>
+              <a:ahLst/>
+              <a:cxnLst/>
+              <a:rect l="l" t="t" r="r" b="b"/>
+              <a:pathLst>
+                <a:path w="313002" h="1205369" extrusionOk="0">
+                  <a:moveTo>
+                    <a:pt x="0" y="0"/>
+                  </a:moveTo>
+                  <a:lnTo>
+                    <a:pt x="313002" y="180685"/>
+                  </a:lnTo>
+                  <a:lnTo>
+                    <a:pt x="313002" y="1205370"/>
+                  </a:lnTo>
+                  <a:lnTo>
+                    <a:pt x="0" y="1024685"/>
+                  </a:lnTo>
+                  <a:lnTo>
+                    <a:pt x="0" y="0"/>
+                  </a:lnTo>
+                  <a:close/>
+                </a:path>
+              </a:pathLst>
+            </a:custGeom>
+            <a:solidFill>
+              <a:schemeClr val="accent2"/>
+            </a:solidFill>
+            <a:ln>
+              <a:noFill/>
+            </a:ln>
+          </p:spPr>
+          <p:txBody>
+            <a:bodyPr spcFirstLastPara="1" wrap="square" lIns="68575" tIns="34275" rIns="68575" bIns="34275" anchor="ctr" anchorCtr="0">
+              <a:noAutofit/>
+            </a:bodyPr>
+            <a:lstStyle/>
+            <a:p>
+              <a:pPr marL="0" marR="0" lvl="0" indent="0" algn="l" rtl="0">
+                <a:spcBef>
+                  <a:spcPts val="0"/>
+                </a:spcBef>
+                <a:spcAft>
+                  <a:spcPts val="0"/>
+                </a:spcAft>
+                <a:buNone/>
+              </a:pPr>
+              <a:endParaRPr sz="1400">
+                <a:solidFill>
+                  <a:schemeClr val="dk1"/>
+                </a:solidFill>
+                <a:latin typeface="Calibri"/>
+                <a:ea typeface="Calibri"/>
+                <a:cs typeface="Calibri"/>
+                <a:sym typeface="Calibri"/>
+              </a:endParaRPr>
+            </a:p>
+          </p:txBody>
+        </p:sp>
+        <p:sp>
+          <p:nvSpPr>
+            <p:cNvPr id="67" name="Google Shape;1172;p46">
+              <a:extLst>
+                <a:ext uri="{FF2B5EF4-FFF2-40B4-BE49-F238E27FC236}">
+                  <a16:creationId xmlns:a16="http://schemas.microsoft.com/office/drawing/2014/main" id="{E4318164-AB54-A341-AF90-6E36AA2C4788}"/>
+                </a:ext>
+              </a:extLst>
+            </p:cNvPr>
+            <p:cNvSpPr/>
+            <p:nvPr/>
+          </p:nvSpPr>
+          <p:spPr>
+            <a:xfrm>
+              <a:off x="7017258" y="4131327"/>
+              <a:ext cx="238925" cy="281547"/>
+            </a:xfrm>
+            <a:custGeom>
+              <a:avLst/>
+              <a:gdLst/>
+              <a:ahLst/>
+              <a:cxnLst/>
+              <a:rect l="l" t="t" r="r" b="b"/>
+              <a:pathLst>
+                <a:path w="2389249" h="2815474" extrusionOk="0">
+                  <a:moveTo>
+                    <a:pt x="2388447" y="1379631"/>
+                  </a:moveTo>
+                  <a:lnTo>
+                    <a:pt x="0" y="0"/>
+                  </a:lnTo>
+                  <a:lnTo>
+                    <a:pt x="803" y="1245522"/>
+                  </a:lnTo>
+                  <a:lnTo>
+                    <a:pt x="2178173" y="2503090"/>
+                  </a:lnTo>
+                  <a:lnTo>
+                    <a:pt x="2389249" y="2815474"/>
+                  </a:lnTo>
+                  <a:lnTo>
+                    <a:pt x="2388447" y="1379631"/>
+                  </a:lnTo>
+                  <a:close/>
+                </a:path>
+              </a:pathLst>
+            </a:custGeom>
+            <a:gradFill>
+              <a:gsLst>
+                <a:gs pos="0">
+                  <a:srgbClr val="FFFFFF">
+                    <a:alpha val="29803"/>
+                    <a:alpha val="29800"/>
+                  </a:srgbClr>
+                </a:gs>
+                <a:gs pos="100000">
+                  <a:srgbClr val="FFFFFF">
+                    <a:alpha val="0"/>
+                  </a:srgbClr>
+                </a:gs>
+              </a:gsLst>
+              <a:lin ang="10801400" scaled="0"/>
+            </a:gradFill>
+            <a:ln>
+              <a:noFill/>
+            </a:ln>
+          </p:spPr>
+          <p:txBody>
+            <a:bodyPr spcFirstLastPara="1" wrap="square" lIns="68575" tIns="34275" rIns="68575" bIns="34275" anchor="ctr" anchorCtr="0">
+              <a:noAutofit/>
+            </a:bodyPr>
+            <a:lstStyle/>
+            <a:p>
+              <a:pPr marL="0" marR="0" lvl="0" indent="0" algn="l" rtl="0">
+                <a:spcBef>
+                  <a:spcPts val="0"/>
+                </a:spcBef>
+                <a:spcAft>
+                  <a:spcPts val="0"/>
+                </a:spcAft>
+                <a:buNone/>
+              </a:pPr>
+              <a:endParaRPr sz="1400">
+                <a:solidFill>
+                  <a:schemeClr val="dk1"/>
+                </a:solidFill>
+                <a:latin typeface="Calibri"/>
+                <a:ea typeface="Calibri"/>
+                <a:cs typeface="Calibri"/>
+                <a:sym typeface="Calibri"/>
+              </a:endParaRPr>
+            </a:p>
+          </p:txBody>
+        </p:sp>
+        <p:sp>
+          <p:nvSpPr>
+            <p:cNvPr id="68" name="Google Shape;1173;p46">
+              <a:extLst>
+                <a:ext uri="{FF2B5EF4-FFF2-40B4-BE49-F238E27FC236}">
+                  <a16:creationId xmlns:a16="http://schemas.microsoft.com/office/drawing/2014/main" id="{933A2D64-80DC-6746-9B59-2085AEAAEC6E}"/>
+                </a:ext>
+              </a:extLst>
+            </p:cNvPr>
+            <p:cNvSpPr/>
+            <p:nvPr/>
+          </p:nvSpPr>
+          <p:spPr>
+            <a:xfrm>
+              <a:off x="7142010" y="4233590"/>
+              <a:ext cx="52327" cy="41116"/>
+            </a:xfrm>
+            <a:custGeom>
+              <a:avLst/>
+              <a:gdLst/>
+              <a:ahLst/>
+              <a:cxnLst/>
+              <a:rect l="l" t="t" r="r" b="b"/>
+              <a:pathLst>
+                <a:path w="523275" h="411158" extrusionOk="0">
+                  <a:moveTo>
+                    <a:pt x="523275" y="301945"/>
+                  </a:moveTo>
+                  <a:lnTo>
+                    <a:pt x="0" y="0"/>
+                  </a:lnTo>
+                  <a:lnTo>
+                    <a:pt x="0" y="109214"/>
+                  </a:lnTo>
+                  <a:lnTo>
+                    <a:pt x="523275" y="411159"/>
+                  </a:lnTo>
+                  <a:lnTo>
+                    <a:pt x="523275" y="301945"/>
+                  </a:lnTo>
+                  <a:close/>
+                </a:path>
+              </a:pathLst>
+            </a:custGeom>
+            <a:solidFill>
+              <a:srgbClr val="FFFFFF">
+                <a:alpha val="29800"/>
+              </a:srgbClr>
+            </a:solidFill>
+            <a:ln>
+              <a:noFill/>
+            </a:ln>
+          </p:spPr>
+          <p:txBody>
+            <a:bodyPr spcFirstLastPara="1" wrap="square" lIns="68575" tIns="34275" rIns="68575" bIns="34275" anchor="ctr" anchorCtr="0">
+              <a:noAutofit/>
+            </a:bodyPr>
+            <a:lstStyle/>
+            <a:p>
+              <a:pPr marL="0" marR="0" lvl="0" indent="0" algn="l" rtl="0">
+                <a:spcBef>
+                  <a:spcPts val="0"/>
+                </a:spcBef>
+                <a:spcAft>
+                  <a:spcPts val="0"/>
+                </a:spcAft>
+                <a:buNone/>
+              </a:pPr>
+              <a:endParaRPr sz="1400">
+                <a:solidFill>
+                  <a:schemeClr val="dk1"/>
+                </a:solidFill>
+                <a:latin typeface="Calibri"/>
+                <a:ea typeface="Calibri"/>
+                <a:cs typeface="Calibri"/>
+                <a:sym typeface="Calibri"/>
+              </a:endParaRPr>
+            </a:p>
+          </p:txBody>
+        </p:sp>
+        <p:sp>
+          <p:nvSpPr>
+            <p:cNvPr id="69" name="Google Shape;1174;p46">
+              <a:extLst>
+                <a:ext uri="{FF2B5EF4-FFF2-40B4-BE49-F238E27FC236}">
+                  <a16:creationId xmlns:a16="http://schemas.microsoft.com/office/drawing/2014/main" id="{3F4E65C5-7F7E-0F4F-B2C6-80E93D82C7E8}"/>
+                </a:ext>
+              </a:extLst>
+            </p:cNvPr>
+            <p:cNvSpPr/>
+            <p:nvPr/>
+          </p:nvSpPr>
+          <p:spPr>
+            <a:xfrm>
+              <a:off x="7064950" y="4210927"/>
+              <a:ext cx="129615" cy="85765"/>
+            </a:xfrm>
+            <a:custGeom>
+              <a:avLst/>
+              <a:gdLst/>
+              <a:ahLst/>
+              <a:cxnLst/>
+              <a:rect l="l" t="t" r="r" b="b"/>
+              <a:pathLst>
+                <a:path w="1296149" h="857651" extrusionOk="0">
+                  <a:moveTo>
+                    <a:pt x="1296150" y="748438"/>
+                  </a:moveTo>
+                  <a:lnTo>
+                    <a:pt x="0" y="0"/>
+                  </a:lnTo>
+                  <a:lnTo>
+                    <a:pt x="0" y="109214"/>
+                  </a:lnTo>
+                  <a:lnTo>
+                    <a:pt x="1296150" y="857652"/>
+                  </a:lnTo>
+                  <a:lnTo>
+                    <a:pt x="1296150" y="748438"/>
+                  </a:lnTo>
+                  <a:close/>
+                </a:path>
+              </a:pathLst>
+            </a:custGeom>
+            <a:solidFill>
+              <a:srgbClr val="FFFFFF">
+                <a:alpha val="29800"/>
+              </a:srgbClr>
+            </a:solidFill>
+            <a:ln>
+              <a:noFill/>
+            </a:ln>
+          </p:spPr>
+          <p:txBody>
+            <a:bodyPr spcFirstLastPara="1" wrap="square" lIns="68575" tIns="34275" rIns="68575" bIns="34275" anchor="ctr" anchorCtr="0">
+              <a:noAutofit/>
+            </a:bodyPr>
+            <a:lstStyle/>
+            <a:p>
+              <a:pPr marL="0" marR="0" lvl="0" indent="0" algn="l" rtl="0">
+                <a:spcBef>
+                  <a:spcPts val="0"/>
+                </a:spcBef>
+                <a:spcAft>
+                  <a:spcPts val="0"/>
+                </a:spcAft>
+                <a:buNone/>
+              </a:pPr>
+              <a:endParaRPr sz="1400">
+                <a:solidFill>
+                  <a:schemeClr val="dk1"/>
+                </a:solidFill>
+                <a:latin typeface="Calibri"/>
+                <a:ea typeface="Calibri"/>
+                <a:cs typeface="Calibri"/>
+                <a:sym typeface="Calibri"/>
+              </a:endParaRPr>
+            </a:p>
+          </p:txBody>
+        </p:sp>
+        <p:sp>
+          <p:nvSpPr>
+            <p:cNvPr id="70" name="Google Shape;1175;p46">
+              <a:extLst>
+                <a:ext uri="{FF2B5EF4-FFF2-40B4-BE49-F238E27FC236}">
+                  <a16:creationId xmlns:a16="http://schemas.microsoft.com/office/drawing/2014/main" id="{3EF8805A-AE6F-D343-BD55-33C408985582}"/>
+                </a:ext>
+              </a:extLst>
+            </p:cNvPr>
+            <p:cNvSpPr/>
+            <p:nvPr/>
+          </p:nvSpPr>
+          <p:spPr>
+            <a:xfrm>
+              <a:off x="7038303" y="4217334"/>
+              <a:ext cx="156340" cy="101264"/>
+            </a:xfrm>
+            <a:custGeom>
+              <a:avLst/>
+              <a:gdLst/>
+              <a:ahLst/>
+              <a:cxnLst/>
+              <a:rect l="l" t="t" r="r" b="b"/>
+              <a:pathLst>
+                <a:path w="1563405" h="1012639" extrusionOk="0">
+                  <a:moveTo>
+                    <a:pt x="1563405" y="903425"/>
+                  </a:moveTo>
+                  <a:lnTo>
+                    <a:pt x="0" y="0"/>
+                  </a:lnTo>
+                  <a:lnTo>
+                    <a:pt x="0" y="109214"/>
+                  </a:lnTo>
+                  <a:lnTo>
+                    <a:pt x="1563405" y="1012639"/>
+                  </a:lnTo>
+                  <a:lnTo>
+                    <a:pt x="1563405" y="903425"/>
+                  </a:lnTo>
+                  <a:close/>
+                </a:path>
+              </a:pathLst>
+            </a:custGeom>
+            <a:solidFill>
+              <a:srgbClr val="FFFFFF">
+                <a:alpha val="29800"/>
+              </a:srgbClr>
+            </a:solidFill>
+            <a:ln>
+              <a:noFill/>
+            </a:ln>
+          </p:spPr>
+          <p:txBody>
+            <a:bodyPr spcFirstLastPara="1" wrap="square" lIns="68575" tIns="34275" rIns="68575" bIns="34275" anchor="ctr" anchorCtr="0">
+              <a:noAutofit/>
+            </a:bodyPr>
+            <a:lstStyle/>
+            <a:p>
+              <a:pPr marL="0" marR="0" lvl="0" indent="0" algn="l" rtl="0">
+                <a:spcBef>
+                  <a:spcPts val="0"/>
+                </a:spcBef>
+                <a:spcAft>
+                  <a:spcPts val="0"/>
+                </a:spcAft>
+                <a:buNone/>
+              </a:pPr>
+              <a:endParaRPr sz="1400">
+                <a:solidFill>
+                  <a:schemeClr val="dk1"/>
+                </a:solidFill>
+                <a:latin typeface="Calibri"/>
+                <a:ea typeface="Calibri"/>
+                <a:cs typeface="Calibri"/>
+                <a:sym typeface="Calibri"/>
+              </a:endParaRPr>
+            </a:p>
+          </p:txBody>
+        </p:sp>
+        <p:sp>
+          <p:nvSpPr>
+            <p:cNvPr id="71" name="Google Shape;1176;p46">
+              <a:extLst>
+                <a:ext uri="{FF2B5EF4-FFF2-40B4-BE49-F238E27FC236}">
+                  <a16:creationId xmlns:a16="http://schemas.microsoft.com/office/drawing/2014/main" id="{DB85EE08-57AA-304F-9281-620E4F00D77F}"/>
+                </a:ext>
+              </a:extLst>
+            </p:cNvPr>
+            <p:cNvSpPr/>
+            <p:nvPr/>
+          </p:nvSpPr>
+          <p:spPr>
+            <a:xfrm>
+              <a:off x="7206986" y="4270200"/>
+              <a:ext cx="27127" cy="40368"/>
+            </a:xfrm>
+            <a:custGeom>
+              <a:avLst/>
+              <a:gdLst/>
+              <a:ahLst/>
+              <a:cxnLst/>
+              <a:rect l="l" t="t" r="r" b="b"/>
+              <a:pathLst>
+                <a:path w="271268" h="403680" extrusionOk="0">
+                  <a:moveTo>
+                    <a:pt x="0" y="123544"/>
+                  </a:moveTo>
+                  <a:cubicBezTo>
+                    <a:pt x="0" y="226333"/>
+                    <a:pt x="60995" y="344381"/>
+                    <a:pt x="135634" y="387745"/>
+                  </a:cubicBezTo>
+                  <a:cubicBezTo>
+                    <a:pt x="210273" y="431110"/>
+                    <a:pt x="271268" y="382927"/>
+                    <a:pt x="271268" y="280137"/>
+                  </a:cubicBezTo>
+                  <a:cubicBezTo>
+                    <a:pt x="271268" y="177347"/>
+                    <a:pt x="210273" y="59300"/>
+                    <a:pt x="135634" y="15935"/>
+                  </a:cubicBezTo>
+                  <a:cubicBezTo>
+                    <a:pt x="60995" y="-27429"/>
+                    <a:pt x="0" y="20754"/>
+                    <a:pt x="0" y="123544"/>
+                  </a:cubicBezTo>
+                  <a:close/>
+                </a:path>
+              </a:pathLst>
+            </a:custGeom>
+            <a:solidFill>
+              <a:schemeClr val="accent1"/>
+            </a:solidFill>
+            <a:ln>
+              <a:noFill/>
+            </a:ln>
+          </p:spPr>
+          <p:txBody>
+            <a:bodyPr spcFirstLastPara="1" wrap="square" lIns="68575" tIns="34275" rIns="68575" bIns="34275" anchor="ctr" anchorCtr="0">
+              <a:noAutofit/>
+            </a:bodyPr>
+            <a:lstStyle/>
+            <a:p>
+              <a:pPr marL="0" marR="0" lvl="0" indent="0" algn="l" rtl="0">
+                <a:spcBef>
+                  <a:spcPts val="0"/>
+                </a:spcBef>
+                <a:spcAft>
+                  <a:spcPts val="0"/>
+                </a:spcAft>
+                <a:buNone/>
+              </a:pPr>
+              <a:endParaRPr sz="1400">
+                <a:solidFill>
+                  <a:schemeClr val="dk1"/>
+                </a:solidFill>
+                <a:latin typeface="Calibri"/>
+                <a:ea typeface="Calibri"/>
+                <a:cs typeface="Calibri"/>
+                <a:sym typeface="Calibri"/>
+              </a:endParaRPr>
+            </a:p>
+          </p:txBody>
+        </p:sp>
+        <p:sp>
+          <p:nvSpPr>
+            <p:cNvPr id="72" name="Google Shape;1177;p46">
+              <a:extLst>
+                <a:ext uri="{FF2B5EF4-FFF2-40B4-BE49-F238E27FC236}">
+                  <a16:creationId xmlns:a16="http://schemas.microsoft.com/office/drawing/2014/main" id="{C5EFC99A-B8D7-484E-85C4-BC9519430A52}"/>
+                </a:ext>
+              </a:extLst>
+            </p:cNvPr>
+            <p:cNvSpPr/>
+            <p:nvPr/>
+          </p:nvSpPr>
+          <p:spPr>
+            <a:xfrm>
+              <a:off x="7358065" y="4552792"/>
+              <a:ext cx="238925" cy="262515"/>
+            </a:xfrm>
+            <a:custGeom>
+              <a:avLst/>
+              <a:gdLst/>
+              <a:ahLst/>
+              <a:cxnLst/>
+              <a:rect l="l" t="t" r="r" b="b"/>
+              <a:pathLst>
+                <a:path w="2389248" h="2625152" extrusionOk="0">
+                  <a:moveTo>
+                    <a:pt x="0" y="0"/>
+                  </a:moveTo>
+                  <a:lnTo>
+                    <a:pt x="2388447" y="1379630"/>
+                  </a:lnTo>
+                  <a:lnTo>
+                    <a:pt x="2389249" y="2625153"/>
+                  </a:lnTo>
+                  <a:lnTo>
+                    <a:pt x="211076" y="1367585"/>
+                  </a:lnTo>
+                  <a:lnTo>
+                    <a:pt x="803" y="1436647"/>
+                  </a:lnTo>
+                  <a:lnTo>
+                    <a:pt x="0" y="0"/>
+                  </a:lnTo>
+                  <a:close/>
+                </a:path>
+              </a:pathLst>
+            </a:custGeom>
+            <a:gradFill>
+              <a:gsLst>
+                <a:gs pos="0">
+                  <a:srgbClr val="FFFFFF">
+                    <a:alpha val="29803"/>
+                    <a:alpha val="29800"/>
+                  </a:srgbClr>
+                </a:gs>
+                <a:gs pos="99000">
+                  <a:srgbClr val="FFFFFF">
+                    <a:alpha val="0"/>
+                  </a:srgbClr>
+                </a:gs>
+              </a:gsLst>
+              <a:lin ang="0" scaled="0"/>
+            </a:gradFill>
+            <a:ln>
+              <a:noFill/>
+            </a:ln>
+          </p:spPr>
+          <p:txBody>
+            <a:bodyPr spcFirstLastPara="1" wrap="square" lIns="68575" tIns="34275" rIns="68575" bIns="34275" anchor="ctr" anchorCtr="0">
+              <a:noAutofit/>
+            </a:bodyPr>
+            <a:lstStyle/>
+            <a:p>
+              <a:pPr marL="0" marR="0" lvl="0" indent="0" algn="l" rtl="0">
+                <a:spcBef>
+                  <a:spcPts val="0"/>
+                </a:spcBef>
+                <a:spcAft>
+                  <a:spcPts val="0"/>
+                </a:spcAft>
+                <a:buNone/>
+              </a:pPr>
+              <a:endParaRPr sz="1400">
+                <a:solidFill>
+                  <a:schemeClr val="dk1"/>
+                </a:solidFill>
+                <a:latin typeface="Calibri"/>
+                <a:ea typeface="Calibri"/>
+                <a:cs typeface="Calibri"/>
+                <a:sym typeface="Calibri"/>
+              </a:endParaRPr>
+            </a:p>
+          </p:txBody>
+        </p:sp>
+        <p:sp>
+          <p:nvSpPr>
+            <p:cNvPr id="73" name="Google Shape;1178;p46">
+              <a:extLst>
+                <a:ext uri="{FF2B5EF4-FFF2-40B4-BE49-F238E27FC236}">
+                  <a16:creationId xmlns:a16="http://schemas.microsoft.com/office/drawing/2014/main" id="{17F6C43F-8D1C-C94E-B682-D8A2B4723403}"/>
+                </a:ext>
+              </a:extLst>
+            </p:cNvPr>
+            <p:cNvSpPr/>
+            <p:nvPr/>
+          </p:nvSpPr>
+          <p:spPr>
+            <a:xfrm>
+              <a:off x="7419281" y="4618458"/>
+              <a:ext cx="52327" cy="41116"/>
+            </a:xfrm>
+            <a:custGeom>
+              <a:avLst/>
+              <a:gdLst/>
+              <a:ahLst/>
+              <a:cxnLst/>
+              <a:rect l="l" t="t" r="r" b="b"/>
+              <a:pathLst>
+                <a:path w="523275" h="411158" extrusionOk="0">
+                  <a:moveTo>
+                    <a:pt x="0" y="0"/>
+                  </a:moveTo>
+                  <a:lnTo>
+                    <a:pt x="523275" y="301945"/>
+                  </a:lnTo>
+                  <a:lnTo>
+                    <a:pt x="523275" y="411159"/>
+                  </a:lnTo>
+                  <a:lnTo>
+                    <a:pt x="0" y="109214"/>
+                  </a:lnTo>
+                  <a:lnTo>
+                    <a:pt x="0" y="0"/>
+                  </a:lnTo>
+                  <a:close/>
+                </a:path>
+              </a:pathLst>
+            </a:custGeom>
+            <a:solidFill>
+              <a:srgbClr val="FFFFFF">
+                <a:alpha val="29800"/>
+              </a:srgbClr>
+            </a:solidFill>
+            <a:ln>
+              <a:noFill/>
+            </a:ln>
+          </p:spPr>
+          <p:txBody>
+            <a:bodyPr spcFirstLastPara="1" wrap="square" lIns="68575" tIns="34275" rIns="68575" bIns="34275" anchor="ctr" anchorCtr="0">
+              <a:noAutofit/>
+            </a:bodyPr>
+            <a:lstStyle/>
+            <a:p>
+              <a:pPr marL="0" marR="0" lvl="0" indent="0" algn="l" rtl="0">
+                <a:spcBef>
+                  <a:spcPts val="0"/>
+                </a:spcBef>
+                <a:spcAft>
+                  <a:spcPts val="0"/>
+                </a:spcAft>
+                <a:buNone/>
+              </a:pPr>
+              <a:endParaRPr sz="1400">
+                <a:solidFill>
+                  <a:schemeClr val="dk1"/>
+                </a:solidFill>
+                <a:latin typeface="Calibri"/>
+                <a:ea typeface="Calibri"/>
+                <a:cs typeface="Calibri"/>
+                <a:sym typeface="Calibri"/>
+              </a:endParaRPr>
+            </a:p>
+          </p:txBody>
+        </p:sp>
+        <p:sp>
+          <p:nvSpPr>
+            <p:cNvPr id="74" name="Google Shape;1179;p46">
+              <a:extLst>
+                <a:ext uri="{FF2B5EF4-FFF2-40B4-BE49-F238E27FC236}">
+                  <a16:creationId xmlns:a16="http://schemas.microsoft.com/office/drawing/2014/main" id="{8239D188-FF10-B144-BBCA-B1C91E8B82D2}"/>
+                </a:ext>
+              </a:extLst>
+            </p:cNvPr>
+            <p:cNvSpPr/>
+            <p:nvPr/>
+          </p:nvSpPr>
+          <p:spPr>
+            <a:xfrm>
+              <a:off x="7419281" y="4640240"/>
+              <a:ext cx="94462" cy="65448"/>
+            </a:xfrm>
+            <a:custGeom>
+              <a:avLst/>
+              <a:gdLst/>
+              <a:ahLst/>
+              <a:cxnLst/>
+              <a:rect l="l" t="t" r="r" b="b"/>
+              <a:pathLst>
+                <a:path w="944624" h="654481" extrusionOk="0">
+                  <a:moveTo>
+                    <a:pt x="0" y="0"/>
+                  </a:moveTo>
+                  <a:lnTo>
+                    <a:pt x="944624" y="545267"/>
+                  </a:lnTo>
+                  <a:lnTo>
+                    <a:pt x="944624" y="654481"/>
+                  </a:lnTo>
+                  <a:lnTo>
+                    <a:pt x="0" y="109214"/>
+                  </a:lnTo>
+                  <a:lnTo>
+                    <a:pt x="0" y="0"/>
+                  </a:lnTo>
+                  <a:close/>
+                </a:path>
+              </a:pathLst>
+            </a:custGeom>
+            <a:solidFill>
+              <a:srgbClr val="FFFFFF">
+                <a:alpha val="29800"/>
+              </a:srgbClr>
+            </a:solidFill>
+            <a:ln>
+              <a:noFill/>
+            </a:ln>
+          </p:spPr>
+          <p:txBody>
+            <a:bodyPr spcFirstLastPara="1" wrap="square" lIns="68575" tIns="34275" rIns="68575" bIns="34275" anchor="ctr" anchorCtr="0">
+              <a:noAutofit/>
+            </a:bodyPr>
+            <a:lstStyle/>
+            <a:p>
+              <a:pPr marL="0" marR="0" lvl="0" indent="0" algn="l" rtl="0">
+                <a:spcBef>
+                  <a:spcPts val="0"/>
+                </a:spcBef>
+                <a:spcAft>
+                  <a:spcPts val="0"/>
+                </a:spcAft>
+                <a:buNone/>
+              </a:pPr>
+              <a:endParaRPr sz="1400">
+                <a:solidFill>
+                  <a:schemeClr val="dk1"/>
+                </a:solidFill>
+                <a:latin typeface="Calibri"/>
+                <a:ea typeface="Calibri"/>
+                <a:cs typeface="Calibri"/>
+                <a:sym typeface="Calibri"/>
+              </a:endParaRPr>
+            </a:p>
+          </p:txBody>
+        </p:sp>
+        <p:sp>
+          <p:nvSpPr>
+            <p:cNvPr id="75" name="Google Shape;1180;p46">
+              <a:extLst>
+                <a:ext uri="{FF2B5EF4-FFF2-40B4-BE49-F238E27FC236}">
+                  <a16:creationId xmlns:a16="http://schemas.microsoft.com/office/drawing/2014/main" id="{F103420C-D8B8-3B4C-BE84-631DD6D8C9B9}"/>
+                </a:ext>
+              </a:extLst>
+            </p:cNvPr>
+            <p:cNvSpPr/>
+            <p:nvPr/>
+          </p:nvSpPr>
+          <p:spPr>
+            <a:xfrm>
+              <a:off x="7419281" y="4662102"/>
+              <a:ext cx="122231" cy="81509"/>
+            </a:xfrm>
+            <a:custGeom>
+              <a:avLst/>
+              <a:gdLst/>
+              <a:ahLst/>
+              <a:cxnLst/>
+              <a:rect l="l" t="t" r="r" b="b"/>
+              <a:pathLst>
+                <a:path w="1222313" h="815090" extrusionOk="0">
+                  <a:moveTo>
+                    <a:pt x="0" y="0"/>
+                  </a:moveTo>
+                  <a:lnTo>
+                    <a:pt x="1222313" y="705876"/>
+                  </a:lnTo>
+                  <a:lnTo>
+                    <a:pt x="1222313" y="815090"/>
+                  </a:lnTo>
+                  <a:lnTo>
+                    <a:pt x="0" y="109214"/>
+                  </a:lnTo>
+                  <a:lnTo>
+                    <a:pt x="0" y="0"/>
+                  </a:lnTo>
+                  <a:close/>
+                </a:path>
+              </a:pathLst>
+            </a:custGeom>
+            <a:solidFill>
+              <a:srgbClr val="FFFFFF">
+                <a:alpha val="29800"/>
+              </a:srgbClr>
+            </a:solidFill>
+            <a:ln>
+              <a:noFill/>
+            </a:ln>
+          </p:spPr>
+          <p:txBody>
+            <a:bodyPr spcFirstLastPara="1" wrap="square" lIns="68575" tIns="34275" rIns="68575" bIns="34275" anchor="ctr" anchorCtr="0">
+              <a:noAutofit/>
+            </a:bodyPr>
+            <a:lstStyle/>
+            <a:p>
+              <a:pPr marL="0" marR="0" lvl="0" indent="0" algn="l" rtl="0">
+                <a:spcBef>
+                  <a:spcPts val="0"/>
+                </a:spcBef>
+                <a:spcAft>
+                  <a:spcPts val="0"/>
+                </a:spcAft>
+                <a:buNone/>
+              </a:pPr>
+              <a:endParaRPr sz="1400">
+                <a:solidFill>
+                  <a:schemeClr val="dk1"/>
+                </a:solidFill>
+                <a:latin typeface="Calibri"/>
+                <a:ea typeface="Calibri"/>
+                <a:cs typeface="Calibri"/>
+                <a:sym typeface="Calibri"/>
+              </a:endParaRPr>
+            </a:p>
+          </p:txBody>
+        </p:sp>
+        <p:sp>
+          <p:nvSpPr>
+            <p:cNvPr id="76" name="Google Shape;1181;p46">
+              <a:extLst>
+                <a:ext uri="{FF2B5EF4-FFF2-40B4-BE49-F238E27FC236}">
+                  <a16:creationId xmlns:a16="http://schemas.microsoft.com/office/drawing/2014/main" id="{13CE0265-F5AC-B742-9206-C9DA29FF50A9}"/>
+                </a:ext>
+              </a:extLst>
+            </p:cNvPr>
+            <p:cNvSpPr/>
+            <p:nvPr/>
+          </p:nvSpPr>
+          <p:spPr>
+            <a:xfrm>
+              <a:off x="7379431" y="4594446"/>
+              <a:ext cx="27127" cy="40368"/>
+            </a:xfrm>
+            <a:custGeom>
+              <a:avLst/>
+              <a:gdLst/>
+              <a:ahLst/>
+              <a:cxnLst/>
+              <a:rect l="l" t="t" r="r" b="b"/>
+              <a:pathLst>
+                <a:path w="271268" h="403680" extrusionOk="0">
+                  <a:moveTo>
+                    <a:pt x="271268" y="280137"/>
+                  </a:moveTo>
+                  <a:cubicBezTo>
+                    <a:pt x="271268" y="382927"/>
+                    <a:pt x="210273" y="431109"/>
+                    <a:pt x="135634" y="387745"/>
+                  </a:cubicBezTo>
+                  <a:cubicBezTo>
+                    <a:pt x="60995" y="344381"/>
+                    <a:pt x="0" y="226333"/>
+                    <a:pt x="0" y="123544"/>
+                  </a:cubicBezTo>
+                  <a:cubicBezTo>
+                    <a:pt x="0" y="20754"/>
+                    <a:pt x="60995" y="-27429"/>
+                    <a:pt x="135634" y="15935"/>
+                  </a:cubicBezTo>
+                  <a:cubicBezTo>
+                    <a:pt x="210273" y="59300"/>
+                    <a:pt x="270466" y="177348"/>
+                    <a:pt x="271268" y="280137"/>
+                  </a:cubicBezTo>
+                  <a:close/>
+                </a:path>
+              </a:pathLst>
+            </a:custGeom>
+            <a:solidFill>
+              <a:schemeClr val="accent2"/>
+            </a:solidFill>
+            <a:ln>
+              <a:noFill/>
+            </a:ln>
+          </p:spPr>
+          <p:txBody>
+            <a:bodyPr spcFirstLastPara="1" wrap="square" lIns="68575" tIns="34275" rIns="68575" bIns="34275" anchor="ctr" anchorCtr="0">
+              <a:noAutofit/>
+            </a:bodyPr>
+            <a:lstStyle/>
+            <a:p>
+              <a:pPr marL="0" marR="0" lvl="0" indent="0" algn="l" rtl="0">
+                <a:spcBef>
+                  <a:spcPts val="0"/>
+                </a:spcBef>
+                <a:spcAft>
+                  <a:spcPts val="0"/>
+                </a:spcAft>
+                <a:buNone/>
+              </a:pPr>
+              <a:endParaRPr sz="1400">
+                <a:solidFill>
+                  <a:schemeClr val="dk1"/>
+                </a:solidFill>
+                <a:latin typeface="Calibri"/>
+                <a:ea typeface="Calibri"/>
+                <a:cs typeface="Calibri"/>
+                <a:sym typeface="Calibri"/>
+              </a:endParaRPr>
+            </a:p>
+          </p:txBody>
+        </p:sp>
+        <p:sp>
+          <p:nvSpPr>
+            <p:cNvPr id="77" name="Google Shape;1182;p46">
+              <a:extLst>
+                <a:ext uri="{FF2B5EF4-FFF2-40B4-BE49-F238E27FC236}">
+                  <a16:creationId xmlns:a16="http://schemas.microsoft.com/office/drawing/2014/main" id="{D7467D72-ACF1-564E-9A83-E042225F0309}"/>
+                </a:ext>
+              </a:extLst>
+            </p:cNvPr>
+            <p:cNvSpPr/>
+            <p:nvPr/>
+          </p:nvSpPr>
+          <p:spPr>
+            <a:xfrm>
+              <a:off x="7242195" y="4530298"/>
+              <a:ext cx="67095" cy="91494"/>
+            </a:xfrm>
+            <a:custGeom>
+              <a:avLst/>
+              <a:gdLst/>
+              <a:ahLst/>
+              <a:cxnLst/>
+              <a:rect l="l" t="t" r="r" b="b"/>
+              <a:pathLst>
+                <a:path w="670948" h="914939" extrusionOk="0">
+                  <a:moveTo>
+                    <a:pt x="335474" y="11956"/>
+                  </a:moveTo>
+                  <a:cubicBezTo>
+                    <a:pt x="383628" y="39259"/>
+                    <a:pt x="422152" y="106715"/>
+                    <a:pt x="422152" y="162125"/>
+                  </a:cubicBezTo>
+                  <a:lnTo>
+                    <a:pt x="422152" y="407054"/>
+                  </a:lnTo>
+                  <a:lnTo>
+                    <a:pt x="584270" y="500207"/>
+                  </a:lnTo>
+                  <a:cubicBezTo>
+                    <a:pt x="632425" y="527511"/>
+                    <a:pt x="670948" y="594966"/>
+                    <a:pt x="670948" y="650376"/>
+                  </a:cubicBezTo>
+                  <a:cubicBezTo>
+                    <a:pt x="670948" y="705786"/>
+                    <a:pt x="632425" y="728272"/>
+                    <a:pt x="584270" y="700968"/>
+                  </a:cubicBezTo>
+                  <a:lnTo>
+                    <a:pt x="422152" y="607815"/>
+                  </a:lnTo>
+                  <a:lnTo>
+                    <a:pt x="422152" y="852744"/>
+                  </a:lnTo>
+                  <a:cubicBezTo>
+                    <a:pt x="422152" y="908153"/>
+                    <a:pt x="383628" y="930639"/>
+                    <a:pt x="335474" y="903335"/>
+                  </a:cubicBezTo>
+                  <a:cubicBezTo>
+                    <a:pt x="287320" y="876032"/>
+                    <a:pt x="248797" y="808576"/>
+                    <a:pt x="248797" y="753166"/>
+                  </a:cubicBezTo>
+                  <a:lnTo>
+                    <a:pt x="248797" y="508237"/>
+                  </a:lnTo>
+                  <a:lnTo>
+                    <a:pt x="86677" y="415084"/>
+                  </a:lnTo>
+                  <a:cubicBezTo>
+                    <a:pt x="38523" y="387781"/>
+                    <a:pt x="0" y="320325"/>
+                    <a:pt x="0" y="264915"/>
+                  </a:cubicBezTo>
+                  <a:cubicBezTo>
+                    <a:pt x="0" y="209505"/>
+                    <a:pt x="38523" y="187020"/>
+                    <a:pt x="86677" y="214323"/>
+                  </a:cubicBezTo>
+                  <a:lnTo>
+                    <a:pt x="248797" y="307476"/>
+                  </a:lnTo>
+                  <a:lnTo>
+                    <a:pt x="248797" y="62548"/>
+                  </a:lnTo>
+                  <a:cubicBezTo>
+                    <a:pt x="247994" y="7138"/>
+                    <a:pt x="287320" y="-16151"/>
+                    <a:pt x="335474" y="11956"/>
+                  </a:cubicBezTo>
+                  <a:close/>
+                </a:path>
+              </a:pathLst>
+            </a:custGeom>
+            <a:gradFill>
+              <a:gsLst>
+                <a:gs pos="0">
+                  <a:srgbClr val="FFFFFF">
+                    <a:alpha val="29803"/>
+                    <a:alpha val="29800"/>
+                  </a:srgbClr>
+                </a:gs>
+                <a:gs pos="100000">
+                  <a:srgbClr val="FFFFFF">
+                    <a:alpha val="0"/>
+                  </a:srgbClr>
+                </a:gs>
+              </a:gsLst>
+              <a:lin ang="5400700" scaled="0"/>
+            </a:gradFill>
+            <a:ln>
+              <a:noFill/>
+            </a:ln>
+          </p:spPr>
+          <p:txBody>
+            <a:bodyPr spcFirstLastPara="1" wrap="square" lIns="68575" tIns="34275" rIns="68575" bIns="34275" anchor="ctr" anchorCtr="0">
+              <a:noAutofit/>
+            </a:bodyPr>
+            <a:lstStyle/>
+            <a:p>
+              <a:pPr marL="0" marR="0" lvl="0" indent="0" algn="l" rtl="0">
+                <a:spcBef>
+                  <a:spcPts val="0"/>
+                </a:spcBef>
+                <a:spcAft>
+                  <a:spcPts val="0"/>
+                </a:spcAft>
+                <a:buNone/>
+              </a:pPr>
+              <a:endParaRPr sz="1400">
+                <a:solidFill>
+                  <a:schemeClr val="dk1"/>
+                </a:solidFill>
+                <a:latin typeface="Calibri"/>
+                <a:ea typeface="Calibri"/>
+                <a:cs typeface="Calibri"/>
+                <a:sym typeface="Calibri"/>
+              </a:endParaRPr>
+            </a:p>
+          </p:txBody>
+        </p:sp>
+        <p:sp>
+          <p:nvSpPr>
+            <p:cNvPr id="78" name="Google Shape;1183;p46">
+              <a:extLst>
+                <a:ext uri="{FF2B5EF4-FFF2-40B4-BE49-F238E27FC236}">
+                  <a16:creationId xmlns:a16="http://schemas.microsoft.com/office/drawing/2014/main" id="{0823111E-A1B1-8046-B70A-000E2CE8F7DD}"/>
+                </a:ext>
+              </a:extLst>
+            </p:cNvPr>
+            <p:cNvSpPr/>
+            <p:nvPr/>
+          </p:nvSpPr>
+          <p:spPr>
+            <a:xfrm>
+              <a:off x="7304559" y="4297072"/>
+              <a:ext cx="70592" cy="94782"/>
+            </a:xfrm>
+            <a:custGeom>
+              <a:avLst/>
+              <a:gdLst/>
+              <a:ahLst/>
+              <a:cxnLst/>
+              <a:rect l="l" t="t" r="r" b="b"/>
+              <a:pathLst>
+                <a:path w="705920" h="947817" extrusionOk="0">
+                  <a:moveTo>
+                    <a:pt x="352852" y="947818"/>
+                  </a:moveTo>
+                  <a:cubicBezTo>
+                    <a:pt x="-335753" y="51620"/>
+                    <a:pt x="162642" y="-272810"/>
+                    <a:pt x="352852" y="252381"/>
+                  </a:cubicBezTo>
+                  <a:cubicBezTo>
+                    <a:pt x="543863" y="-49564"/>
+                    <a:pt x="1041456" y="855467"/>
+                    <a:pt x="352852" y="947818"/>
+                  </a:cubicBezTo>
+                  <a:close/>
+                </a:path>
+              </a:pathLst>
+            </a:custGeom>
+            <a:solidFill>
+              <a:srgbClr val="FFFFFF">
+                <a:alpha val="29800"/>
+              </a:srgbClr>
+            </a:solidFill>
+            <a:ln>
+              <a:noFill/>
+            </a:ln>
+          </p:spPr>
+          <p:txBody>
+            <a:bodyPr spcFirstLastPara="1" wrap="square" lIns="68575" tIns="34275" rIns="68575" bIns="34275" anchor="ctr" anchorCtr="0">
+              <a:noAutofit/>
+            </a:bodyPr>
+            <a:lstStyle/>
+            <a:p>
+              <a:pPr marL="0" marR="0" lvl="0" indent="0" algn="l" rtl="0">
+                <a:spcBef>
+                  <a:spcPts val="0"/>
+                </a:spcBef>
+                <a:spcAft>
+                  <a:spcPts val="0"/>
+                </a:spcAft>
+                <a:buNone/>
+              </a:pPr>
+              <a:endParaRPr sz="1400">
+                <a:solidFill>
+                  <a:schemeClr val="dk1"/>
+                </a:solidFill>
+                <a:latin typeface="Calibri"/>
+                <a:ea typeface="Calibri"/>
+                <a:cs typeface="Calibri"/>
+                <a:sym typeface="Calibri"/>
+              </a:endParaRPr>
+            </a:p>
+          </p:txBody>
+        </p:sp>
+      </p:grpSp>
+    </p:spTree>
+  </p:cSld>
+  <p:clrMapOvr>
+    <a:masterClrMapping/>
+  </p:clrMapOvr>
+  <mc:AlternateContent xmlns:mc="http://schemas.openxmlformats.org/markup-compatibility/2006" xmlns:p14="http://schemas.microsoft.com/office/powerpoint/2010/main">
+    <mc:Choice Requires="p14">
+      <p:transition spd="med" p14:dur="700">
+        <p:fade/>
+      </p:transition>
+    </mc:Choice>
+    <mc:Fallback xmlns="">
+      <p:transition spd="med">
+        <p:fade/>
+      </p:transition>
+    </mc:Fallback>
+  </mc:AlternateContent>
+  <p:timing>
+    <p:tnLst>
+      <p:par>
+        <p:cTn id="1" dur="indefinite" restart="never" nodeType="tmRoot">
+          <p:childTnLst>
+            <p:seq concurrent="1" nextAc="seek">
+              <p:cTn id="2" dur="indefinite" nodeType="mainSeq">
+                <p:childTnLst>
+                  <p:par>
+                    <p:cTn id="3" fill="hold">
+                      <p:stCondLst>
+                        <p:cond delay="indefinite"/>
+                      </p:stCondLst>
+                      <p:childTnLst>
+                        <p:par>
+                          <p:cTn id="4" fill="hold">
+                            <p:stCondLst>
+                              <p:cond delay="0"/>
+                            </p:stCondLst>
+                            <p:childTnLst>
+                              <p:par>
+                                <p:cTn id="5" presetID="10" presetClass="entr" presetSubtype="0" fill="hold" grpId="0" nodeType="clickEffect">
+                                  <p:stCondLst>
+                                    <p:cond delay="0"/>
+                                  </p:stCondLst>
+                                  <p:childTnLst>
+                                    <p:set>
+                                      <p:cBhvr>
+                                        <p:cTn id="6" dur="1" fill="hold">
+                                          <p:stCondLst>
+                                            <p:cond delay="0"/>
+                                          </p:stCondLst>
+                                        </p:cTn>
+                                        <p:tgtEl>
+                                          <p:spTgt spid="491"/>
+                                        </p:tgtEl>
+                                        <p:attrNameLst>
+                                          <p:attrName>style.visibility</p:attrName>
+                                        </p:attrNameLst>
+                                      </p:cBhvr>
+                                      <p:to>
+                                        <p:strVal val="visible"/>
+                                      </p:to>
+                                    </p:set>
+                                    <p:animEffect transition="in" filter="fade">
+                                      <p:cBhvr>
+                                        <p:cTn id="7" dur="500"/>
+                                        <p:tgtEl>
+                                          <p:spTgt spid="491"/>
+                                        </p:tgtEl>
+                                      </p:cBhvr>
+                                    </p:animEffect>
+                                  </p:childTnLst>
+                                </p:cTn>
+                              </p:par>
+                            </p:childTnLst>
+                          </p:cTn>
+                        </p:par>
+                      </p:childTnLst>
+                    </p:cTn>
+                  </p:par>
+                  <p:par>
+                    <p:cTn id="8" fill="hold">
+                      <p:stCondLst>
+                        <p:cond delay="indefinite"/>
+                      </p:stCondLst>
+                      <p:childTnLst>
+                        <p:par>
+                          <p:cTn id="9" fill="hold">
+                            <p:stCondLst>
+                              <p:cond delay="0"/>
+                            </p:stCondLst>
+                            <p:childTnLst>
+                              <p:par>
+                                <p:cTn id="10" presetID="42" presetClass="entr" presetSubtype="0" fill="hold" grpId="0" nodeType="clickEffect">
+                                  <p:stCondLst>
+                                    <p:cond delay="0"/>
+                                  </p:stCondLst>
+                                  <p:childTnLst>
+                                    <p:set>
+                                      <p:cBhvr>
+                                        <p:cTn id="11" dur="1" fill="hold">
+                                          <p:stCondLst>
+                                            <p:cond delay="0"/>
+                                          </p:stCondLst>
+                                        </p:cTn>
+                                        <p:tgtEl>
+                                          <p:spTgt spid="492">
+                                            <p:txEl>
+                                              <p:pRg st="0" end="0"/>
+                                            </p:txEl>
+                                          </p:spTgt>
+                                        </p:tgtEl>
+                                        <p:attrNameLst>
+                                          <p:attrName>style.visibility</p:attrName>
+                                        </p:attrNameLst>
+                                      </p:cBhvr>
+                                      <p:to>
+                                        <p:strVal val="visible"/>
+                                      </p:to>
+                                    </p:set>
+                                    <p:animEffect transition="in" filter="fade">
+                                      <p:cBhvr>
+                                        <p:cTn id="12" dur="1000"/>
+                                        <p:tgtEl>
+                                          <p:spTgt spid="492">
+                                            <p:txEl>
+                                              <p:pRg st="0" end="0"/>
+                                            </p:txEl>
+                                          </p:spTgt>
+                                        </p:tgtEl>
+                                      </p:cBhvr>
+                                    </p:animEffect>
+                                    <p:anim calcmode="lin" valueType="num">
+                                      <p:cBhvr>
+                                        <p:cTn id="13" dur="1000" fill="hold"/>
+                                        <p:tgtEl>
+                                          <p:spTgt spid="492">
+                                            <p:txEl>
+                                              <p:pRg st="0" end="0"/>
+                                            </p:txEl>
+                                          </p:spTgt>
+                                        </p:tgtEl>
+                                        <p:attrNameLst>
+                                          <p:attrName>ppt_x</p:attrName>
+                                        </p:attrNameLst>
+                                      </p:cBhvr>
+                                      <p:tavLst>
+                                        <p:tav tm="0">
+                                          <p:val>
+                                            <p:strVal val="#ppt_x"/>
+                                          </p:val>
+                                        </p:tav>
+                                        <p:tav tm="100000">
+                                          <p:val>
+                                            <p:strVal val="#ppt_x"/>
+                                          </p:val>
+                                        </p:tav>
+                                      </p:tavLst>
+                                    </p:anim>
+                                    <p:anim calcmode="lin" valueType="num">
+                                      <p:cBhvr>
+                                        <p:cTn id="14" dur="1000" fill="hold"/>
+                                        <p:tgtEl>
+                                          <p:spTgt spid="492">
+                                            <p:txEl>
+                                              <p:pRg st="0" end="0"/>
+                                            </p:txEl>
+                                          </p:spTgt>
+                                        </p:tgtEl>
+                                        <p:attrNameLst>
+                                          <p:attrName>ppt_y</p:attrName>
+                                        </p:attrNameLst>
+                                      </p:cBhvr>
+                                      <p:tavLst>
+                                        <p:tav tm="0">
+                                          <p:val>
+                                            <p:strVal val="#ppt_y+.1"/>
+                                          </p:val>
+                                        </p:tav>
+                                        <p:tav tm="100000">
+                                          <p:val>
+                                            <p:strVal val="#ppt_y"/>
+                                          </p:val>
+                                        </p:tav>
+                                      </p:tavLst>
+                                    </p:anim>
+                                  </p:childTnLst>
+                                </p:cTn>
+                              </p:par>
+                            </p:childTnLst>
+                          </p:cTn>
+                        </p:par>
+                      </p:childTnLst>
+                    </p:cTn>
+                  </p:par>
+                  <p:par>
+                    <p:cTn id="15" fill="hold">
+                      <p:stCondLst>
+                        <p:cond delay="indefinite"/>
+                      </p:stCondLst>
+                      <p:childTnLst>
+                        <p:par>
+                          <p:cTn id="16" fill="hold">
+                            <p:stCondLst>
+                              <p:cond delay="0"/>
+                            </p:stCondLst>
+                            <p:childTnLst>
+                              <p:par>
+                                <p:cTn id="17" presetID="42" presetClass="entr" presetSubtype="0" fill="hold" grpId="0" nodeType="clickEffect">
+                                  <p:stCondLst>
+                                    <p:cond delay="0"/>
+                                  </p:stCondLst>
+                                  <p:childTnLst>
+                                    <p:set>
+                                      <p:cBhvr>
+                                        <p:cTn id="18" dur="1" fill="hold">
+                                          <p:stCondLst>
+                                            <p:cond delay="0"/>
+                                          </p:stCondLst>
+                                        </p:cTn>
+                                        <p:tgtEl>
+                                          <p:spTgt spid="492">
+                                            <p:txEl>
+                                              <p:pRg st="1" end="1"/>
+                                            </p:txEl>
+                                          </p:spTgt>
+                                        </p:tgtEl>
+                                        <p:attrNameLst>
+                                          <p:attrName>style.visibility</p:attrName>
+                                        </p:attrNameLst>
+                                      </p:cBhvr>
+                                      <p:to>
+                                        <p:strVal val="visible"/>
+                                      </p:to>
+                                    </p:set>
+                                    <p:animEffect transition="in" filter="fade">
+                                      <p:cBhvr>
+                                        <p:cTn id="19" dur="1000"/>
+                                        <p:tgtEl>
+                                          <p:spTgt spid="492">
+                                            <p:txEl>
+                                              <p:pRg st="1" end="1"/>
+                                            </p:txEl>
+                                          </p:spTgt>
+                                        </p:tgtEl>
+                                      </p:cBhvr>
+                                    </p:animEffect>
+                                    <p:anim calcmode="lin" valueType="num">
+                                      <p:cBhvr>
+                                        <p:cTn id="20" dur="1000" fill="hold"/>
+                                        <p:tgtEl>
+                                          <p:spTgt spid="492">
+                                            <p:txEl>
+                                              <p:pRg st="1" end="1"/>
+                                            </p:txEl>
+                                          </p:spTgt>
+                                        </p:tgtEl>
+                                        <p:attrNameLst>
+                                          <p:attrName>ppt_x</p:attrName>
+                                        </p:attrNameLst>
+                                      </p:cBhvr>
+                                      <p:tavLst>
+                                        <p:tav tm="0">
+                                          <p:val>
+                                            <p:strVal val="#ppt_x"/>
+                                          </p:val>
+                                        </p:tav>
+                                        <p:tav tm="100000">
+                                          <p:val>
+                                            <p:strVal val="#ppt_x"/>
+                                          </p:val>
+                                        </p:tav>
+                                      </p:tavLst>
+                                    </p:anim>
+                                    <p:anim calcmode="lin" valueType="num">
+                                      <p:cBhvr>
+                                        <p:cTn id="21" dur="1000" fill="hold"/>
+                                        <p:tgtEl>
+                                          <p:spTgt spid="492">
+                                            <p:txEl>
+                                              <p:pRg st="1" end="1"/>
+                                            </p:txEl>
+                                          </p:spTgt>
+                                        </p:tgtEl>
+                                        <p:attrNameLst>
+                                          <p:attrName>ppt_y</p:attrName>
+                                        </p:attrNameLst>
+                                      </p:cBhvr>
+                                      <p:tavLst>
+                                        <p:tav tm="0">
+                                          <p:val>
+                                            <p:strVal val="#ppt_y+.1"/>
+                                          </p:val>
+                                        </p:tav>
+                                        <p:tav tm="100000">
+                                          <p:val>
+                                            <p:strVal val="#ppt_y"/>
+                                          </p:val>
+                                        </p:tav>
+                                      </p:tavLst>
+                                    </p:anim>
+                                  </p:childTnLst>
+                                </p:cTn>
+                              </p:par>
+                            </p:childTnLst>
+                          </p:cTn>
+                        </p:par>
+                      </p:childTnLst>
+                    </p:cTn>
+                  </p:par>
+                  <p:par>
+                    <p:cTn id="22" fill="hold">
+                      <p:stCondLst>
+                        <p:cond delay="indefinite"/>
+                      </p:stCondLst>
+                      <p:childTnLst>
+                        <p:par>
+                          <p:cTn id="23" fill="hold">
+                            <p:stCondLst>
+                              <p:cond delay="0"/>
+                            </p:stCondLst>
+                            <p:childTnLst>
+                              <p:par>
+                                <p:cTn id="24" presetID="42" presetClass="entr" presetSubtype="0" fill="hold" grpId="0" nodeType="clickEffect">
+                                  <p:stCondLst>
+                                    <p:cond delay="0"/>
+                                  </p:stCondLst>
+                                  <p:childTnLst>
+                                    <p:set>
+                                      <p:cBhvr>
+                                        <p:cTn id="25" dur="1" fill="hold">
+                                          <p:stCondLst>
+                                            <p:cond delay="0"/>
+                                          </p:stCondLst>
+                                        </p:cTn>
+                                        <p:tgtEl>
+                                          <p:spTgt spid="492">
+                                            <p:txEl>
+                                              <p:pRg st="2" end="2"/>
+                                            </p:txEl>
+                                          </p:spTgt>
+                                        </p:tgtEl>
+                                        <p:attrNameLst>
+                                          <p:attrName>style.visibility</p:attrName>
+                                        </p:attrNameLst>
+                                      </p:cBhvr>
+                                      <p:to>
+                                        <p:strVal val="visible"/>
+                                      </p:to>
+                                    </p:set>
+                                    <p:animEffect transition="in" filter="fade">
+                                      <p:cBhvr>
+                                        <p:cTn id="26" dur="1000"/>
+                                        <p:tgtEl>
+                                          <p:spTgt spid="492">
+                                            <p:txEl>
+                                              <p:pRg st="2" end="2"/>
+                                            </p:txEl>
+                                          </p:spTgt>
+                                        </p:tgtEl>
+                                      </p:cBhvr>
+                                    </p:animEffect>
+                                    <p:anim calcmode="lin" valueType="num">
+                                      <p:cBhvr>
+                                        <p:cTn id="27" dur="1000" fill="hold"/>
+                                        <p:tgtEl>
+                                          <p:spTgt spid="492">
+                                            <p:txEl>
+                                              <p:pRg st="2" end="2"/>
+                                            </p:txEl>
+                                          </p:spTgt>
+                                        </p:tgtEl>
+                                        <p:attrNameLst>
+                                          <p:attrName>ppt_x</p:attrName>
+                                        </p:attrNameLst>
+                                      </p:cBhvr>
+                                      <p:tavLst>
+                                        <p:tav tm="0">
+                                          <p:val>
+                                            <p:strVal val="#ppt_x"/>
+                                          </p:val>
+                                        </p:tav>
+                                        <p:tav tm="100000">
+                                          <p:val>
+                                            <p:strVal val="#ppt_x"/>
+                                          </p:val>
+                                        </p:tav>
+                                      </p:tavLst>
+                                    </p:anim>
+                                    <p:anim calcmode="lin" valueType="num">
+                                      <p:cBhvr>
+                                        <p:cTn id="28" dur="1000" fill="hold"/>
+                                        <p:tgtEl>
+                                          <p:spTgt spid="492">
+                                            <p:txEl>
+                                              <p:pRg st="2" end="2"/>
+                                            </p:txEl>
+                                          </p:spTgt>
+                                        </p:tgtEl>
+                                        <p:attrNameLst>
+                                          <p:attrName>ppt_y</p:attrName>
+                                        </p:attrNameLst>
+                                      </p:cBhvr>
+                                      <p:tavLst>
+                                        <p:tav tm="0">
+                                          <p:val>
+                                            <p:strVal val="#ppt_y+.1"/>
+                                          </p:val>
+                                        </p:tav>
+                                        <p:tav tm="100000">
+                                          <p:val>
+                                            <p:strVal val="#ppt_y"/>
+                                          </p:val>
+                                        </p:tav>
+                                      </p:tavLst>
+                                    </p:anim>
+                                  </p:childTnLst>
+                                </p:cTn>
+                              </p:par>
+                            </p:childTnLst>
+                          </p:cTn>
+                        </p:par>
+                      </p:childTnLst>
+                    </p:cTn>
+                  </p:par>
+                  <p:par>
+                    <p:cTn id="29" fill="hold">
+                      <p:stCondLst>
+                        <p:cond delay="indefinite"/>
+                      </p:stCondLst>
+                      <p:childTnLst>
+                        <p:par>
+                          <p:cTn id="30" fill="hold">
+                            <p:stCondLst>
+                              <p:cond delay="0"/>
+                            </p:stCondLst>
+                            <p:childTnLst>
+                              <p:par>
+                                <p:cTn id="31" presetID="42" presetClass="entr" presetSubtype="0" fill="hold" grpId="0" nodeType="clickEffect">
+                                  <p:stCondLst>
+                                    <p:cond delay="0"/>
+                                  </p:stCondLst>
+                                  <p:childTnLst>
+                                    <p:set>
+                                      <p:cBhvr>
+                                        <p:cTn id="32" dur="1" fill="hold">
+                                          <p:stCondLst>
+                                            <p:cond delay="0"/>
+                                          </p:stCondLst>
+                                        </p:cTn>
+                                        <p:tgtEl>
+                                          <p:spTgt spid="492">
+                                            <p:txEl>
+                                              <p:pRg st="3" end="3"/>
+                                            </p:txEl>
+                                          </p:spTgt>
+                                        </p:tgtEl>
+                                        <p:attrNameLst>
+                                          <p:attrName>style.visibility</p:attrName>
+                                        </p:attrNameLst>
+                                      </p:cBhvr>
+                                      <p:to>
+                                        <p:strVal val="visible"/>
+                                      </p:to>
+                                    </p:set>
+                                    <p:animEffect transition="in" filter="fade">
+                                      <p:cBhvr>
+                                        <p:cTn id="33" dur="1000"/>
+                                        <p:tgtEl>
+                                          <p:spTgt spid="492">
+                                            <p:txEl>
+                                              <p:pRg st="3" end="3"/>
+                                            </p:txEl>
+                                          </p:spTgt>
+                                        </p:tgtEl>
+                                      </p:cBhvr>
+                                    </p:animEffect>
+                                    <p:anim calcmode="lin" valueType="num">
+                                      <p:cBhvr>
+                                        <p:cTn id="34" dur="1000" fill="hold"/>
+                                        <p:tgtEl>
+                                          <p:spTgt spid="492">
+                                            <p:txEl>
+                                              <p:pRg st="3" end="3"/>
+                                            </p:txEl>
+                                          </p:spTgt>
+                                        </p:tgtEl>
+                                        <p:attrNameLst>
+                                          <p:attrName>ppt_x</p:attrName>
+                                        </p:attrNameLst>
+                                      </p:cBhvr>
+                                      <p:tavLst>
+                                        <p:tav tm="0">
+                                          <p:val>
+                                            <p:strVal val="#ppt_x"/>
+                                          </p:val>
+                                        </p:tav>
+                                        <p:tav tm="100000">
+                                          <p:val>
+                                            <p:strVal val="#ppt_x"/>
+                                          </p:val>
+                                        </p:tav>
+                                      </p:tavLst>
+                                    </p:anim>
+                                    <p:anim calcmode="lin" valueType="num">
+                                      <p:cBhvr>
+                                        <p:cTn id="35" dur="1000" fill="hold"/>
+                                        <p:tgtEl>
+                                          <p:spTgt spid="492">
+                                            <p:txEl>
+                                              <p:pRg st="3" end="3"/>
+                                            </p:txEl>
+                                          </p:spTgt>
+                                        </p:tgtEl>
+                                        <p:attrNameLst>
+                                          <p:attrName>ppt_y</p:attrName>
+                                        </p:attrNameLst>
+                                      </p:cBhvr>
+                                      <p:tavLst>
+                                        <p:tav tm="0">
+                                          <p:val>
+                                            <p:strVal val="#ppt_y+.1"/>
+                                          </p:val>
+                                        </p:tav>
+                                        <p:tav tm="100000">
+                                          <p:val>
+                                            <p:strVal val="#ppt_y"/>
+                                          </p:val>
+                                        </p:tav>
+                                      </p:tavLst>
+                                    </p:anim>
+                                  </p:childTnLst>
+                                </p:cTn>
+                              </p:par>
+                              <p:par>
+                                <p:cTn id="36" presetID="42" presetClass="entr" presetSubtype="0" fill="hold" nodeType="withEffect">
+                                  <p:stCondLst>
+                                    <p:cond delay="0"/>
+                                  </p:stCondLst>
+                                  <p:childTnLst>
+                                    <p:set>
+                                      <p:cBhvr>
+                                        <p:cTn id="37" dur="1" fill="hold">
+                                          <p:stCondLst>
+                                            <p:cond delay="0"/>
+                                          </p:stCondLst>
+                                        </p:cTn>
+                                        <p:tgtEl>
+                                          <p:spTgt spid="54"/>
+                                        </p:tgtEl>
+                                        <p:attrNameLst>
+                                          <p:attrName>style.visibility</p:attrName>
+                                        </p:attrNameLst>
+                                      </p:cBhvr>
+                                      <p:to>
+                                        <p:strVal val="visible"/>
+                                      </p:to>
+                                    </p:set>
+                                    <p:animEffect transition="in" filter="fade">
+                                      <p:cBhvr>
+                                        <p:cTn id="38" dur="1000"/>
+                                        <p:tgtEl>
+                                          <p:spTgt spid="54"/>
+                                        </p:tgtEl>
+                                      </p:cBhvr>
+                                    </p:animEffect>
+                                    <p:anim calcmode="lin" valueType="num">
+                                      <p:cBhvr>
+                                        <p:cTn id="39" dur="1000" fill="hold"/>
+                                        <p:tgtEl>
+                                          <p:spTgt spid="54"/>
+                                        </p:tgtEl>
+                                        <p:attrNameLst>
+                                          <p:attrName>ppt_x</p:attrName>
+                                        </p:attrNameLst>
+                                      </p:cBhvr>
+                                      <p:tavLst>
+                                        <p:tav tm="0">
+                                          <p:val>
+                                            <p:strVal val="#ppt_x"/>
+                                          </p:val>
+                                        </p:tav>
+                                        <p:tav tm="100000">
+                                          <p:val>
+                                            <p:strVal val="#ppt_x"/>
+                                          </p:val>
+                                        </p:tav>
+                                      </p:tavLst>
+                                    </p:anim>
+                                    <p:anim calcmode="lin" valueType="num">
+                                      <p:cBhvr>
+                                        <p:cTn id="40" dur="1000" fill="hold"/>
+                                        <p:tgtEl>
+                                          <p:spTgt spid="54"/>
+                                        </p:tgtEl>
+                                        <p:attrNameLst>
+                                          <p:attrName>ppt_y</p:attrName>
+                                        </p:attrNameLst>
+                                      </p:cBhvr>
+                                      <p:tavLst>
+                                        <p:tav tm="0">
+                                          <p:val>
+                                            <p:strVal val="#ppt_y+.1"/>
+                                          </p:val>
+                                        </p:tav>
+                                        <p:tav tm="100000">
+                                          <p:val>
+                                            <p:strVal val="#ppt_y"/>
+                                          </p:val>
+                                        </p:tav>
+                                      </p:tavLst>
+                                    </p:anim>
+                                  </p:childTnLst>
+                                </p:cTn>
+                              </p:par>
+                            </p:childTnLst>
+                          </p:cTn>
+                        </p:par>
+                      </p:childTnLst>
+                    </p:cTn>
+                  </p:par>
+                </p:childTnLst>
+              </p:cTn>
+              <p:prevCondLst>
+                <p:cond evt="onPrev" delay="0">
+                  <p:tgtEl>
+                    <p:sldTgt/>
+                  </p:tgtEl>
+                </p:cond>
+              </p:prevCondLst>
+              <p:nextCondLst>
+                <p:cond evt="onNext" delay="0">
+                  <p:tgtEl>
+                    <p:sldTgt/>
+                  </p:tgtEl>
+                </p:cond>
+              </p:nextCondLst>
+            </p:seq>
+          </p:childTnLst>
+        </p:cTn>
+      </p:par>
+    </p:tnLst>
+    <p:bldLst>
+      <p:bldP spid="491" grpId="0"/>
+      <p:bldP spid="492" grpId="0" build="p"/>
+    </p:bldLst>
+  </p:timing>
+</p:sld>
+</file>
+
+<file path=ppt/slides/slide11.xml><?xml version="1.0" encoding="utf-8"?>
+<p:sld xmlns:a="http://schemas.openxmlformats.org/drawingml/2006/main" xmlns:r="http://schemas.openxmlformats.org/officeDocument/2006/relationships" xmlns:p="http://schemas.openxmlformats.org/presentationml/2006/main">
+  <p:cSld>
+    <p:spTree>
+      <p:nvGrpSpPr>
         <p:cNvPr id="1" name="Shape 155"/>
         <p:cNvGrpSpPr/>
         <p:nvPr/>
@@ -9468,7 +12764,7 @@
             </a:pPr>
             <a:fld id="{00000000-1234-1234-1234-123412341234}" type="slidenum">
               <a:rPr lang="en"/>
-              <a:t>10</a:t>
+              <a:t>11</a:t>
             </a:fld>
             <a:endParaRPr/>
           </a:p>
@@ -9676,7 +12972,7 @@
 </p:sld>
 </file>
 
-<file path=ppt/slides/slide11.xml><?xml version="1.0" encoding="utf-8"?>
+<file path=ppt/slides/slide12.xml><?xml version="1.0" encoding="utf-8"?>
 <p:sld xmlns:a="http://schemas.openxmlformats.org/drawingml/2006/main" xmlns:r="http://schemas.openxmlformats.org/officeDocument/2006/relationships" xmlns:p="http://schemas.openxmlformats.org/presentationml/2006/main">
   <p:cSld>
     <p:spTree>
@@ -9845,7 +13141,7 @@
             </a:pPr>
             <a:fld id="{00000000-1234-1234-1234-123412341234}" type="slidenum">
               <a:rPr lang="en"/>
-              <a:t>11</a:t>
+              <a:t>12</a:t>
             </a:fld>
             <a:endParaRPr/>
           </a:p>
@@ -12916,48 +16212,6 @@
       <p:bldP spid="163" grpId="0" build="p"/>
     </p:bldLst>
   </p:timing>
-</p:sld>
-</file>
-
-<file path=ppt/slides/slide12.xml><?xml version="1.0" encoding="utf-8"?>
-<p:sld xmlns:a="http://schemas.openxmlformats.org/drawingml/2006/main" xmlns:r="http://schemas.openxmlformats.org/officeDocument/2006/relationships" xmlns:p="http://schemas.openxmlformats.org/presentationml/2006/main">
-  <p:cSld>
-    <p:spTree>
-      <p:nvGrpSpPr>
-        <p:cNvPr id="1" name="Shape 161"/>
-        <p:cNvGrpSpPr/>
-        <p:nvPr/>
-      </p:nvGrpSpPr>
-      <p:grpSpPr>
-        <a:xfrm>
-          <a:off x="0" y="0"/>
-          <a:ext cx="0" cy="0"/>
-          <a:chOff x="0" y="0"/>
-          <a:chExt cx="0" cy="0"/>
-        </a:xfrm>
-      </p:grpSpPr>
-    </p:spTree>
-    <p:extLst>
-      <p:ext uri="{BB962C8B-B14F-4D97-AF65-F5344CB8AC3E}">
-        <p14:creationId xmlns:p14="http://schemas.microsoft.com/office/powerpoint/2010/main" val="4122624939"/>
-      </p:ext>
-    </p:extLst>
-  </p:cSld>
-  <p:clrMapOvr>
-    <a:masterClrMapping/>
-  </p:clrMapOvr>
-  <mc:AlternateContent xmlns:mc="http://schemas.openxmlformats.org/markup-compatibility/2006" xmlns:p14="http://schemas.microsoft.com/office/powerpoint/2010/main">
-    <mc:Choice Requires="p14">
-      <p:transition spd="med" p14:dur="700">
-        <p:fade/>
-      </p:transition>
-    </mc:Choice>
-    <mc:Fallback xmlns="">
-      <p:transition spd="med">
-        <p:fade/>
-      </p:transition>
-    </mc:Fallback>
-  </mc:AlternateContent>
 </p:sld>
 </file>
 
@@ -24486,6 +27740,1939 @@
 </file>
 
 <file path=ppt/slides/slide6.xml><?xml version="1.0" encoding="utf-8"?>
+<p:sld xmlns:a="http://schemas.openxmlformats.org/drawingml/2006/main" xmlns:r="http://schemas.openxmlformats.org/officeDocument/2006/relationships" xmlns:p="http://schemas.openxmlformats.org/presentationml/2006/main">
+  <p:cSld>
+    <p:spTree>
+      <p:nvGrpSpPr>
+        <p:cNvPr id="1" name="Shape 521"/>
+        <p:cNvGrpSpPr/>
+        <p:nvPr/>
+      </p:nvGrpSpPr>
+      <p:grpSpPr>
+        <a:xfrm>
+          <a:off x="0" y="0"/>
+          <a:ext cx="0" cy="0"/>
+          <a:chOff x="0" y="0"/>
+          <a:chExt cx="0" cy="0"/>
+        </a:xfrm>
+      </p:grpSpPr>
+      <p:sp>
+        <p:nvSpPr>
+          <p:cNvPr id="522" name="Google Shape;522;p37"/>
+          <p:cNvSpPr txBox="1">
+            <a:spLocks noGrp="1"/>
+          </p:cNvSpPr>
+          <p:nvPr>
+            <p:ph type="title"/>
+          </p:nvPr>
+        </p:nvSpPr>
+        <p:spPr>
+          <a:xfrm>
+            <a:off x="753658" y="637850"/>
+            <a:ext cx="6929979" cy="396300"/>
+          </a:xfrm>
+          <a:prstGeom prst="rect">
+            <a:avLst/>
+          </a:prstGeom>
+        </p:spPr>
+        <p:txBody>
+          <a:bodyPr spcFirstLastPara="1" wrap="square" lIns="0" tIns="0" rIns="0" bIns="0" anchor="b" anchorCtr="0">
+            <a:noAutofit/>
+          </a:bodyPr>
+          <a:lstStyle/>
+          <a:p>
+            <a:pPr marL="0" lvl="0" indent="0" algn="l" rtl="0">
+              <a:spcBef>
+                <a:spcPts val="0"/>
+              </a:spcBef>
+              <a:spcAft>
+                <a:spcPts val="0"/>
+              </a:spcAft>
+              <a:buNone/>
+            </a:pPr>
+            <a:r>
+              <a:rPr lang="en" dirty="0">
+                <a:latin typeface="Barlow" panose="00000500000000000000" pitchFamily="2" charset="0"/>
+              </a:rPr>
+              <a:t>AGILE METHODOLOGY AND PROJECT TIMELINE</a:t>
+            </a:r>
+            <a:endParaRPr dirty="0">
+              <a:latin typeface="Barlow" panose="00000500000000000000" pitchFamily="2" charset="0"/>
+            </a:endParaRPr>
+          </a:p>
+        </p:txBody>
+      </p:sp>
+      <p:sp>
+        <p:nvSpPr>
+          <p:cNvPr id="523" name="Google Shape;523;p37"/>
+          <p:cNvSpPr txBox="1">
+            <a:spLocks noGrp="1"/>
+          </p:cNvSpPr>
+          <p:nvPr>
+            <p:ph type="sldNum" idx="12"/>
+          </p:nvPr>
+        </p:nvSpPr>
+        <p:spPr>
+          <a:xfrm>
+            <a:off x="8693400" y="4749850"/>
+            <a:ext cx="450600" cy="347100"/>
+          </a:xfrm>
+          <a:prstGeom prst="rect">
+            <a:avLst/>
+          </a:prstGeom>
+        </p:spPr>
+        <p:txBody>
+          <a:bodyPr spcFirstLastPara="1" wrap="square" lIns="0" tIns="0" rIns="0" bIns="0" anchor="ctr" anchorCtr="0">
+            <a:noAutofit/>
+          </a:bodyPr>
+          <a:lstStyle/>
+          <a:p>
+            <a:pPr marL="0" lvl="0" indent="0" algn="ctr" rtl="0">
+              <a:spcBef>
+                <a:spcPts val="0"/>
+              </a:spcBef>
+              <a:spcAft>
+                <a:spcPts val="0"/>
+              </a:spcAft>
+              <a:buNone/>
+            </a:pPr>
+            <a:fld id="{00000000-1234-1234-1234-123412341234}" type="slidenum">
+              <a:rPr lang="en">
+                <a:latin typeface="Barlow" panose="00000500000000000000" pitchFamily="2" charset="0"/>
+              </a:rPr>
+              <a:t>6</a:t>
+            </a:fld>
+            <a:endParaRPr>
+              <a:latin typeface="Barlow" panose="00000500000000000000" pitchFamily="2" charset="0"/>
+            </a:endParaRPr>
+          </a:p>
+        </p:txBody>
+      </p:sp>
+      <p:sp>
+        <p:nvSpPr>
+          <p:cNvPr id="526" name="Google Shape;526;p37"/>
+          <p:cNvSpPr/>
+          <p:nvPr/>
+        </p:nvSpPr>
+        <p:spPr>
+          <a:xfrm>
+            <a:off x="6415039" y="2755950"/>
+            <a:ext cx="2278361" cy="393600"/>
+          </a:xfrm>
+          <a:prstGeom prst="homePlate">
+            <a:avLst>
+              <a:gd name="adj" fmla="val 32030"/>
+            </a:avLst>
+          </a:prstGeom>
+          <a:solidFill>
+            <a:schemeClr val="accent4"/>
+          </a:solidFill>
+          <a:ln>
+            <a:noFill/>
+          </a:ln>
+          <a:effectLst>
+            <a:outerShdw blurRad="28575" dist="9525" algn="bl" rotWithShape="0">
+              <a:srgbClr val="000000">
+                <a:alpha val="20000"/>
+              </a:srgbClr>
+            </a:outerShdw>
+          </a:effectLst>
+        </p:spPr>
+        <p:txBody>
+          <a:bodyPr spcFirstLastPara="1" wrap="square" lIns="274300" tIns="0" rIns="0" bIns="0" anchor="ctr" anchorCtr="0">
+            <a:noAutofit/>
+          </a:bodyPr>
+          <a:lstStyle/>
+          <a:p>
+            <a:pPr marL="0" marR="0" lvl="0" indent="0" algn="ctr" rtl="0">
+              <a:lnSpc>
+                <a:spcPct val="100000"/>
+              </a:lnSpc>
+              <a:spcBef>
+                <a:spcPts val="0"/>
+              </a:spcBef>
+              <a:spcAft>
+                <a:spcPts val="0"/>
+              </a:spcAft>
+              <a:buNone/>
+            </a:pPr>
+            <a:r>
+              <a:rPr lang="en" sz="1000" b="1" dirty="0">
+                <a:solidFill>
+                  <a:schemeClr val="dk1"/>
+                </a:solidFill>
+                <a:latin typeface="Barlow" panose="00000500000000000000" pitchFamily="2" charset="0"/>
+                <a:ea typeface="Barlow Light"/>
+                <a:cs typeface="Barlow Light"/>
+                <a:sym typeface="Barlow Light"/>
+              </a:rPr>
+              <a:t>WEEK 4</a:t>
+            </a:r>
+            <a:endParaRPr sz="1000" b="1" dirty="0">
+              <a:solidFill>
+                <a:schemeClr val="dk1"/>
+              </a:solidFill>
+              <a:latin typeface="Barlow" panose="00000500000000000000" pitchFamily="2" charset="0"/>
+              <a:ea typeface="Barlow Light"/>
+              <a:cs typeface="Barlow Light"/>
+              <a:sym typeface="Barlow Light"/>
+            </a:endParaRPr>
+          </a:p>
+        </p:txBody>
+      </p:sp>
+      <p:sp>
+        <p:nvSpPr>
+          <p:cNvPr id="529" name="Google Shape;529;p37"/>
+          <p:cNvSpPr/>
+          <p:nvPr/>
+        </p:nvSpPr>
+        <p:spPr>
+          <a:xfrm>
+            <a:off x="4434787" y="2755950"/>
+            <a:ext cx="2120723" cy="393600"/>
+          </a:xfrm>
+          <a:prstGeom prst="homePlate">
+            <a:avLst>
+              <a:gd name="adj" fmla="val 32030"/>
+            </a:avLst>
+          </a:prstGeom>
+          <a:solidFill>
+            <a:schemeClr val="accent3"/>
+          </a:solidFill>
+          <a:ln>
+            <a:noFill/>
+          </a:ln>
+          <a:effectLst>
+            <a:outerShdw blurRad="28575" dist="9525" algn="bl" rotWithShape="0">
+              <a:srgbClr val="000000">
+                <a:alpha val="20000"/>
+              </a:srgbClr>
+            </a:outerShdw>
+          </a:effectLst>
+        </p:spPr>
+        <p:txBody>
+          <a:bodyPr spcFirstLastPara="1" wrap="square" lIns="274300" tIns="0" rIns="0" bIns="0" anchor="ctr" anchorCtr="0">
+            <a:noAutofit/>
+          </a:bodyPr>
+          <a:lstStyle/>
+          <a:p>
+            <a:pPr marL="0" marR="0" lvl="0" indent="0" algn="ctr" rtl="0">
+              <a:lnSpc>
+                <a:spcPct val="100000"/>
+              </a:lnSpc>
+              <a:spcBef>
+                <a:spcPts val="0"/>
+              </a:spcBef>
+              <a:spcAft>
+                <a:spcPts val="0"/>
+              </a:spcAft>
+              <a:buNone/>
+            </a:pPr>
+            <a:r>
+              <a:rPr lang="en" sz="1000" b="1" dirty="0">
+                <a:solidFill>
+                  <a:schemeClr val="dk1"/>
+                </a:solidFill>
+                <a:latin typeface="Barlow" panose="00000500000000000000" pitchFamily="2" charset="0"/>
+                <a:ea typeface="Barlow Light"/>
+                <a:cs typeface="Barlow Light"/>
+                <a:sym typeface="Barlow Light"/>
+              </a:rPr>
+              <a:t>WEEK 3</a:t>
+            </a:r>
+            <a:endParaRPr sz="1000" b="1" dirty="0">
+              <a:solidFill>
+                <a:schemeClr val="dk1"/>
+              </a:solidFill>
+              <a:latin typeface="Barlow" panose="00000500000000000000" pitchFamily="2" charset="0"/>
+              <a:ea typeface="Barlow Light"/>
+              <a:cs typeface="Barlow Light"/>
+              <a:sym typeface="Barlow Light"/>
+            </a:endParaRPr>
+          </a:p>
+        </p:txBody>
+      </p:sp>
+      <p:sp>
+        <p:nvSpPr>
+          <p:cNvPr id="532" name="Google Shape;532;p37"/>
+          <p:cNvSpPr/>
+          <p:nvPr/>
+        </p:nvSpPr>
+        <p:spPr>
+          <a:xfrm>
+            <a:off x="2454534" y="2755950"/>
+            <a:ext cx="2140935" cy="393600"/>
+          </a:xfrm>
+          <a:prstGeom prst="homePlate">
+            <a:avLst>
+              <a:gd name="adj" fmla="val 32030"/>
+            </a:avLst>
+          </a:prstGeom>
+          <a:solidFill>
+            <a:schemeClr val="accent2"/>
+          </a:solidFill>
+          <a:ln>
+            <a:noFill/>
+          </a:ln>
+          <a:effectLst>
+            <a:outerShdw blurRad="28575" dist="9525" algn="bl" rotWithShape="0">
+              <a:srgbClr val="000000">
+                <a:alpha val="20000"/>
+              </a:srgbClr>
+            </a:outerShdw>
+          </a:effectLst>
+        </p:spPr>
+        <p:txBody>
+          <a:bodyPr spcFirstLastPara="1" wrap="square" lIns="274300" tIns="0" rIns="0" bIns="0" anchor="ctr" anchorCtr="0">
+            <a:noAutofit/>
+          </a:bodyPr>
+          <a:lstStyle/>
+          <a:p>
+            <a:pPr marL="0" marR="0" lvl="0" indent="0" algn="ctr" rtl="0">
+              <a:lnSpc>
+                <a:spcPct val="100000"/>
+              </a:lnSpc>
+              <a:spcBef>
+                <a:spcPts val="0"/>
+              </a:spcBef>
+              <a:spcAft>
+                <a:spcPts val="0"/>
+              </a:spcAft>
+              <a:buNone/>
+            </a:pPr>
+            <a:r>
+              <a:rPr lang="en" sz="1000" b="1" dirty="0">
+                <a:solidFill>
+                  <a:schemeClr val="dk1"/>
+                </a:solidFill>
+                <a:latin typeface="Barlow" panose="00000500000000000000" pitchFamily="2" charset="0"/>
+                <a:ea typeface="Barlow Light"/>
+                <a:cs typeface="Barlow Light"/>
+                <a:sym typeface="Barlow Light"/>
+              </a:rPr>
+              <a:t>WEEK 2</a:t>
+            </a:r>
+            <a:endParaRPr sz="1000" b="1" dirty="0">
+              <a:solidFill>
+                <a:schemeClr val="dk1"/>
+              </a:solidFill>
+              <a:latin typeface="Barlow" panose="00000500000000000000" pitchFamily="2" charset="0"/>
+              <a:ea typeface="Barlow Light"/>
+              <a:cs typeface="Barlow Light"/>
+              <a:sym typeface="Barlow Light"/>
+            </a:endParaRPr>
+          </a:p>
+        </p:txBody>
+      </p:sp>
+      <p:sp>
+        <p:nvSpPr>
+          <p:cNvPr id="535" name="Google Shape;535;p37"/>
+          <p:cNvSpPr/>
+          <p:nvPr/>
+        </p:nvSpPr>
+        <p:spPr>
+          <a:xfrm>
+            <a:off x="474282" y="2755950"/>
+            <a:ext cx="2114209" cy="393600"/>
+          </a:xfrm>
+          <a:prstGeom prst="homePlate">
+            <a:avLst>
+              <a:gd name="adj" fmla="val 32030"/>
+            </a:avLst>
+          </a:prstGeom>
+          <a:solidFill>
+            <a:schemeClr val="accent1"/>
+          </a:solidFill>
+          <a:ln>
+            <a:noFill/>
+          </a:ln>
+          <a:effectLst>
+            <a:outerShdw blurRad="28575" dist="9525" algn="bl" rotWithShape="0">
+              <a:srgbClr val="000000">
+                <a:alpha val="20000"/>
+              </a:srgbClr>
+            </a:outerShdw>
+          </a:effectLst>
+        </p:spPr>
+        <p:txBody>
+          <a:bodyPr spcFirstLastPara="1" wrap="square" lIns="274300" tIns="0" rIns="0" bIns="0" anchor="ctr" anchorCtr="0">
+            <a:noAutofit/>
+          </a:bodyPr>
+          <a:lstStyle/>
+          <a:p>
+            <a:pPr marL="0" marR="0" lvl="0" indent="0" algn="ctr" rtl="0">
+              <a:lnSpc>
+                <a:spcPct val="100000"/>
+              </a:lnSpc>
+              <a:spcBef>
+                <a:spcPts val="0"/>
+              </a:spcBef>
+              <a:spcAft>
+                <a:spcPts val="0"/>
+              </a:spcAft>
+              <a:buNone/>
+            </a:pPr>
+            <a:r>
+              <a:rPr lang="en" sz="1000" b="1" dirty="0">
+                <a:solidFill>
+                  <a:schemeClr val="dk1"/>
+                </a:solidFill>
+                <a:latin typeface="Barlow" panose="00000500000000000000" pitchFamily="2" charset="0"/>
+                <a:ea typeface="Barlow Light"/>
+                <a:cs typeface="Barlow Light"/>
+                <a:sym typeface="Barlow Light"/>
+              </a:rPr>
+              <a:t>WEEK 1</a:t>
+            </a:r>
+            <a:endParaRPr sz="1000" b="1" dirty="0">
+              <a:solidFill>
+                <a:schemeClr val="dk1"/>
+              </a:solidFill>
+              <a:latin typeface="Barlow" panose="00000500000000000000" pitchFamily="2" charset="0"/>
+              <a:ea typeface="Barlow Light"/>
+              <a:cs typeface="Barlow Light"/>
+              <a:sym typeface="Barlow Light"/>
+            </a:endParaRPr>
+          </a:p>
+        </p:txBody>
+      </p:sp>
+      <p:sp>
+        <p:nvSpPr>
+          <p:cNvPr id="536" name="Google Shape;536;p37"/>
+          <p:cNvSpPr/>
+          <p:nvPr/>
+        </p:nvSpPr>
+        <p:spPr>
+          <a:xfrm>
+            <a:off x="0" y="2755950"/>
+            <a:ext cx="637200" cy="393600"/>
+          </a:xfrm>
+          <a:prstGeom prst="homePlate">
+            <a:avLst>
+              <a:gd name="adj" fmla="val 32030"/>
+            </a:avLst>
+          </a:prstGeom>
+          <a:gradFill>
+            <a:gsLst>
+              <a:gs pos="0">
+                <a:schemeClr val="accent6"/>
+              </a:gs>
+              <a:gs pos="100000">
+                <a:schemeClr val="accent5"/>
+              </a:gs>
+            </a:gsLst>
+            <a:lin ang="2700006" scaled="0"/>
+          </a:gradFill>
+          <a:ln>
+            <a:noFill/>
+          </a:ln>
+          <a:effectLst>
+            <a:outerShdw blurRad="28575" dist="9525" algn="bl" rotWithShape="0">
+              <a:srgbClr val="000000">
+                <a:alpha val="20000"/>
+              </a:srgbClr>
+            </a:outerShdw>
+          </a:effectLst>
+        </p:spPr>
+        <p:txBody>
+          <a:bodyPr spcFirstLastPara="1" wrap="square" lIns="91425" tIns="91425" rIns="91425" bIns="91425" anchor="ctr" anchorCtr="0">
+            <a:noAutofit/>
+          </a:bodyPr>
+          <a:lstStyle/>
+          <a:p>
+            <a:pPr marL="0" marR="0" lvl="0" indent="0" algn="ctr" rtl="0">
+              <a:lnSpc>
+                <a:spcPct val="100000"/>
+              </a:lnSpc>
+              <a:spcBef>
+                <a:spcPts val="0"/>
+              </a:spcBef>
+              <a:spcAft>
+                <a:spcPts val="0"/>
+              </a:spcAft>
+              <a:buNone/>
+            </a:pPr>
+            <a:endParaRPr sz="1000">
+              <a:solidFill>
+                <a:schemeClr val="dk1"/>
+              </a:solidFill>
+              <a:latin typeface="Barlow" panose="00000500000000000000" pitchFamily="2" charset="0"/>
+            </a:endParaRPr>
+          </a:p>
+        </p:txBody>
+      </p:sp>
+      <p:cxnSp>
+        <p:nvCxnSpPr>
+          <p:cNvPr id="537" name="Google Shape;537;p37"/>
+          <p:cNvCxnSpPr/>
+          <p:nvPr/>
+        </p:nvCxnSpPr>
+        <p:spPr>
+          <a:xfrm rot="10800000">
+            <a:off x="768923" y="2281931"/>
+            <a:ext cx="0" cy="498600"/>
+          </a:xfrm>
+          <a:prstGeom prst="straightConnector1">
+            <a:avLst/>
+          </a:prstGeom>
+          <a:noFill/>
+          <a:ln w="9525" cap="flat" cmpd="sng">
+            <a:solidFill>
+              <a:schemeClr val="lt2"/>
+            </a:solidFill>
+            <a:prstDash val="solid"/>
+            <a:round/>
+            <a:headEnd type="oval" w="med" len="med"/>
+            <a:tailEnd type="oval" w="med" len="med"/>
+          </a:ln>
+        </p:spPr>
+      </p:cxnSp>
+      <p:sp>
+        <p:nvSpPr>
+          <p:cNvPr id="538" name="Google Shape;538;p37"/>
+          <p:cNvSpPr txBox="1"/>
+          <p:nvPr/>
+        </p:nvSpPr>
+        <p:spPr>
+          <a:xfrm>
+            <a:off x="753658" y="1727200"/>
+            <a:ext cx="1249500" cy="487966"/>
+          </a:xfrm>
+          <a:prstGeom prst="rect">
+            <a:avLst/>
+          </a:prstGeom>
+          <a:noFill/>
+          <a:ln>
+            <a:noFill/>
+          </a:ln>
+        </p:spPr>
+        <p:txBody>
+          <a:bodyPr spcFirstLastPara="1" wrap="square" lIns="0" tIns="0" rIns="0" bIns="0" anchor="b" anchorCtr="0">
+            <a:noAutofit/>
+          </a:bodyPr>
+          <a:lstStyle/>
+          <a:p>
+            <a:pPr marL="0" marR="0" lvl="0" indent="0" algn="l" rtl="0">
+              <a:lnSpc>
+                <a:spcPct val="100000"/>
+              </a:lnSpc>
+              <a:spcBef>
+                <a:spcPts val="0"/>
+              </a:spcBef>
+              <a:spcAft>
+                <a:spcPts val="0"/>
+              </a:spcAft>
+              <a:buNone/>
+            </a:pPr>
+            <a:r>
+              <a:rPr lang="en" sz="900" dirty="0">
+                <a:solidFill>
+                  <a:schemeClr val="dk2"/>
+                </a:solidFill>
+                <a:latin typeface="Barlow" panose="00000500000000000000" pitchFamily="2" charset="0"/>
+                <a:ea typeface="Barlow Light"/>
+                <a:cs typeface="Barlow Light"/>
+                <a:sym typeface="Barlow Light"/>
+              </a:rPr>
+              <a:t>1. Researching about the ML and DL algorithms and finalising the Face Encoding technique</a:t>
+            </a:r>
+          </a:p>
+          <a:p>
+            <a:pPr marL="0" marR="0" lvl="0" indent="0" algn="l" rtl="0">
+              <a:lnSpc>
+                <a:spcPct val="100000"/>
+              </a:lnSpc>
+              <a:spcBef>
+                <a:spcPts val="0"/>
+              </a:spcBef>
+              <a:spcAft>
+                <a:spcPts val="0"/>
+              </a:spcAft>
+              <a:buNone/>
+            </a:pPr>
+            <a:r>
+              <a:rPr lang="en" sz="900" dirty="0">
+                <a:solidFill>
+                  <a:schemeClr val="dk2"/>
+                </a:solidFill>
+                <a:latin typeface="Barlow" panose="00000500000000000000" pitchFamily="2" charset="0"/>
+                <a:ea typeface="Barlow Light"/>
+                <a:cs typeface="Barlow Light"/>
+                <a:sym typeface="Barlow Light"/>
+              </a:rPr>
+              <a:t>2. Built the face recognition Model</a:t>
+            </a:r>
+            <a:endParaRPr sz="900" dirty="0">
+              <a:solidFill>
+                <a:schemeClr val="dk2"/>
+              </a:solidFill>
+              <a:latin typeface="Barlow" panose="00000500000000000000" pitchFamily="2" charset="0"/>
+              <a:ea typeface="Barlow Light"/>
+              <a:cs typeface="Barlow Light"/>
+              <a:sym typeface="Barlow Light"/>
+            </a:endParaRPr>
+          </a:p>
+        </p:txBody>
+      </p:sp>
+      <p:cxnSp>
+        <p:nvCxnSpPr>
+          <p:cNvPr id="539" name="Google Shape;539;p37"/>
+          <p:cNvCxnSpPr/>
+          <p:nvPr/>
+        </p:nvCxnSpPr>
+        <p:spPr>
+          <a:xfrm rot="10800000">
+            <a:off x="2090158" y="2281931"/>
+            <a:ext cx="0" cy="498600"/>
+          </a:xfrm>
+          <a:prstGeom prst="straightConnector1">
+            <a:avLst/>
+          </a:prstGeom>
+          <a:noFill/>
+          <a:ln w="9525" cap="flat" cmpd="sng">
+            <a:solidFill>
+              <a:schemeClr val="lt2"/>
+            </a:solidFill>
+            <a:prstDash val="solid"/>
+            <a:round/>
+            <a:headEnd type="oval" w="med" len="med"/>
+            <a:tailEnd type="oval" w="med" len="med"/>
+          </a:ln>
+        </p:spPr>
+      </p:cxnSp>
+      <p:sp>
+        <p:nvSpPr>
+          <p:cNvPr id="540" name="Google Shape;540;p37"/>
+          <p:cNvSpPr txBox="1"/>
+          <p:nvPr/>
+        </p:nvSpPr>
+        <p:spPr>
+          <a:xfrm>
+            <a:off x="2050642" y="1727200"/>
+            <a:ext cx="1249500" cy="533400"/>
+          </a:xfrm>
+          <a:prstGeom prst="rect">
+            <a:avLst/>
+          </a:prstGeom>
+          <a:noFill/>
+          <a:ln>
+            <a:noFill/>
+          </a:ln>
+        </p:spPr>
+        <p:txBody>
+          <a:bodyPr spcFirstLastPara="1" wrap="square" lIns="0" tIns="0" rIns="0" bIns="0" anchor="b" anchorCtr="0">
+            <a:noAutofit/>
+          </a:bodyPr>
+          <a:lstStyle/>
+          <a:p>
+            <a:pPr marL="0" marR="0" lvl="0" indent="0" algn="l" rtl="0">
+              <a:lnSpc>
+                <a:spcPct val="100000"/>
+              </a:lnSpc>
+              <a:spcBef>
+                <a:spcPts val="0"/>
+              </a:spcBef>
+              <a:spcAft>
+                <a:spcPts val="0"/>
+              </a:spcAft>
+              <a:buNone/>
+            </a:pPr>
+            <a:r>
+              <a:rPr lang="en-US" sz="900" dirty="0">
+                <a:solidFill>
+                  <a:schemeClr val="dk2"/>
+                </a:solidFill>
+                <a:latin typeface="Barlow" panose="00000500000000000000" pitchFamily="2" charset="0"/>
+                <a:ea typeface="Barlow Light"/>
+                <a:cs typeface="Barlow Light"/>
+                <a:sym typeface="Barlow Light"/>
+              </a:rPr>
+              <a:t>5. Tested the Backend functionalities and corrected errors.</a:t>
+            </a:r>
+          </a:p>
+          <a:p>
+            <a:pPr marL="0" marR="0" lvl="0" indent="0" algn="l" rtl="0">
+              <a:lnSpc>
+                <a:spcPct val="100000"/>
+              </a:lnSpc>
+              <a:spcBef>
+                <a:spcPts val="0"/>
+              </a:spcBef>
+              <a:spcAft>
+                <a:spcPts val="0"/>
+              </a:spcAft>
+              <a:buNone/>
+            </a:pPr>
+            <a:r>
+              <a:rPr lang="en-US" sz="900" dirty="0">
+                <a:solidFill>
+                  <a:schemeClr val="dk2"/>
+                </a:solidFill>
+                <a:latin typeface="Barlow" panose="00000500000000000000" pitchFamily="2" charset="0"/>
+                <a:ea typeface="Barlow Light"/>
+                <a:cs typeface="Barlow Light"/>
+                <a:sym typeface="Barlow Light"/>
+              </a:rPr>
+              <a:t>6. Pushed the code onto GitHub</a:t>
+            </a:r>
+          </a:p>
+        </p:txBody>
+      </p:sp>
+      <p:cxnSp>
+        <p:nvCxnSpPr>
+          <p:cNvPr id="541" name="Google Shape;541;p37"/>
+          <p:cNvCxnSpPr/>
+          <p:nvPr/>
+        </p:nvCxnSpPr>
+        <p:spPr>
+          <a:xfrm rot="10800000">
+            <a:off x="3411393" y="2281931"/>
+            <a:ext cx="0" cy="498600"/>
+          </a:xfrm>
+          <a:prstGeom prst="straightConnector1">
+            <a:avLst/>
+          </a:prstGeom>
+          <a:noFill/>
+          <a:ln w="9525" cap="flat" cmpd="sng">
+            <a:solidFill>
+              <a:schemeClr val="lt2"/>
+            </a:solidFill>
+            <a:prstDash val="solid"/>
+            <a:round/>
+            <a:headEnd type="oval" w="med" len="med"/>
+            <a:tailEnd type="oval" w="med" len="med"/>
+          </a:ln>
+        </p:spPr>
+      </p:cxnSp>
+      <p:sp>
+        <p:nvSpPr>
+          <p:cNvPr id="542" name="Google Shape;542;p37"/>
+          <p:cNvSpPr txBox="1"/>
+          <p:nvPr/>
+        </p:nvSpPr>
+        <p:spPr>
+          <a:xfrm>
+            <a:off x="3373384" y="1727200"/>
+            <a:ext cx="1249500" cy="533400"/>
+          </a:xfrm>
+          <a:prstGeom prst="rect">
+            <a:avLst/>
+          </a:prstGeom>
+          <a:noFill/>
+          <a:ln>
+            <a:noFill/>
+          </a:ln>
+        </p:spPr>
+        <p:txBody>
+          <a:bodyPr spcFirstLastPara="1" wrap="square" lIns="0" tIns="0" rIns="0" bIns="0" anchor="b" anchorCtr="0">
+            <a:noAutofit/>
+          </a:bodyPr>
+          <a:lstStyle/>
+          <a:p>
+            <a:pPr marL="0" marR="0" lvl="0" indent="0" algn="l" rtl="0">
+              <a:lnSpc>
+                <a:spcPct val="100000"/>
+              </a:lnSpc>
+              <a:spcBef>
+                <a:spcPts val="0"/>
+              </a:spcBef>
+              <a:spcAft>
+                <a:spcPts val="0"/>
+              </a:spcAft>
+              <a:buNone/>
+            </a:pPr>
+            <a:r>
+              <a:rPr lang="en" sz="900" dirty="0">
+                <a:solidFill>
+                  <a:schemeClr val="dk2"/>
+                </a:solidFill>
+                <a:latin typeface="Barlow" panose="00000500000000000000" pitchFamily="2" charset="0"/>
+                <a:ea typeface="Barlow Light"/>
+                <a:cs typeface="Barlow Light"/>
+                <a:sym typeface="Barlow Light"/>
+              </a:rPr>
+              <a:t>3. Learnt React JS </a:t>
+            </a:r>
+          </a:p>
+          <a:p>
+            <a:pPr marL="0" marR="0" lvl="0" indent="0" algn="l" rtl="0">
+              <a:lnSpc>
+                <a:spcPct val="100000"/>
+              </a:lnSpc>
+              <a:spcBef>
+                <a:spcPts val="0"/>
+              </a:spcBef>
+              <a:spcAft>
+                <a:spcPts val="0"/>
+              </a:spcAft>
+              <a:buNone/>
+            </a:pPr>
+            <a:r>
+              <a:rPr lang="en" sz="900" dirty="0">
+                <a:solidFill>
+                  <a:schemeClr val="dk2"/>
+                </a:solidFill>
+                <a:latin typeface="Barlow" panose="00000500000000000000" pitchFamily="2" charset="0"/>
+                <a:ea typeface="Barlow Light"/>
+                <a:cs typeface="Barlow Light"/>
+                <a:sym typeface="Barlow Light"/>
+              </a:rPr>
+              <a:t>4. Built basic pages for Login and Dashboard</a:t>
+            </a:r>
+          </a:p>
+          <a:p>
+            <a:pPr marL="0" marR="0" lvl="0" indent="0" algn="l" rtl="0">
+              <a:lnSpc>
+                <a:spcPct val="100000"/>
+              </a:lnSpc>
+              <a:spcBef>
+                <a:spcPts val="0"/>
+              </a:spcBef>
+              <a:spcAft>
+                <a:spcPts val="0"/>
+              </a:spcAft>
+              <a:buNone/>
+            </a:pPr>
+            <a:r>
+              <a:rPr lang="en" sz="900" dirty="0">
+                <a:solidFill>
+                  <a:schemeClr val="dk2"/>
+                </a:solidFill>
+                <a:latin typeface="Barlow" panose="00000500000000000000" pitchFamily="2" charset="0"/>
+                <a:ea typeface="Barlow Light"/>
+                <a:cs typeface="Barlow Light"/>
+                <a:sym typeface="Barlow Light"/>
+              </a:rPr>
+              <a:t>5. Added hypothetical data to few pages to see the layout.</a:t>
+            </a:r>
+            <a:endParaRPr sz="900" dirty="0">
+              <a:solidFill>
+                <a:schemeClr val="dk2"/>
+              </a:solidFill>
+              <a:latin typeface="Barlow" panose="00000500000000000000" pitchFamily="2" charset="0"/>
+              <a:ea typeface="Barlow Light"/>
+              <a:cs typeface="Barlow Light"/>
+              <a:sym typeface="Barlow Light"/>
+            </a:endParaRPr>
+          </a:p>
+        </p:txBody>
+      </p:sp>
+      <p:cxnSp>
+        <p:nvCxnSpPr>
+          <p:cNvPr id="543" name="Google Shape;543;p37"/>
+          <p:cNvCxnSpPr/>
+          <p:nvPr/>
+        </p:nvCxnSpPr>
+        <p:spPr>
+          <a:xfrm rot="10800000">
+            <a:off x="4732628" y="2281931"/>
+            <a:ext cx="0" cy="498600"/>
+          </a:xfrm>
+          <a:prstGeom prst="straightConnector1">
+            <a:avLst/>
+          </a:prstGeom>
+          <a:noFill/>
+          <a:ln w="9525" cap="flat" cmpd="sng">
+            <a:solidFill>
+              <a:schemeClr val="lt2"/>
+            </a:solidFill>
+            <a:prstDash val="solid"/>
+            <a:round/>
+            <a:headEnd type="oval" w="med" len="med"/>
+            <a:tailEnd type="oval" w="med" len="med"/>
+          </a:ln>
+        </p:spPr>
+      </p:cxnSp>
+      <p:sp>
+        <p:nvSpPr>
+          <p:cNvPr id="544" name="Google Shape;544;p37"/>
+          <p:cNvSpPr txBox="1"/>
+          <p:nvPr/>
+        </p:nvSpPr>
+        <p:spPr>
+          <a:xfrm>
+            <a:off x="4696126" y="1727200"/>
+            <a:ext cx="1322742" cy="533400"/>
+          </a:xfrm>
+          <a:prstGeom prst="rect">
+            <a:avLst/>
+          </a:prstGeom>
+          <a:noFill/>
+          <a:ln>
+            <a:noFill/>
+          </a:ln>
+        </p:spPr>
+        <p:txBody>
+          <a:bodyPr spcFirstLastPara="1" wrap="square" lIns="0" tIns="0" rIns="0" bIns="0" anchor="b" anchorCtr="0">
+            <a:noAutofit/>
+          </a:bodyPr>
+          <a:lstStyle/>
+          <a:p>
+            <a:pPr marL="0" marR="0" lvl="0" indent="0" algn="l" rtl="0">
+              <a:lnSpc>
+                <a:spcPct val="100000"/>
+              </a:lnSpc>
+              <a:spcBef>
+                <a:spcPts val="0"/>
+              </a:spcBef>
+              <a:spcAft>
+                <a:spcPts val="0"/>
+              </a:spcAft>
+              <a:buNone/>
+            </a:pPr>
+            <a:r>
+              <a:rPr lang="en" sz="900" dirty="0">
+                <a:solidFill>
+                  <a:schemeClr val="dk2"/>
+                </a:solidFill>
+                <a:latin typeface="Barlow" panose="00000500000000000000" pitchFamily="2" charset="0"/>
+                <a:ea typeface="Barlow Light"/>
+                <a:cs typeface="Barlow Light"/>
+                <a:sym typeface="Barlow Light"/>
+              </a:rPr>
+              <a:t>1. Started to integrate frontend to the API using Axios</a:t>
+            </a:r>
+          </a:p>
+          <a:p>
+            <a:pPr marL="0" marR="0" lvl="0" indent="0" algn="l" rtl="0">
+              <a:lnSpc>
+                <a:spcPct val="100000"/>
+              </a:lnSpc>
+              <a:spcBef>
+                <a:spcPts val="0"/>
+              </a:spcBef>
+              <a:spcAft>
+                <a:spcPts val="0"/>
+              </a:spcAft>
+              <a:buNone/>
+            </a:pPr>
+            <a:r>
+              <a:rPr lang="en-US" sz="900" dirty="0">
+                <a:solidFill>
+                  <a:schemeClr val="dk2"/>
+                </a:solidFill>
+                <a:latin typeface="Barlow" panose="00000500000000000000" pitchFamily="2" charset="0"/>
+                <a:ea typeface="Barlow Light"/>
+                <a:cs typeface="Barlow Light"/>
+                <a:sym typeface="Barlow Light"/>
+              </a:rPr>
+              <a:t>2. Added Video Detection feature</a:t>
+            </a:r>
+          </a:p>
+          <a:p>
+            <a:pPr marL="0" marR="0" lvl="0" indent="0" algn="l" rtl="0">
+              <a:lnSpc>
+                <a:spcPct val="100000"/>
+              </a:lnSpc>
+              <a:spcBef>
+                <a:spcPts val="0"/>
+              </a:spcBef>
+              <a:spcAft>
+                <a:spcPts val="0"/>
+              </a:spcAft>
+              <a:buNone/>
+            </a:pPr>
+            <a:r>
+              <a:rPr lang="en-US" sz="900" dirty="0">
+                <a:solidFill>
+                  <a:schemeClr val="dk2"/>
+                </a:solidFill>
+                <a:latin typeface="Barlow" panose="00000500000000000000" pitchFamily="2" charset="0"/>
+                <a:ea typeface="Barlow Light"/>
+                <a:cs typeface="Barlow Light"/>
+                <a:sym typeface="Barlow Light"/>
+              </a:rPr>
+              <a:t>3. Integrated criminal database to all features</a:t>
+            </a:r>
+          </a:p>
+        </p:txBody>
+      </p:sp>
+      <p:cxnSp>
+        <p:nvCxnSpPr>
+          <p:cNvPr id="545" name="Google Shape;545;p37"/>
+          <p:cNvCxnSpPr/>
+          <p:nvPr/>
+        </p:nvCxnSpPr>
+        <p:spPr>
+          <a:xfrm rot="10800000">
+            <a:off x="6053863" y="2281931"/>
+            <a:ext cx="0" cy="498600"/>
+          </a:xfrm>
+          <a:prstGeom prst="straightConnector1">
+            <a:avLst/>
+          </a:prstGeom>
+          <a:noFill/>
+          <a:ln w="9525" cap="flat" cmpd="sng">
+            <a:solidFill>
+              <a:schemeClr val="lt2"/>
+            </a:solidFill>
+            <a:prstDash val="solid"/>
+            <a:round/>
+            <a:headEnd type="oval" w="med" len="med"/>
+            <a:tailEnd type="oval" w="med" len="med"/>
+          </a:ln>
+        </p:spPr>
+      </p:cxnSp>
+      <p:sp>
+        <p:nvSpPr>
+          <p:cNvPr id="546" name="Google Shape;546;p37"/>
+          <p:cNvSpPr txBox="1"/>
+          <p:nvPr/>
+        </p:nvSpPr>
+        <p:spPr>
+          <a:xfrm>
+            <a:off x="6018868" y="1727200"/>
+            <a:ext cx="1249500" cy="533400"/>
+          </a:xfrm>
+          <a:prstGeom prst="rect">
+            <a:avLst/>
+          </a:prstGeom>
+          <a:noFill/>
+          <a:ln>
+            <a:noFill/>
+          </a:ln>
+        </p:spPr>
+        <p:txBody>
+          <a:bodyPr spcFirstLastPara="1" wrap="square" lIns="0" tIns="0" rIns="0" bIns="0" anchor="b" anchorCtr="0">
+            <a:noAutofit/>
+          </a:bodyPr>
+          <a:lstStyle/>
+          <a:p>
+            <a:pPr marL="0" marR="0" lvl="0" indent="0" algn="l" rtl="0">
+              <a:lnSpc>
+                <a:spcPct val="100000"/>
+              </a:lnSpc>
+              <a:spcBef>
+                <a:spcPts val="0"/>
+              </a:spcBef>
+              <a:spcAft>
+                <a:spcPts val="0"/>
+              </a:spcAft>
+              <a:buNone/>
+            </a:pPr>
+            <a:r>
+              <a:rPr lang="en" sz="900" dirty="0">
+                <a:solidFill>
+                  <a:schemeClr val="dk2"/>
+                </a:solidFill>
+                <a:latin typeface="Barlow" panose="00000500000000000000" pitchFamily="2" charset="0"/>
+                <a:ea typeface="Barlow Light"/>
+                <a:cs typeface="Barlow Light"/>
+                <a:sym typeface="Barlow Light"/>
+              </a:rPr>
+              <a:t>6.Tested the combination of Frontend and B</a:t>
+            </a:r>
+            <a:r>
+              <a:rPr lang="en-IN" sz="900" dirty="0">
+                <a:solidFill>
+                  <a:schemeClr val="dk2"/>
+                </a:solidFill>
+                <a:latin typeface="Barlow" panose="00000500000000000000" pitchFamily="2" charset="0"/>
+                <a:ea typeface="Barlow Light"/>
+                <a:cs typeface="Barlow Light"/>
+                <a:sym typeface="Barlow Light"/>
+              </a:rPr>
+              <a:t>a</a:t>
+            </a:r>
+            <a:r>
+              <a:rPr lang="en" sz="900" dirty="0">
+                <a:solidFill>
+                  <a:schemeClr val="dk2"/>
+                </a:solidFill>
+                <a:latin typeface="Barlow" panose="00000500000000000000" pitchFamily="2" charset="0"/>
+                <a:ea typeface="Barlow Light"/>
+                <a:cs typeface="Barlow Light"/>
+                <a:sym typeface="Barlow Light"/>
+              </a:rPr>
+              <a:t>ckend using many sample images and Videos</a:t>
+            </a:r>
+          </a:p>
+          <a:p>
+            <a:pPr marL="0" marR="0" lvl="0" indent="0" algn="l" rtl="0">
+              <a:lnSpc>
+                <a:spcPct val="100000"/>
+              </a:lnSpc>
+              <a:spcBef>
+                <a:spcPts val="0"/>
+              </a:spcBef>
+              <a:spcAft>
+                <a:spcPts val="0"/>
+              </a:spcAft>
+              <a:buNone/>
+            </a:pPr>
+            <a:r>
+              <a:rPr lang="en" sz="900" dirty="0">
+                <a:solidFill>
+                  <a:schemeClr val="dk2"/>
+                </a:solidFill>
+                <a:latin typeface="Barlow" panose="00000500000000000000" pitchFamily="2" charset="0"/>
+                <a:ea typeface="Barlow Light"/>
+                <a:cs typeface="Barlow Light"/>
+                <a:sym typeface="Barlow Light"/>
+              </a:rPr>
+              <a:t>7. Pushed the code onto GitHub</a:t>
+            </a:r>
+            <a:endParaRPr sz="900" dirty="0">
+              <a:solidFill>
+                <a:schemeClr val="dk2"/>
+              </a:solidFill>
+              <a:latin typeface="Barlow" panose="00000500000000000000" pitchFamily="2" charset="0"/>
+              <a:ea typeface="Barlow Light"/>
+              <a:cs typeface="Barlow Light"/>
+              <a:sym typeface="Barlow Light"/>
+            </a:endParaRPr>
+          </a:p>
+        </p:txBody>
+      </p:sp>
+      <p:cxnSp>
+        <p:nvCxnSpPr>
+          <p:cNvPr id="547" name="Google Shape;547;p37"/>
+          <p:cNvCxnSpPr/>
+          <p:nvPr/>
+        </p:nvCxnSpPr>
+        <p:spPr>
+          <a:xfrm rot="10800000">
+            <a:off x="7375098" y="2281931"/>
+            <a:ext cx="0" cy="498600"/>
+          </a:xfrm>
+          <a:prstGeom prst="straightConnector1">
+            <a:avLst/>
+          </a:prstGeom>
+          <a:noFill/>
+          <a:ln w="9525" cap="flat" cmpd="sng">
+            <a:solidFill>
+              <a:schemeClr val="lt2"/>
+            </a:solidFill>
+            <a:prstDash val="solid"/>
+            <a:round/>
+            <a:headEnd type="oval" w="med" len="med"/>
+            <a:tailEnd type="oval" w="med" len="med"/>
+          </a:ln>
+        </p:spPr>
+      </p:cxnSp>
+      <p:sp>
+        <p:nvSpPr>
+          <p:cNvPr id="548" name="Google Shape;548;p37"/>
+          <p:cNvSpPr txBox="1"/>
+          <p:nvPr/>
+        </p:nvSpPr>
+        <p:spPr>
+          <a:xfrm>
+            <a:off x="7341609" y="1727200"/>
+            <a:ext cx="1409577" cy="533400"/>
+          </a:xfrm>
+          <a:prstGeom prst="rect">
+            <a:avLst/>
+          </a:prstGeom>
+          <a:noFill/>
+          <a:ln>
+            <a:noFill/>
+          </a:ln>
+        </p:spPr>
+        <p:txBody>
+          <a:bodyPr spcFirstLastPara="1" wrap="square" lIns="0" tIns="0" rIns="0" bIns="0" anchor="b" anchorCtr="0">
+            <a:noAutofit/>
+          </a:bodyPr>
+          <a:lstStyle/>
+          <a:p>
+            <a:pPr marL="0" marR="0" lvl="0" indent="0" algn="l" rtl="0">
+              <a:lnSpc>
+                <a:spcPct val="100000"/>
+              </a:lnSpc>
+              <a:spcBef>
+                <a:spcPts val="0"/>
+              </a:spcBef>
+              <a:spcAft>
+                <a:spcPts val="0"/>
+              </a:spcAft>
+              <a:buNone/>
+            </a:pPr>
+            <a:r>
+              <a:rPr lang="en" sz="900" dirty="0">
+                <a:solidFill>
+                  <a:schemeClr val="dk2"/>
+                </a:solidFill>
+                <a:latin typeface="Barlow" panose="00000500000000000000" pitchFamily="2" charset="0"/>
+                <a:ea typeface="Barlow Light"/>
+                <a:cs typeface="Barlow Light"/>
+                <a:sym typeface="Barlow Light"/>
+              </a:rPr>
+              <a:t>4. Created README file and other documentations.</a:t>
+            </a:r>
+          </a:p>
+          <a:p>
+            <a:pPr marL="0" marR="0" lvl="0" indent="0" algn="l" rtl="0">
+              <a:lnSpc>
+                <a:spcPct val="100000"/>
+              </a:lnSpc>
+              <a:spcBef>
+                <a:spcPts val="0"/>
+              </a:spcBef>
+              <a:spcAft>
+                <a:spcPts val="0"/>
+              </a:spcAft>
+              <a:buNone/>
+            </a:pPr>
+            <a:r>
+              <a:rPr lang="en" sz="900" dirty="0">
+                <a:solidFill>
+                  <a:schemeClr val="dk2"/>
+                </a:solidFill>
+                <a:latin typeface="Barlow" panose="00000500000000000000" pitchFamily="2" charset="0"/>
+                <a:ea typeface="Barlow Light"/>
+                <a:cs typeface="Barlow Light"/>
+                <a:sym typeface="Barlow Light"/>
+              </a:rPr>
+              <a:t>5. Finalised the code and tested the entire worflow  many times, using different test scenarios.</a:t>
+            </a:r>
+          </a:p>
+          <a:p>
+            <a:pPr marL="0" marR="0" lvl="0" indent="0" algn="l" rtl="0">
+              <a:lnSpc>
+                <a:spcPct val="100000"/>
+              </a:lnSpc>
+              <a:spcBef>
+                <a:spcPts val="0"/>
+              </a:spcBef>
+              <a:spcAft>
+                <a:spcPts val="0"/>
+              </a:spcAft>
+              <a:buNone/>
+            </a:pPr>
+            <a:r>
+              <a:rPr lang="en" sz="900" dirty="0">
+                <a:solidFill>
+                  <a:schemeClr val="dk2"/>
+                </a:solidFill>
+                <a:latin typeface="Barlow" panose="00000500000000000000" pitchFamily="2" charset="0"/>
+                <a:ea typeface="Barlow Light"/>
+                <a:cs typeface="Barlow Light"/>
+                <a:sym typeface="Barlow Light"/>
+              </a:rPr>
+              <a:t>6. Pushed the code onto GitHub</a:t>
+            </a:r>
+            <a:endParaRPr sz="900" dirty="0">
+              <a:solidFill>
+                <a:schemeClr val="dk2"/>
+              </a:solidFill>
+              <a:latin typeface="Barlow" panose="00000500000000000000" pitchFamily="2" charset="0"/>
+              <a:ea typeface="Barlow Light"/>
+              <a:cs typeface="Barlow Light"/>
+              <a:sym typeface="Barlow Light"/>
+            </a:endParaRPr>
+          </a:p>
+        </p:txBody>
+      </p:sp>
+      <p:cxnSp>
+        <p:nvCxnSpPr>
+          <p:cNvPr id="549" name="Google Shape;549;p37"/>
+          <p:cNvCxnSpPr/>
+          <p:nvPr/>
+        </p:nvCxnSpPr>
+        <p:spPr>
+          <a:xfrm rot="10800000">
+            <a:off x="1439687" y="3124969"/>
+            <a:ext cx="0" cy="498600"/>
+          </a:xfrm>
+          <a:prstGeom prst="straightConnector1">
+            <a:avLst/>
+          </a:prstGeom>
+          <a:noFill/>
+          <a:ln w="9525" cap="flat" cmpd="sng">
+            <a:solidFill>
+              <a:schemeClr val="lt2"/>
+            </a:solidFill>
+            <a:prstDash val="solid"/>
+            <a:round/>
+            <a:headEnd type="oval" w="med" len="med"/>
+            <a:tailEnd type="oval" w="med" len="med"/>
+          </a:ln>
+        </p:spPr>
+      </p:cxnSp>
+      <p:sp>
+        <p:nvSpPr>
+          <p:cNvPr id="550" name="Google Shape;550;p37"/>
+          <p:cNvSpPr txBox="1"/>
+          <p:nvPr/>
+        </p:nvSpPr>
+        <p:spPr>
+          <a:xfrm>
+            <a:off x="906636" y="3652756"/>
+            <a:ext cx="1249500" cy="533400"/>
+          </a:xfrm>
+          <a:prstGeom prst="rect">
+            <a:avLst/>
+          </a:prstGeom>
+          <a:noFill/>
+          <a:ln>
+            <a:noFill/>
+          </a:ln>
+        </p:spPr>
+        <p:txBody>
+          <a:bodyPr spcFirstLastPara="1" wrap="square" lIns="0" tIns="0" rIns="0" bIns="0" anchor="t" anchorCtr="0">
+            <a:noAutofit/>
+          </a:bodyPr>
+          <a:lstStyle/>
+          <a:p>
+            <a:pPr marL="0" marR="0" lvl="0" indent="0" algn="l" rtl="0">
+              <a:lnSpc>
+                <a:spcPct val="100000"/>
+              </a:lnSpc>
+              <a:spcBef>
+                <a:spcPts val="0"/>
+              </a:spcBef>
+              <a:spcAft>
+                <a:spcPts val="0"/>
+              </a:spcAft>
+              <a:buNone/>
+            </a:pPr>
+            <a:r>
+              <a:rPr lang="en" sz="900" dirty="0">
+                <a:solidFill>
+                  <a:schemeClr val="dk2"/>
+                </a:solidFill>
+                <a:latin typeface="Barlow" panose="00000500000000000000" pitchFamily="2" charset="0"/>
+                <a:ea typeface="Barlow Light"/>
+                <a:cs typeface="Barlow Light"/>
+                <a:sym typeface="Barlow Light"/>
+              </a:rPr>
+              <a:t>3. Learnt about Django Rest Framework.</a:t>
+            </a:r>
+          </a:p>
+          <a:p>
+            <a:pPr marL="0" marR="0" lvl="0" indent="0" algn="l" rtl="0">
+              <a:lnSpc>
+                <a:spcPct val="100000"/>
+              </a:lnSpc>
+              <a:spcBef>
+                <a:spcPts val="0"/>
+              </a:spcBef>
+              <a:spcAft>
+                <a:spcPts val="0"/>
+              </a:spcAft>
+              <a:buNone/>
+            </a:pPr>
+            <a:r>
+              <a:rPr lang="en" sz="900" dirty="0">
+                <a:solidFill>
+                  <a:schemeClr val="dk2"/>
+                </a:solidFill>
+                <a:latin typeface="Barlow" panose="00000500000000000000" pitchFamily="2" charset="0"/>
+                <a:ea typeface="Barlow Light"/>
+                <a:cs typeface="Barlow Light"/>
+                <a:sym typeface="Barlow Light"/>
+              </a:rPr>
+              <a:t>4. Created Models, Views and Serialisers to he API</a:t>
+            </a:r>
+          </a:p>
+          <a:p>
+            <a:pPr marL="0" marR="0" lvl="0" indent="0" algn="l" rtl="0">
+              <a:lnSpc>
+                <a:spcPct val="100000"/>
+              </a:lnSpc>
+              <a:spcBef>
+                <a:spcPts val="0"/>
+              </a:spcBef>
+              <a:spcAft>
+                <a:spcPts val="0"/>
+              </a:spcAft>
+              <a:buNone/>
+            </a:pPr>
+            <a:r>
+              <a:rPr lang="en" sz="900" dirty="0">
+                <a:solidFill>
+                  <a:schemeClr val="dk2"/>
+                </a:solidFill>
+                <a:latin typeface="Barlow" panose="00000500000000000000" pitchFamily="2" charset="0"/>
+                <a:ea typeface="Barlow Light"/>
+                <a:cs typeface="Barlow Light"/>
+                <a:sym typeface="Barlow Light"/>
+              </a:rPr>
+              <a:t>5. I</a:t>
+            </a:r>
+            <a:r>
+              <a:rPr lang="en-IN" sz="900" dirty="0">
+                <a:solidFill>
+                  <a:schemeClr val="dk2"/>
+                </a:solidFill>
+                <a:latin typeface="Barlow" panose="00000500000000000000" pitchFamily="2" charset="0"/>
+                <a:ea typeface="Barlow Light"/>
+                <a:cs typeface="Barlow Light"/>
+                <a:sym typeface="Barlow Light"/>
+              </a:rPr>
+              <a:t>n</a:t>
+            </a:r>
+            <a:r>
+              <a:rPr lang="en" sz="900" dirty="0">
+                <a:solidFill>
+                  <a:schemeClr val="dk2"/>
+                </a:solidFill>
+                <a:latin typeface="Barlow" panose="00000500000000000000" pitchFamily="2" charset="0"/>
+                <a:ea typeface="Barlow Light"/>
+                <a:cs typeface="Barlow Light"/>
+                <a:sym typeface="Barlow Light"/>
+              </a:rPr>
+              <a:t>tegrated the database to the recognition model</a:t>
+            </a:r>
+            <a:endParaRPr sz="900" dirty="0">
+              <a:solidFill>
+                <a:schemeClr val="dk2"/>
+              </a:solidFill>
+              <a:latin typeface="Barlow" panose="00000500000000000000" pitchFamily="2" charset="0"/>
+              <a:ea typeface="Barlow Light"/>
+              <a:cs typeface="Barlow Light"/>
+              <a:sym typeface="Barlow Light"/>
+            </a:endParaRPr>
+          </a:p>
+        </p:txBody>
+      </p:sp>
+      <p:cxnSp>
+        <p:nvCxnSpPr>
+          <p:cNvPr id="551" name="Google Shape;551;p37"/>
+          <p:cNvCxnSpPr/>
+          <p:nvPr/>
+        </p:nvCxnSpPr>
+        <p:spPr>
+          <a:xfrm rot="10800000">
+            <a:off x="2760922" y="3124969"/>
+            <a:ext cx="0" cy="498600"/>
+          </a:xfrm>
+          <a:prstGeom prst="straightConnector1">
+            <a:avLst/>
+          </a:prstGeom>
+          <a:noFill/>
+          <a:ln w="9525" cap="flat" cmpd="sng">
+            <a:solidFill>
+              <a:schemeClr val="lt2"/>
+            </a:solidFill>
+            <a:prstDash val="solid"/>
+            <a:round/>
+            <a:headEnd type="oval" w="med" len="med"/>
+            <a:tailEnd type="oval" w="med" len="med"/>
+          </a:ln>
+        </p:spPr>
+      </p:cxnSp>
+      <p:sp>
+        <p:nvSpPr>
+          <p:cNvPr id="552" name="Google Shape;552;p37"/>
+          <p:cNvSpPr txBox="1"/>
+          <p:nvPr/>
+        </p:nvSpPr>
+        <p:spPr>
+          <a:xfrm>
+            <a:off x="2508935" y="3623569"/>
+            <a:ext cx="1249500" cy="533400"/>
+          </a:xfrm>
+          <a:prstGeom prst="rect">
+            <a:avLst/>
+          </a:prstGeom>
+          <a:noFill/>
+          <a:ln>
+            <a:noFill/>
+          </a:ln>
+        </p:spPr>
+        <p:txBody>
+          <a:bodyPr spcFirstLastPara="1" wrap="square" lIns="0" tIns="0" rIns="0" bIns="0" anchor="t" anchorCtr="0">
+            <a:noAutofit/>
+          </a:bodyPr>
+          <a:lstStyle/>
+          <a:p>
+            <a:pPr marL="0" marR="0" lvl="0" indent="0" algn="l" rtl="0">
+              <a:lnSpc>
+                <a:spcPct val="100000"/>
+              </a:lnSpc>
+              <a:spcBef>
+                <a:spcPts val="0"/>
+              </a:spcBef>
+              <a:spcAft>
+                <a:spcPts val="0"/>
+              </a:spcAft>
+              <a:buNone/>
+            </a:pPr>
+            <a:r>
+              <a:rPr lang="en" sz="900" dirty="0">
+                <a:solidFill>
+                  <a:schemeClr val="dk2"/>
+                </a:solidFill>
+                <a:latin typeface="Barlow" panose="00000500000000000000" pitchFamily="2" charset="0"/>
+                <a:ea typeface="Barlow Light"/>
+                <a:cs typeface="Barlow Light"/>
+                <a:sym typeface="Barlow Light"/>
+              </a:rPr>
+              <a:t>1. Researched various options to build the UI.</a:t>
+            </a:r>
+          </a:p>
+          <a:p>
+            <a:pPr marL="0" marR="0" lvl="0" indent="0" algn="l" rtl="0">
+              <a:lnSpc>
+                <a:spcPct val="100000"/>
+              </a:lnSpc>
+              <a:spcBef>
+                <a:spcPts val="0"/>
+              </a:spcBef>
+              <a:spcAft>
+                <a:spcPts val="0"/>
+              </a:spcAft>
+              <a:buNone/>
+            </a:pPr>
+            <a:r>
+              <a:rPr lang="en-US" sz="900" dirty="0">
+                <a:solidFill>
+                  <a:schemeClr val="dk2"/>
+                </a:solidFill>
+                <a:latin typeface="Barlow" panose="00000500000000000000" pitchFamily="2" charset="0"/>
+                <a:ea typeface="Barlow Light"/>
+                <a:cs typeface="Barlow Light"/>
+                <a:sym typeface="Barlow Light"/>
+              </a:rPr>
+              <a:t>2. Finalized to use React JS and Chakra UI.</a:t>
+            </a:r>
+          </a:p>
+        </p:txBody>
+      </p:sp>
+      <p:cxnSp>
+        <p:nvCxnSpPr>
+          <p:cNvPr id="553" name="Google Shape;553;p37"/>
+          <p:cNvCxnSpPr/>
+          <p:nvPr/>
+        </p:nvCxnSpPr>
+        <p:spPr>
+          <a:xfrm rot="10800000">
+            <a:off x="4082157" y="3124969"/>
+            <a:ext cx="0" cy="498600"/>
+          </a:xfrm>
+          <a:prstGeom prst="straightConnector1">
+            <a:avLst/>
+          </a:prstGeom>
+          <a:noFill/>
+          <a:ln w="9525" cap="flat" cmpd="sng">
+            <a:solidFill>
+              <a:schemeClr val="lt2"/>
+            </a:solidFill>
+            <a:prstDash val="solid"/>
+            <a:round/>
+            <a:headEnd type="oval" w="med" len="med"/>
+            <a:tailEnd type="oval" w="med" len="med"/>
+          </a:ln>
+        </p:spPr>
+      </p:cxnSp>
+      <p:sp>
+        <p:nvSpPr>
+          <p:cNvPr id="554" name="Google Shape;554;p37"/>
+          <p:cNvSpPr txBox="1"/>
+          <p:nvPr/>
+        </p:nvSpPr>
+        <p:spPr>
+          <a:xfrm>
+            <a:off x="3839331" y="3654351"/>
+            <a:ext cx="1249500" cy="533400"/>
+          </a:xfrm>
+          <a:prstGeom prst="rect">
+            <a:avLst/>
+          </a:prstGeom>
+          <a:noFill/>
+          <a:ln>
+            <a:noFill/>
+          </a:ln>
+        </p:spPr>
+        <p:txBody>
+          <a:bodyPr spcFirstLastPara="1" wrap="square" lIns="0" tIns="0" rIns="0" bIns="0" anchor="t" anchorCtr="0">
+            <a:noAutofit/>
+          </a:bodyPr>
+          <a:lstStyle/>
+          <a:p>
+            <a:pPr marL="0" marR="0" lvl="0" indent="0" algn="l" rtl="0">
+              <a:lnSpc>
+                <a:spcPct val="100000"/>
+              </a:lnSpc>
+              <a:spcBef>
+                <a:spcPts val="0"/>
+              </a:spcBef>
+              <a:spcAft>
+                <a:spcPts val="0"/>
+              </a:spcAft>
+              <a:buNone/>
+            </a:pPr>
+            <a:r>
+              <a:rPr lang="en-US" sz="900" dirty="0">
+                <a:solidFill>
+                  <a:schemeClr val="dk2"/>
+                </a:solidFill>
+                <a:latin typeface="Barlow" panose="00000500000000000000" pitchFamily="2" charset="0"/>
+                <a:ea typeface="Barlow Light"/>
+                <a:cs typeface="Barlow Light"/>
+                <a:sym typeface="Barlow Light"/>
+              </a:rPr>
+              <a:t>6. Tested the Dashboard, Add/Delete/Edit Data options, and image detection feature.</a:t>
+            </a:r>
+          </a:p>
+          <a:p>
+            <a:pPr marL="0" marR="0" lvl="0" indent="0" algn="l" rtl="0">
+              <a:lnSpc>
+                <a:spcPct val="100000"/>
+              </a:lnSpc>
+              <a:spcBef>
+                <a:spcPts val="0"/>
+              </a:spcBef>
+              <a:spcAft>
+                <a:spcPts val="0"/>
+              </a:spcAft>
+              <a:buNone/>
+            </a:pPr>
+            <a:r>
+              <a:rPr lang="en-US" sz="900" dirty="0">
+                <a:solidFill>
+                  <a:schemeClr val="dk2"/>
+                </a:solidFill>
+                <a:latin typeface="Barlow" panose="00000500000000000000" pitchFamily="2" charset="0"/>
+                <a:ea typeface="Barlow Light"/>
+                <a:cs typeface="Barlow Light"/>
+                <a:sym typeface="Barlow Light"/>
+              </a:rPr>
+              <a:t>6. Pushed the code onto GitHub</a:t>
+            </a:r>
+          </a:p>
+        </p:txBody>
+      </p:sp>
+      <p:cxnSp>
+        <p:nvCxnSpPr>
+          <p:cNvPr id="555" name="Google Shape;555;p37"/>
+          <p:cNvCxnSpPr/>
+          <p:nvPr/>
+        </p:nvCxnSpPr>
+        <p:spPr>
+          <a:xfrm rot="10800000">
+            <a:off x="5403392" y="3124969"/>
+            <a:ext cx="0" cy="498600"/>
+          </a:xfrm>
+          <a:prstGeom prst="straightConnector1">
+            <a:avLst/>
+          </a:prstGeom>
+          <a:noFill/>
+          <a:ln w="9525" cap="flat" cmpd="sng">
+            <a:solidFill>
+              <a:schemeClr val="lt2"/>
+            </a:solidFill>
+            <a:prstDash val="solid"/>
+            <a:round/>
+            <a:headEnd type="oval" w="med" len="med"/>
+            <a:tailEnd type="oval" w="med" len="med"/>
+          </a:ln>
+        </p:spPr>
+      </p:cxnSp>
+      <p:sp>
+        <p:nvSpPr>
+          <p:cNvPr id="556" name="Google Shape;556;p37"/>
+          <p:cNvSpPr txBox="1"/>
+          <p:nvPr/>
+        </p:nvSpPr>
+        <p:spPr>
+          <a:xfrm>
+            <a:off x="5277398" y="3648150"/>
+            <a:ext cx="1249500" cy="533400"/>
+          </a:xfrm>
+          <a:prstGeom prst="rect">
+            <a:avLst/>
+          </a:prstGeom>
+          <a:noFill/>
+          <a:ln>
+            <a:noFill/>
+          </a:ln>
+        </p:spPr>
+        <p:txBody>
+          <a:bodyPr spcFirstLastPara="1" wrap="square" lIns="0" tIns="0" rIns="0" bIns="0" anchor="t" anchorCtr="0">
+            <a:noAutofit/>
+          </a:bodyPr>
+          <a:lstStyle/>
+          <a:p>
+            <a:pPr marL="0" marR="0" lvl="0" indent="0" algn="l" rtl="0">
+              <a:lnSpc>
+                <a:spcPct val="100000"/>
+              </a:lnSpc>
+              <a:spcBef>
+                <a:spcPts val="0"/>
+              </a:spcBef>
+              <a:spcAft>
+                <a:spcPts val="0"/>
+              </a:spcAft>
+              <a:buNone/>
+            </a:pPr>
+            <a:r>
+              <a:rPr lang="en" sz="900" dirty="0">
+                <a:solidFill>
+                  <a:schemeClr val="dk2"/>
+                </a:solidFill>
+                <a:latin typeface="Barlow" panose="00000500000000000000" pitchFamily="2" charset="0"/>
+                <a:ea typeface="Barlow Light"/>
+                <a:cs typeface="Barlow Light"/>
+                <a:sym typeface="Barlow Light"/>
+              </a:rPr>
+              <a:t>4. Resolved many bugs in integration</a:t>
+            </a:r>
+          </a:p>
+          <a:p>
+            <a:pPr marL="0" marR="0" lvl="0" indent="0" algn="l" rtl="0">
+              <a:lnSpc>
+                <a:spcPct val="100000"/>
+              </a:lnSpc>
+              <a:spcBef>
+                <a:spcPts val="0"/>
+              </a:spcBef>
+              <a:spcAft>
+                <a:spcPts val="0"/>
+              </a:spcAft>
+              <a:buNone/>
+            </a:pPr>
+            <a:r>
+              <a:rPr lang="en" sz="900" dirty="0">
+                <a:solidFill>
+                  <a:schemeClr val="dk2"/>
+                </a:solidFill>
+                <a:latin typeface="Barlow" panose="00000500000000000000" pitchFamily="2" charset="0"/>
+                <a:ea typeface="Barlow Light"/>
+                <a:cs typeface="Barlow Light"/>
+                <a:sym typeface="Barlow Light"/>
+              </a:rPr>
+              <a:t>5. Made the webapp responsive and inserted user action cues.</a:t>
+            </a:r>
+            <a:endParaRPr sz="900" dirty="0">
+              <a:solidFill>
+                <a:schemeClr val="dk2"/>
+              </a:solidFill>
+              <a:latin typeface="Barlow" panose="00000500000000000000" pitchFamily="2" charset="0"/>
+              <a:ea typeface="Barlow Light"/>
+              <a:cs typeface="Barlow Light"/>
+              <a:sym typeface="Barlow Light"/>
+            </a:endParaRPr>
+          </a:p>
+        </p:txBody>
+      </p:sp>
+      <p:cxnSp>
+        <p:nvCxnSpPr>
+          <p:cNvPr id="557" name="Google Shape;557;p37"/>
+          <p:cNvCxnSpPr/>
+          <p:nvPr/>
+        </p:nvCxnSpPr>
+        <p:spPr>
+          <a:xfrm rot="10800000">
+            <a:off x="6724627" y="3124969"/>
+            <a:ext cx="0" cy="498600"/>
+          </a:xfrm>
+          <a:prstGeom prst="straightConnector1">
+            <a:avLst/>
+          </a:prstGeom>
+          <a:noFill/>
+          <a:ln w="9525" cap="flat" cmpd="sng">
+            <a:solidFill>
+              <a:schemeClr val="lt2"/>
+            </a:solidFill>
+            <a:prstDash val="solid"/>
+            <a:round/>
+            <a:headEnd type="oval" w="med" len="med"/>
+            <a:tailEnd type="oval" w="med" len="med"/>
+          </a:ln>
+        </p:spPr>
+      </p:cxnSp>
+      <p:sp>
+        <p:nvSpPr>
+          <p:cNvPr id="558" name="Google Shape;558;p37"/>
+          <p:cNvSpPr txBox="1"/>
+          <p:nvPr/>
+        </p:nvSpPr>
+        <p:spPr>
+          <a:xfrm>
+            <a:off x="6691131" y="3648150"/>
+            <a:ext cx="1249500" cy="533400"/>
+          </a:xfrm>
+          <a:prstGeom prst="rect">
+            <a:avLst/>
+          </a:prstGeom>
+          <a:noFill/>
+          <a:ln>
+            <a:noFill/>
+          </a:ln>
+        </p:spPr>
+        <p:txBody>
+          <a:bodyPr spcFirstLastPara="1" wrap="square" lIns="0" tIns="0" rIns="0" bIns="0" anchor="t" anchorCtr="0">
+            <a:noAutofit/>
+          </a:bodyPr>
+          <a:lstStyle/>
+          <a:p>
+            <a:pPr marL="0" marR="0" lvl="0" indent="0" algn="l" rtl="0">
+              <a:lnSpc>
+                <a:spcPct val="100000"/>
+              </a:lnSpc>
+              <a:spcBef>
+                <a:spcPts val="0"/>
+              </a:spcBef>
+              <a:spcAft>
+                <a:spcPts val="0"/>
+              </a:spcAft>
+              <a:buNone/>
+            </a:pPr>
+            <a:r>
+              <a:rPr lang="en" sz="900" dirty="0">
+                <a:solidFill>
+                  <a:schemeClr val="dk2"/>
+                </a:solidFill>
+                <a:latin typeface="Barlow" panose="00000500000000000000" pitchFamily="2" charset="0"/>
+                <a:ea typeface="Barlow Light"/>
+                <a:cs typeface="Barlow Light"/>
+                <a:sym typeface="Barlow Light"/>
+              </a:rPr>
+              <a:t>1. Cleaned the entire code base for better understandability</a:t>
+            </a:r>
+          </a:p>
+          <a:p>
+            <a:pPr marL="0" marR="0" lvl="0" indent="0" algn="l" rtl="0">
+              <a:lnSpc>
+                <a:spcPct val="100000"/>
+              </a:lnSpc>
+              <a:spcBef>
+                <a:spcPts val="0"/>
+              </a:spcBef>
+              <a:spcAft>
+                <a:spcPts val="0"/>
+              </a:spcAft>
+              <a:buNone/>
+            </a:pPr>
+            <a:r>
+              <a:rPr lang="en-IN" sz="900" dirty="0">
+                <a:solidFill>
+                  <a:schemeClr val="dk2"/>
+                </a:solidFill>
+                <a:latin typeface="Barlow" panose="00000500000000000000" pitchFamily="2" charset="0"/>
+                <a:ea typeface="Barlow Light"/>
+                <a:cs typeface="Barlow Light"/>
+                <a:sym typeface="Barlow Light"/>
+              </a:rPr>
+              <a:t>2. Added Email Notification Feature</a:t>
+            </a:r>
+          </a:p>
+          <a:p>
+            <a:pPr marL="0" marR="0" lvl="0" indent="0" algn="l" rtl="0">
+              <a:lnSpc>
+                <a:spcPct val="100000"/>
+              </a:lnSpc>
+              <a:spcBef>
+                <a:spcPts val="0"/>
+              </a:spcBef>
+              <a:spcAft>
+                <a:spcPts val="0"/>
+              </a:spcAft>
+              <a:buNone/>
+            </a:pPr>
+            <a:r>
+              <a:rPr lang="en-IN" sz="900" dirty="0">
+                <a:solidFill>
+                  <a:schemeClr val="dk2"/>
+                </a:solidFill>
+                <a:latin typeface="Barlow" panose="00000500000000000000" pitchFamily="2" charset="0"/>
+                <a:ea typeface="Barlow Light"/>
+                <a:cs typeface="Barlow Light"/>
+                <a:sym typeface="Barlow Light"/>
+              </a:rPr>
+              <a:t>3. Added Login Authentication</a:t>
+            </a:r>
+          </a:p>
+        </p:txBody>
+      </p:sp>
+      <p:cxnSp>
+        <p:nvCxnSpPr>
+          <p:cNvPr id="559" name="Google Shape;559;p37"/>
+          <p:cNvCxnSpPr/>
+          <p:nvPr/>
+        </p:nvCxnSpPr>
+        <p:spPr>
+          <a:xfrm rot="10800000">
+            <a:off x="8045862" y="3124969"/>
+            <a:ext cx="0" cy="498600"/>
+          </a:xfrm>
+          <a:prstGeom prst="straightConnector1">
+            <a:avLst/>
+          </a:prstGeom>
+          <a:noFill/>
+          <a:ln w="9525" cap="flat" cmpd="sng">
+            <a:solidFill>
+              <a:schemeClr val="lt2"/>
+            </a:solidFill>
+            <a:prstDash val="solid"/>
+            <a:round/>
+            <a:headEnd type="oval" w="med" len="med"/>
+            <a:tailEnd type="oval" w="med" len="med"/>
+          </a:ln>
+        </p:spPr>
+      </p:cxnSp>
+      <p:sp>
+        <p:nvSpPr>
+          <p:cNvPr id="560" name="Google Shape;560;p37"/>
+          <p:cNvSpPr txBox="1"/>
+          <p:nvPr/>
+        </p:nvSpPr>
+        <p:spPr>
+          <a:xfrm>
+            <a:off x="8008073" y="3648150"/>
+            <a:ext cx="1034700" cy="533400"/>
+          </a:xfrm>
+          <a:prstGeom prst="rect">
+            <a:avLst/>
+          </a:prstGeom>
+          <a:noFill/>
+          <a:ln>
+            <a:noFill/>
+          </a:ln>
+        </p:spPr>
+        <p:txBody>
+          <a:bodyPr spcFirstLastPara="1" wrap="square" lIns="0" tIns="0" rIns="0" bIns="0" anchor="t" anchorCtr="0">
+            <a:noAutofit/>
+          </a:bodyPr>
+          <a:lstStyle/>
+          <a:p>
+            <a:pPr marL="0" marR="0" lvl="0" indent="0" algn="l" rtl="0">
+              <a:lnSpc>
+                <a:spcPct val="100000"/>
+              </a:lnSpc>
+              <a:spcBef>
+                <a:spcPts val="0"/>
+              </a:spcBef>
+              <a:spcAft>
+                <a:spcPts val="0"/>
+              </a:spcAft>
+              <a:buNone/>
+            </a:pPr>
+            <a:r>
+              <a:rPr lang="en" sz="900" dirty="0">
+                <a:solidFill>
+                  <a:schemeClr val="dk2"/>
+                </a:solidFill>
+                <a:latin typeface="Barlow" panose="00000500000000000000" pitchFamily="2" charset="0"/>
+                <a:ea typeface="Barlow Light"/>
+                <a:cs typeface="Barlow Light"/>
+                <a:sym typeface="Barlow Light"/>
+              </a:rPr>
+              <a:t>Here is how I reached to my Final Submission !</a:t>
+            </a:r>
+            <a:endParaRPr sz="900" dirty="0">
+              <a:solidFill>
+                <a:schemeClr val="dk2"/>
+              </a:solidFill>
+              <a:latin typeface="Barlow" panose="00000500000000000000" pitchFamily="2" charset="0"/>
+              <a:ea typeface="Barlow Light"/>
+              <a:cs typeface="Barlow Light"/>
+              <a:sym typeface="Barlow Light"/>
+            </a:endParaRPr>
+          </a:p>
+        </p:txBody>
+      </p:sp>
+    </p:spTree>
+  </p:cSld>
+  <p:clrMapOvr>
+    <a:masterClrMapping/>
+  </p:clrMapOvr>
+</p:sld>
+</file>
+
+<file path=ppt/slides/slide7.xml><?xml version="1.0" encoding="utf-8"?>
 <p:sld xmlns:a="http://schemas.openxmlformats.org/drawingml/2006/main" xmlns:r="http://schemas.openxmlformats.org/officeDocument/2006/relationships" xmlns:p="http://schemas.openxmlformats.org/presentationml/2006/main">
   <p:cSld>
     <p:spTree>
@@ -31380,7 +36567,7 @@
 </p:sld>
 </file>
 
-<file path=ppt/slides/slide7.xml><?xml version="1.0" encoding="utf-8"?>
+<file path=ppt/slides/slide8.xml><?xml version="1.0" encoding="utf-8"?>
 <p:sld xmlns:a="http://schemas.openxmlformats.org/drawingml/2006/main" xmlns:r="http://schemas.openxmlformats.org/officeDocument/2006/relationships" xmlns:p="http://schemas.openxmlformats.org/presentationml/2006/main">
   <p:cSld>
     <p:bg>
@@ -31488,7 +36675,7 @@
             </a:pPr>
             <a:fld id="{00000000-1234-1234-1234-123412341234}" type="slidenum">
               <a:rPr lang="en"/>
-              <a:t>7</a:t>
+              <a:t>8</a:t>
             </a:fld>
             <a:endParaRPr/>
           </a:p>
@@ -31723,7 +36910,7 @@
 </p:sld>
 </file>
 
-<file path=ppt/slides/slide8.xml><?xml version="1.0" encoding="utf-8"?>
+<file path=ppt/slides/slide9.xml><?xml version="1.0" encoding="utf-8"?>
 <p:sld xmlns:a="http://schemas.openxmlformats.org/drawingml/2006/main" xmlns:r="http://schemas.openxmlformats.org/officeDocument/2006/relationships" xmlns:p="http://schemas.openxmlformats.org/presentationml/2006/main">
   <p:cSld>
     <p:spTree>
@@ -31898,7 +37085,7 @@
             </a:pPr>
             <a:fld id="{00000000-1234-1234-1234-123412341234}" type="slidenum">
               <a:rPr lang="en"/>
-              <a:t>8</a:t>
+              <a:t>9</a:t>
             </a:fld>
             <a:endParaRPr/>
           </a:p>
@@ -34739,2961 +39926,6 @@
 </p:sld>
 </file>
 
-<file path=ppt/slides/slide9.xml><?xml version="1.0" encoding="utf-8"?>
-<p:sld xmlns:a="http://schemas.openxmlformats.org/drawingml/2006/main" xmlns:r="http://schemas.openxmlformats.org/officeDocument/2006/relationships" xmlns:p="http://schemas.openxmlformats.org/presentationml/2006/main">
-  <p:cSld>
-    <p:spTree>
-      <p:nvGrpSpPr>
-        <p:cNvPr id="1" name="Shape 490"/>
-        <p:cNvGrpSpPr/>
-        <p:nvPr/>
-      </p:nvGrpSpPr>
-      <p:grpSpPr>
-        <a:xfrm>
-          <a:off x="0" y="0"/>
-          <a:ext cx="0" cy="0"/>
-          <a:chOff x="0" y="0"/>
-          <a:chExt cx="0" cy="0"/>
-        </a:xfrm>
-      </p:grpSpPr>
-      <p:sp>
-        <p:nvSpPr>
-          <p:cNvPr id="491" name="Google Shape;491;p36"/>
-          <p:cNvSpPr txBox="1">
-            <a:spLocks noGrp="1"/>
-          </p:cNvSpPr>
-          <p:nvPr>
-            <p:ph type="ctrTitle"/>
-          </p:nvPr>
-        </p:nvSpPr>
-        <p:spPr>
-          <a:xfrm>
-            <a:off x="814769" y="85412"/>
-            <a:ext cx="5110800" cy="1159800"/>
-          </a:xfrm>
-          <a:prstGeom prst="rect">
-            <a:avLst/>
-          </a:prstGeom>
-        </p:spPr>
-        <p:txBody>
-          <a:bodyPr spcFirstLastPara="1" wrap="square" lIns="0" tIns="0" rIns="0" bIns="0" anchor="b" anchorCtr="0">
-            <a:noAutofit/>
-          </a:bodyPr>
-          <a:lstStyle/>
-          <a:p>
-            <a:pPr marL="0" lvl="0" indent="0" algn="l" rtl="0">
-              <a:spcBef>
-                <a:spcPts val="0"/>
-              </a:spcBef>
-              <a:spcAft>
-                <a:spcPts val="0"/>
-              </a:spcAft>
-              <a:buNone/>
-            </a:pPr>
-            <a:r>
-              <a:rPr lang="en" dirty="0"/>
-              <a:t>TONS OF LEARNING !</a:t>
-            </a:r>
-            <a:endParaRPr dirty="0"/>
-          </a:p>
-        </p:txBody>
-      </p:sp>
-      <p:sp>
-        <p:nvSpPr>
-          <p:cNvPr id="492" name="Google Shape;492;p36"/>
-          <p:cNvSpPr txBox="1">
-            <a:spLocks noGrp="1"/>
-          </p:cNvSpPr>
-          <p:nvPr>
-            <p:ph type="subTitle" idx="1"/>
-          </p:nvPr>
-        </p:nvSpPr>
-        <p:spPr>
-          <a:xfrm>
-            <a:off x="872981" y="1446580"/>
-            <a:ext cx="5110800" cy="428100"/>
-          </a:xfrm>
-          <a:prstGeom prst="rect">
-            <a:avLst/>
-          </a:prstGeom>
-        </p:spPr>
-        <p:txBody>
-          <a:bodyPr spcFirstLastPara="1" wrap="square" lIns="0" tIns="0" rIns="0" bIns="0" anchor="t" anchorCtr="0">
-            <a:noAutofit/>
-          </a:bodyPr>
-          <a:lstStyle/>
-          <a:p>
-            <a:pPr marL="342900" lvl="0" indent="-342900" algn="l" rtl="0">
-              <a:spcBef>
-                <a:spcPts val="0"/>
-              </a:spcBef>
-              <a:spcAft>
-                <a:spcPts val="800"/>
-              </a:spcAft>
-              <a:buFont typeface="Wingdings" panose="05000000000000000000" pitchFamily="2" charset="2"/>
-              <a:buChar char="§"/>
-            </a:pPr>
-            <a:r>
-              <a:rPr lang="en-US" sz="2000" dirty="0">
-                <a:solidFill>
-                  <a:schemeClr val="tx1"/>
-                </a:solidFill>
-              </a:rPr>
-              <a:t>I learnt Django and React from scratch and I’m glad I was able to pull off the prototype.</a:t>
-            </a:r>
-          </a:p>
-          <a:p>
-            <a:pPr marL="342900" lvl="0" indent="-342900" algn="l" rtl="0">
-              <a:spcBef>
-                <a:spcPts val="0"/>
-              </a:spcBef>
-              <a:spcAft>
-                <a:spcPts val="800"/>
-              </a:spcAft>
-              <a:buFont typeface="Wingdings" panose="05000000000000000000" pitchFamily="2" charset="2"/>
-              <a:buChar char="§"/>
-            </a:pPr>
-            <a:r>
-              <a:rPr lang="en-US" sz="2000" dirty="0">
-                <a:solidFill>
-                  <a:schemeClr val="tx1"/>
-                </a:solidFill>
-              </a:rPr>
-              <a:t>I read a lot about face recognition algorithms and figured out an optimal, memory efficient and fast way to do it.</a:t>
-            </a:r>
-          </a:p>
-          <a:p>
-            <a:pPr marL="342900" lvl="0" indent="-342900" algn="l" rtl="0">
-              <a:spcBef>
-                <a:spcPts val="0"/>
-              </a:spcBef>
-              <a:spcAft>
-                <a:spcPts val="800"/>
-              </a:spcAft>
-              <a:buFont typeface="Wingdings" panose="05000000000000000000" pitchFamily="2" charset="2"/>
-              <a:buChar char="§"/>
-            </a:pPr>
-            <a:r>
-              <a:rPr lang="en-US" sz="2000" dirty="0">
-                <a:solidFill>
-                  <a:schemeClr val="tx1"/>
-                </a:solidFill>
-              </a:rPr>
-              <a:t>I also practiced good code documentation and code base management techniques.</a:t>
-            </a:r>
-          </a:p>
-          <a:p>
-            <a:pPr marL="342900" lvl="0" indent="-342900" algn="l" rtl="0">
-              <a:spcBef>
-                <a:spcPts val="0"/>
-              </a:spcBef>
-              <a:spcAft>
-                <a:spcPts val="800"/>
-              </a:spcAft>
-              <a:buFont typeface="Wingdings" panose="05000000000000000000" pitchFamily="2" charset="2"/>
-              <a:buChar char="§"/>
-            </a:pPr>
-            <a:r>
-              <a:rPr lang="en-US" sz="2000" dirty="0">
-                <a:solidFill>
-                  <a:schemeClr val="tx1"/>
-                </a:solidFill>
-              </a:rPr>
-              <a:t>Most importantly, I learnt how to resolve the difficulties you face in any tasks :)</a:t>
-            </a:r>
-            <a:endParaRPr sz="2000" dirty="0">
-              <a:solidFill>
-                <a:schemeClr val="tx1"/>
-              </a:solidFill>
-            </a:endParaRPr>
-          </a:p>
-        </p:txBody>
-      </p:sp>
-      <p:grpSp>
-        <p:nvGrpSpPr>
-          <p:cNvPr id="54" name="Grupo 53">
-            <a:extLst>
-              <a:ext uri="{FF2B5EF4-FFF2-40B4-BE49-F238E27FC236}">
-                <a16:creationId xmlns:a16="http://schemas.microsoft.com/office/drawing/2014/main" id="{C1C0CF39-E114-3949-A27F-1C46512C1BF9}"/>
-              </a:ext>
-            </a:extLst>
-          </p:cNvPr>
-          <p:cNvGrpSpPr/>
-          <p:nvPr/>
-        </p:nvGrpSpPr>
-        <p:grpSpPr>
-          <a:xfrm>
-            <a:off x="5598057" y="477007"/>
-            <a:ext cx="3378214" cy="3959923"/>
-            <a:chOff x="7017258" y="4131327"/>
-            <a:chExt cx="583504" cy="683980"/>
-          </a:xfrm>
-        </p:grpSpPr>
-        <p:sp>
-          <p:nvSpPr>
-            <p:cNvPr id="55" name="Google Shape;1160;p46">
-              <a:extLst>
-                <a:ext uri="{FF2B5EF4-FFF2-40B4-BE49-F238E27FC236}">
-                  <a16:creationId xmlns:a16="http://schemas.microsoft.com/office/drawing/2014/main" id="{0B46D6C6-9873-6D47-AAD1-DB7F3E676FA1}"/>
-                </a:ext>
-              </a:extLst>
-            </p:cNvPr>
-            <p:cNvSpPr/>
-            <p:nvPr/>
-          </p:nvSpPr>
-          <p:spPr>
-            <a:xfrm>
-              <a:off x="7315814" y="4178415"/>
-              <a:ext cx="150241" cy="410597"/>
-            </a:xfrm>
-            <a:custGeom>
-              <a:avLst/>
-              <a:gdLst/>
-              <a:ahLst/>
-              <a:cxnLst/>
-              <a:rect l="l" t="t" r="r" b="b"/>
-              <a:pathLst>
-                <a:path w="1502409" h="4105966" extrusionOk="0">
-                  <a:moveTo>
-                    <a:pt x="0" y="0"/>
-                  </a:moveTo>
-                  <a:lnTo>
-                    <a:pt x="1502410" y="868091"/>
-                  </a:lnTo>
-                  <a:lnTo>
-                    <a:pt x="1502410" y="4105966"/>
-                  </a:lnTo>
-                  <a:lnTo>
-                    <a:pt x="0" y="3238679"/>
-                  </a:lnTo>
-                  <a:lnTo>
-                    <a:pt x="0" y="0"/>
-                  </a:lnTo>
-                  <a:close/>
-                </a:path>
-              </a:pathLst>
-            </a:custGeom>
-            <a:solidFill>
-              <a:srgbClr val="FFFFFF">
-                <a:alpha val="9800"/>
-              </a:srgbClr>
-            </a:solidFill>
-            <a:ln>
-              <a:noFill/>
-            </a:ln>
-          </p:spPr>
-          <p:txBody>
-            <a:bodyPr spcFirstLastPara="1" wrap="square" lIns="68575" tIns="34275" rIns="68575" bIns="34275" anchor="ctr" anchorCtr="0">
-              <a:noAutofit/>
-            </a:bodyPr>
-            <a:lstStyle/>
-            <a:p>
-              <a:pPr marL="0" marR="0" lvl="0" indent="0" algn="l" rtl="0">
-                <a:spcBef>
-                  <a:spcPts val="0"/>
-                </a:spcBef>
-                <a:spcAft>
-                  <a:spcPts val="0"/>
-                </a:spcAft>
-                <a:buNone/>
-              </a:pPr>
-              <a:endParaRPr sz="1400">
-                <a:solidFill>
-                  <a:schemeClr val="dk1"/>
-                </a:solidFill>
-                <a:latin typeface="Calibri"/>
-                <a:ea typeface="Calibri"/>
-                <a:cs typeface="Calibri"/>
-                <a:sym typeface="Calibri"/>
-              </a:endParaRPr>
-            </a:p>
-          </p:txBody>
-        </p:sp>
-        <p:sp>
-          <p:nvSpPr>
-            <p:cNvPr id="56" name="Google Shape;1161;p46">
-              <a:extLst>
-                <a:ext uri="{FF2B5EF4-FFF2-40B4-BE49-F238E27FC236}">
-                  <a16:creationId xmlns:a16="http://schemas.microsoft.com/office/drawing/2014/main" id="{DA490056-2149-524D-843B-0B23B4A63343}"/>
-                </a:ext>
-              </a:extLst>
-            </p:cNvPr>
-            <p:cNvSpPr/>
-            <p:nvPr/>
-          </p:nvSpPr>
-          <p:spPr>
-            <a:xfrm>
-              <a:off x="7320563" y="4281056"/>
-              <a:ext cx="70592" cy="94782"/>
-            </a:xfrm>
-            <a:custGeom>
-              <a:avLst/>
-              <a:gdLst/>
-              <a:ahLst/>
-              <a:cxnLst/>
-              <a:rect l="l" t="t" r="r" b="b"/>
-              <a:pathLst>
-                <a:path w="705920" h="947817" extrusionOk="0">
-                  <a:moveTo>
-                    <a:pt x="352852" y="947818"/>
-                  </a:moveTo>
-                  <a:cubicBezTo>
-                    <a:pt x="-335753" y="51620"/>
-                    <a:pt x="162642" y="-272810"/>
-                    <a:pt x="352852" y="252381"/>
-                  </a:cubicBezTo>
-                  <a:cubicBezTo>
-                    <a:pt x="543863" y="-49564"/>
-                    <a:pt x="1041456" y="855467"/>
-                    <a:pt x="352852" y="947818"/>
-                  </a:cubicBezTo>
-                  <a:close/>
-                </a:path>
-              </a:pathLst>
-            </a:custGeom>
-            <a:solidFill>
-              <a:srgbClr val="FFFFFF">
-                <a:alpha val="9800"/>
-              </a:srgbClr>
-            </a:solidFill>
-            <a:ln>
-              <a:noFill/>
-            </a:ln>
-          </p:spPr>
-          <p:txBody>
-            <a:bodyPr spcFirstLastPara="1" wrap="square" lIns="68575" tIns="34275" rIns="68575" bIns="34275" anchor="ctr" anchorCtr="0">
-              <a:noAutofit/>
-            </a:bodyPr>
-            <a:lstStyle/>
-            <a:p>
-              <a:pPr marL="0" marR="0" lvl="0" indent="0" algn="l" rtl="0">
-                <a:spcBef>
-                  <a:spcPts val="0"/>
-                </a:spcBef>
-                <a:spcAft>
-                  <a:spcPts val="0"/>
-                </a:spcAft>
-                <a:buNone/>
-              </a:pPr>
-              <a:endParaRPr sz="1400">
-                <a:solidFill>
-                  <a:schemeClr val="dk1"/>
-                </a:solidFill>
-                <a:latin typeface="Calibri"/>
-                <a:ea typeface="Calibri"/>
-                <a:cs typeface="Calibri"/>
-                <a:sym typeface="Calibri"/>
-              </a:endParaRPr>
-            </a:p>
-          </p:txBody>
-        </p:sp>
-        <p:sp>
-          <p:nvSpPr>
-            <p:cNvPr id="57" name="Google Shape;1162;p46">
-              <a:extLst>
-                <a:ext uri="{FF2B5EF4-FFF2-40B4-BE49-F238E27FC236}">
-                  <a16:creationId xmlns:a16="http://schemas.microsoft.com/office/drawing/2014/main" id="{3C5EE54E-1191-F64D-B370-D9B5C3978D8F}"/>
-                </a:ext>
-              </a:extLst>
-            </p:cNvPr>
-            <p:cNvSpPr/>
-            <p:nvPr/>
-          </p:nvSpPr>
-          <p:spPr>
-            <a:xfrm>
-              <a:off x="7077193" y="4326164"/>
-              <a:ext cx="134029" cy="147278"/>
-            </a:xfrm>
-            <a:custGeom>
-              <a:avLst/>
-              <a:gdLst/>
-              <a:ahLst/>
-              <a:cxnLst/>
-              <a:rect l="l" t="t" r="r" b="b"/>
-              <a:pathLst>
-                <a:path w="1340290" h="1472783" extrusionOk="0">
-                  <a:moveTo>
-                    <a:pt x="1340291" y="774135"/>
-                  </a:moveTo>
-                  <a:lnTo>
-                    <a:pt x="0" y="0"/>
-                  </a:lnTo>
-                  <a:lnTo>
-                    <a:pt x="0" y="698649"/>
-                  </a:lnTo>
-                  <a:lnTo>
-                    <a:pt x="1340291" y="1472784"/>
-                  </a:lnTo>
-                  <a:lnTo>
-                    <a:pt x="1340291" y="774135"/>
-                  </a:lnTo>
-                  <a:close/>
-                </a:path>
-              </a:pathLst>
-            </a:custGeom>
-            <a:gradFill>
-              <a:gsLst>
-                <a:gs pos="0">
-                  <a:srgbClr val="FFFFFF">
-                    <a:alpha val="29803"/>
-                    <a:alpha val="29800"/>
-                  </a:srgbClr>
-                </a:gs>
-                <a:gs pos="100000">
-                  <a:srgbClr val="FFFFFF">
-                    <a:alpha val="0"/>
-                  </a:srgbClr>
-                </a:gs>
-              </a:gsLst>
-              <a:lin ang="10801400" scaled="0"/>
-            </a:gradFill>
-            <a:ln>
-              <a:noFill/>
-            </a:ln>
-          </p:spPr>
-          <p:txBody>
-            <a:bodyPr spcFirstLastPara="1" wrap="square" lIns="68575" tIns="34275" rIns="68575" bIns="34275" anchor="ctr" anchorCtr="0">
-              <a:noAutofit/>
-            </a:bodyPr>
-            <a:lstStyle/>
-            <a:p>
-              <a:pPr marL="0" marR="0" lvl="0" indent="0" algn="l" rtl="0">
-                <a:spcBef>
-                  <a:spcPts val="0"/>
-                </a:spcBef>
-                <a:spcAft>
-                  <a:spcPts val="0"/>
-                </a:spcAft>
-                <a:buNone/>
-              </a:pPr>
-              <a:endParaRPr sz="1400">
-                <a:solidFill>
-                  <a:schemeClr val="dk1"/>
-                </a:solidFill>
-                <a:latin typeface="Calibri"/>
-                <a:ea typeface="Calibri"/>
-                <a:cs typeface="Calibri"/>
-                <a:sym typeface="Calibri"/>
-              </a:endParaRPr>
-            </a:p>
-          </p:txBody>
-        </p:sp>
-        <p:sp>
-          <p:nvSpPr>
-            <p:cNvPr id="58" name="Google Shape;1163;p46">
-              <a:extLst>
-                <a:ext uri="{FF2B5EF4-FFF2-40B4-BE49-F238E27FC236}">
-                  <a16:creationId xmlns:a16="http://schemas.microsoft.com/office/drawing/2014/main" id="{BA083FF7-428D-C24A-B881-36F5DB395AF1}"/>
-                </a:ext>
-              </a:extLst>
-            </p:cNvPr>
-            <p:cNvSpPr/>
-            <p:nvPr/>
-          </p:nvSpPr>
-          <p:spPr>
-            <a:xfrm>
-              <a:off x="7089116" y="4349542"/>
-              <a:ext cx="15249" cy="22656"/>
-            </a:xfrm>
-            <a:custGeom>
-              <a:avLst/>
-              <a:gdLst/>
-              <a:ahLst/>
-              <a:cxnLst/>
-              <a:rect l="l" t="t" r="r" b="b"/>
-              <a:pathLst>
-                <a:path w="152488" h="226558" extrusionOk="0">
-                  <a:moveTo>
-                    <a:pt x="152488" y="157447"/>
-                  </a:moveTo>
-                  <a:cubicBezTo>
-                    <a:pt x="152488" y="215266"/>
-                    <a:pt x="118780" y="241767"/>
-                    <a:pt x="76244" y="217675"/>
-                  </a:cubicBezTo>
-                  <a:cubicBezTo>
-                    <a:pt x="34510" y="193584"/>
-                    <a:pt x="0" y="126931"/>
-                    <a:pt x="0" y="69112"/>
-                  </a:cubicBezTo>
-                  <a:cubicBezTo>
-                    <a:pt x="0" y="11293"/>
-                    <a:pt x="33708" y="-15208"/>
-                    <a:pt x="76244" y="8884"/>
-                  </a:cubicBezTo>
-                  <a:cubicBezTo>
-                    <a:pt x="118780" y="32975"/>
-                    <a:pt x="152488" y="99628"/>
-                    <a:pt x="152488" y="157447"/>
-                  </a:cubicBezTo>
-                  <a:close/>
-                </a:path>
-              </a:pathLst>
-            </a:custGeom>
-            <a:solidFill>
-              <a:schemeClr val="accent2"/>
-            </a:solidFill>
-            <a:ln>
-              <a:noFill/>
-            </a:ln>
-          </p:spPr>
-          <p:txBody>
-            <a:bodyPr spcFirstLastPara="1" wrap="square" lIns="68575" tIns="34275" rIns="68575" bIns="34275" anchor="ctr" anchorCtr="0">
-              <a:noAutofit/>
-            </a:bodyPr>
-            <a:lstStyle/>
-            <a:p>
-              <a:pPr marL="0" marR="0" lvl="0" indent="0" algn="l" rtl="0">
-                <a:spcBef>
-                  <a:spcPts val="0"/>
-                </a:spcBef>
-                <a:spcAft>
-                  <a:spcPts val="0"/>
-                </a:spcAft>
-                <a:buNone/>
-              </a:pPr>
-              <a:endParaRPr sz="1400">
-                <a:solidFill>
-                  <a:schemeClr val="dk1"/>
-                </a:solidFill>
-                <a:latin typeface="Calibri"/>
-                <a:ea typeface="Calibri"/>
-                <a:cs typeface="Calibri"/>
-                <a:sym typeface="Calibri"/>
-              </a:endParaRPr>
-            </a:p>
-          </p:txBody>
-        </p:sp>
-        <p:sp>
-          <p:nvSpPr>
-            <p:cNvPr id="59" name="Google Shape;1164;p46">
-              <a:extLst>
-                <a:ext uri="{FF2B5EF4-FFF2-40B4-BE49-F238E27FC236}">
-                  <a16:creationId xmlns:a16="http://schemas.microsoft.com/office/drawing/2014/main" id="{839367E8-6B3B-B741-86D0-942ABD040E64}"/>
-                </a:ext>
-              </a:extLst>
-            </p:cNvPr>
-            <p:cNvSpPr/>
-            <p:nvPr/>
-          </p:nvSpPr>
-          <p:spPr>
-            <a:xfrm>
-              <a:off x="7111362" y="4360598"/>
-              <a:ext cx="48876" cy="39108"/>
-            </a:xfrm>
-            <a:custGeom>
-              <a:avLst/>
-              <a:gdLst/>
-              <a:ahLst/>
-              <a:cxnLst/>
-              <a:rect l="l" t="t" r="r" b="b"/>
-              <a:pathLst>
-                <a:path w="488764" h="391082" extrusionOk="0">
-                  <a:moveTo>
-                    <a:pt x="0" y="0"/>
-                  </a:moveTo>
-                  <a:lnTo>
-                    <a:pt x="488765" y="281869"/>
-                  </a:lnTo>
-                  <a:lnTo>
-                    <a:pt x="488765" y="391083"/>
-                  </a:lnTo>
-                  <a:lnTo>
-                    <a:pt x="0" y="110017"/>
-                  </a:lnTo>
-                  <a:lnTo>
-                    <a:pt x="0" y="0"/>
-                  </a:lnTo>
-                  <a:close/>
-                </a:path>
-              </a:pathLst>
-            </a:custGeom>
-            <a:solidFill>
-              <a:srgbClr val="FFFFFF">
-                <a:alpha val="29800"/>
-              </a:srgbClr>
-            </a:solidFill>
-            <a:ln>
-              <a:noFill/>
-            </a:ln>
-          </p:spPr>
-          <p:txBody>
-            <a:bodyPr spcFirstLastPara="1" wrap="square" lIns="68575" tIns="34275" rIns="68575" bIns="34275" anchor="ctr" anchorCtr="0">
-              <a:noAutofit/>
-            </a:bodyPr>
-            <a:lstStyle/>
-            <a:p>
-              <a:pPr marL="0" marR="0" lvl="0" indent="0" algn="l" rtl="0">
-                <a:spcBef>
-                  <a:spcPts val="0"/>
-                </a:spcBef>
-                <a:spcAft>
-                  <a:spcPts val="0"/>
-                </a:spcAft>
-                <a:buNone/>
-              </a:pPr>
-              <a:endParaRPr sz="1400">
-                <a:solidFill>
-                  <a:schemeClr val="dk1"/>
-                </a:solidFill>
-                <a:latin typeface="Calibri"/>
-                <a:ea typeface="Calibri"/>
-                <a:cs typeface="Calibri"/>
-                <a:sym typeface="Calibri"/>
-              </a:endParaRPr>
-            </a:p>
-          </p:txBody>
-        </p:sp>
-        <p:sp>
-          <p:nvSpPr>
-            <p:cNvPr id="60" name="Google Shape;1165;p46">
-              <a:extLst>
-                <a:ext uri="{FF2B5EF4-FFF2-40B4-BE49-F238E27FC236}">
-                  <a16:creationId xmlns:a16="http://schemas.microsoft.com/office/drawing/2014/main" id="{A7B9A1FD-47D5-2949-A8F7-750BB12601C5}"/>
-                </a:ext>
-              </a:extLst>
-            </p:cNvPr>
-            <p:cNvSpPr/>
-            <p:nvPr/>
-          </p:nvSpPr>
-          <p:spPr>
-            <a:xfrm>
-              <a:off x="7111442" y="4383982"/>
-              <a:ext cx="85875" cy="60469"/>
-            </a:xfrm>
-            <a:custGeom>
-              <a:avLst/>
-              <a:gdLst/>
-              <a:ahLst/>
-              <a:cxnLst/>
-              <a:rect l="l" t="t" r="r" b="b"/>
-              <a:pathLst>
-                <a:path w="858749" h="604692" extrusionOk="0">
-                  <a:moveTo>
-                    <a:pt x="0" y="0"/>
-                  </a:moveTo>
-                  <a:lnTo>
-                    <a:pt x="858749" y="495479"/>
-                  </a:lnTo>
-                  <a:lnTo>
-                    <a:pt x="858749" y="604692"/>
-                  </a:lnTo>
-                  <a:lnTo>
-                    <a:pt x="0" y="109214"/>
-                  </a:lnTo>
-                  <a:lnTo>
-                    <a:pt x="0" y="0"/>
-                  </a:lnTo>
-                  <a:close/>
-                </a:path>
-              </a:pathLst>
-            </a:custGeom>
-            <a:solidFill>
-              <a:srgbClr val="FFFFFF">
-                <a:alpha val="29800"/>
-              </a:srgbClr>
-            </a:solidFill>
-            <a:ln>
-              <a:noFill/>
-            </a:ln>
-          </p:spPr>
-          <p:txBody>
-            <a:bodyPr spcFirstLastPara="1" wrap="square" lIns="68575" tIns="34275" rIns="68575" bIns="34275" anchor="ctr" anchorCtr="0">
-              <a:noAutofit/>
-            </a:bodyPr>
-            <a:lstStyle/>
-            <a:p>
-              <a:pPr marL="0" marR="0" lvl="0" indent="0" algn="l" rtl="0">
-                <a:spcBef>
-                  <a:spcPts val="0"/>
-                </a:spcBef>
-                <a:spcAft>
-                  <a:spcPts val="0"/>
-                </a:spcAft>
-                <a:buNone/>
-              </a:pPr>
-              <a:endParaRPr sz="1400">
-                <a:solidFill>
-                  <a:schemeClr val="dk1"/>
-                </a:solidFill>
-                <a:latin typeface="Calibri"/>
-                <a:ea typeface="Calibri"/>
-                <a:cs typeface="Calibri"/>
-                <a:sym typeface="Calibri"/>
-              </a:endParaRPr>
-            </a:p>
-          </p:txBody>
-        </p:sp>
-        <p:sp>
-          <p:nvSpPr>
-            <p:cNvPr id="61" name="Google Shape;1166;p46">
-              <a:extLst>
-                <a:ext uri="{FF2B5EF4-FFF2-40B4-BE49-F238E27FC236}">
-                  <a16:creationId xmlns:a16="http://schemas.microsoft.com/office/drawing/2014/main" id="{5FEC3C0A-4C02-A64E-9743-92B4501C194D}"/>
-                </a:ext>
-              </a:extLst>
-            </p:cNvPr>
-            <p:cNvSpPr/>
-            <p:nvPr/>
-          </p:nvSpPr>
-          <p:spPr>
-            <a:xfrm>
-              <a:off x="7281165" y="4207564"/>
-              <a:ext cx="150241" cy="410597"/>
-            </a:xfrm>
-            <a:custGeom>
-              <a:avLst/>
-              <a:gdLst/>
-              <a:ahLst/>
-              <a:cxnLst/>
-              <a:rect l="l" t="t" r="r" b="b"/>
-              <a:pathLst>
-                <a:path w="1502410" h="4105966" extrusionOk="0">
-                  <a:moveTo>
-                    <a:pt x="0" y="0"/>
-                  </a:moveTo>
-                  <a:lnTo>
-                    <a:pt x="1502410" y="868091"/>
-                  </a:lnTo>
-                  <a:lnTo>
-                    <a:pt x="1502410" y="4105967"/>
-                  </a:lnTo>
-                  <a:lnTo>
-                    <a:pt x="0" y="3238679"/>
-                  </a:lnTo>
-                  <a:lnTo>
-                    <a:pt x="0" y="0"/>
-                  </a:lnTo>
-                  <a:close/>
-                </a:path>
-              </a:pathLst>
-            </a:custGeom>
-            <a:gradFill>
-              <a:gsLst>
-                <a:gs pos="0">
-                  <a:srgbClr val="FFFFFF">
-                    <a:alpha val="29803"/>
-                    <a:alpha val="29800"/>
-                  </a:srgbClr>
-                </a:gs>
-                <a:gs pos="100000">
-                  <a:srgbClr val="FFFFFF">
-                    <a:alpha val="0"/>
-                  </a:srgbClr>
-                </a:gs>
-              </a:gsLst>
-              <a:lin ang="5400700" scaled="0"/>
-            </a:gradFill>
-            <a:ln>
-              <a:noFill/>
-            </a:ln>
-          </p:spPr>
-          <p:txBody>
-            <a:bodyPr spcFirstLastPara="1" wrap="square" lIns="68575" tIns="34275" rIns="68575" bIns="34275" anchor="ctr" anchorCtr="0">
-              <a:noAutofit/>
-            </a:bodyPr>
-            <a:lstStyle/>
-            <a:p>
-              <a:pPr marL="0" marR="0" lvl="0" indent="0" algn="l" rtl="0">
-                <a:spcBef>
-                  <a:spcPts val="0"/>
-                </a:spcBef>
-                <a:spcAft>
-                  <a:spcPts val="0"/>
-                </a:spcAft>
-                <a:buNone/>
-              </a:pPr>
-              <a:endParaRPr sz="1400">
-                <a:solidFill>
-                  <a:schemeClr val="dk1"/>
-                </a:solidFill>
-                <a:latin typeface="Calibri"/>
-                <a:ea typeface="Calibri"/>
-                <a:cs typeface="Calibri"/>
-                <a:sym typeface="Calibri"/>
-              </a:endParaRPr>
-            </a:p>
-          </p:txBody>
-        </p:sp>
-        <p:sp>
-          <p:nvSpPr>
-            <p:cNvPr id="62" name="Google Shape;1167;p46">
-              <a:extLst>
-                <a:ext uri="{FF2B5EF4-FFF2-40B4-BE49-F238E27FC236}">
-                  <a16:creationId xmlns:a16="http://schemas.microsoft.com/office/drawing/2014/main" id="{245CFDBC-B787-F140-A27C-8FE8AEB99F24}"/>
-                </a:ext>
-              </a:extLst>
-            </p:cNvPr>
-            <p:cNvSpPr/>
-            <p:nvPr/>
-          </p:nvSpPr>
-          <p:spPr>
-            <a:xfrm>
-              <a:off x="7295649" y="4387505"/>
-              <a:ext cx="120706" cy="80626"/>
-            </a:xfrm>
-            <a:custGeom>
-              <a:avLst/>
-              <a:gdLst/>
-              <a:ahLst/>
-              <a:cxnLst/>
-              <a:rect l="l" t="t" r="r" b="b"/>
-              <a:pathLst>
-                <a:path w="1207064" h="806256" extrusionOk="0">
-                  <a:moveTo>
-                    <a:pt x="0" y="0"/>
-                  </a:moveTo>
-                  <a:lnTo>
-                    <a:pt x="1207064" y="697043"/>
-                  </a:lnTo>
-                  <a:lnTo>
-                    <a:pt x="1207064" y="806257"/>
-                  </a:lnTo>
-                  <a:lnTo>
-                    <a:pt x="0" y="109214"/>
-                  </a:lnTo>
-                  <a:lnTo>
-                    <a:pt x="0" y="0"/>
-                  </a:lnTo>
-                  <a:close/>
-                </a:path>
-              </a:pathLst>
-            </a:custGeom>
-            <a:solidFill>
-              <a:srgbClr val="FFFFFF">
-                <a:alpha val="29800"/>
-              </a:srgbClr>
-            </a:solidFill>
-            <a:ln>
-              <a:noFill/>
-            </a:ln>
-          </p:spPr>
-          <p:txBody>
-            <a:bodyPr spcFirstLastPara="1" wrap="square" lIns="68575" tIns="34275" rIns="68575" bIns="34275" anchor="ctr" anchorCtr="0">
-              <a:noAutofit/>
-            </a:bodyPr>
-            <a:lstStyle/>
-            <a:p>
-              <a:pPr marL="0" marR="0" lvl="0" indent="0" algn="l" rtl="0">
-                <a:spcBef>
-                  <a:spcPts val="0"/>
-                </a:spcBef>
-                <a:spcAft>
-                  <a:spcPts val="0"/>
-                </a:spcAft>
-                <a:buNone/>
-              </a:pPr>
-              <a:endParaRPr sz="1400">
-                <a:solidFill>
-                  <a:schemeClr val="dk1"/>
-                </a:solidFill>
-                <a:latin typeface="Calibri"/>
-                <a:ea typeface="Calibri"/>
-                <a:cs typeface="Calibri"/>
-                <a:sym typeface="Calibri"/>
-              </a:endParaRPr>
-            </a:p>
-          </p:txBody>
-        </p:sp>
-        <p:sp>
-          <p:nvSpPr>
-            <p:cNvPr id="63" name="Google Shape;1168;p46">
-              <a:extLst>
-                <a:ext uri="{FF2B5EF4-FFF2-40B4-BE49-F238E27FC236}">
-                  <a16:creationId xmlns:a16="http://schemas.microsoft.com/office/drawing/2014/main" id="{68B13998-FD80-8345-BC29-F5B03C07C4E8}"/>
-                </a:ext>
-              </a:extLst>
-            </p:cNvPr>
-            <p:cNvSpPr/>
-            <p:nvPr/>
-          </p:nvSpPr>
-          <p:spPr>
-            <a:xfrm>
-              <a:off x="7304051" y="4414012"/>
-              <a:ext cx="103772" cy="70909"/>
-            </a:xfrm>
-            <a:custGeom>
-              <a:avLst/>
-              <a:gdLst/>
-              <a:ahLst/>
-              <a:cxnLst/>
-              <a:rect l="l" t="t" r="r" b="b"/>
-              <a:pathLst>
-                <a:path w="1037722" h="709088" extrusionOk="0">
-                  <a:moveTo>
-                    <a:pt x="0" y="0"/>
-                  </a:moveTo>
-                  <a:lnTo>
-                    <a:pt x="1037722" y="599874"/>
-                  </a:lnTo>
-                  <a:lnTo>
-                    <a:pt x="1037722" y="709088"/>
-                  </a:lnTo>
-                  <a:lnTo>
-                    <a:pt x="0" y="109214"/>
-                  </a:lnTo>
-                  <a:lnTo>
-                    <a:pt x="0" y="0"/>
-                  </a:lnTo>
-                  <a:close/>
-                </a:path>
-              </a:pathLst>
-            </a:custGeom>
-            <a:solidFill>
-              <a:srgbClr val="FFFFFF">
-                <a:alpha val="29800"/>
-              </a:srgbClr>
-            </a:solidFill>
-            <a:ln>
-              <a:noFill/>
-            </a:ln>
-          </p:spPr>
-          <p:txBody>
-            <a:bodyPr spcFirstLastPara="1" wrap="square" lIns="68575" tIns="34275" rIns="68575" bIns="34275" anchor="ctr" anchorCtr="0">
-              <a:noAutofit/>
-            </a:bodyPr>
-            <a:lstStyle/>
-            <a:p>
-              <a:pPr marL="0" marR="0" lvl="0" indent="0" algn="l" rtl="0">
-                <a:spcBef>
-                  <a:spcPts val="0"/>
-                </a:spcBef>
-                <a:spcAft>
-                  <a:spcPts val="0"/>
-                </a:spcAft>
-                <a:buNone/>
-              </a:pPr>
-              <a:endParaRPr sz="1400">
-                <a:solidFill>
-                  <a:schemeClr val="dk1"/>
-                </a:solidFill>
-                <a:latin typeface="Calibri"/>
-                <a:ea typeface="Calibri"/>
-                <a:cs typeface="Calibri"/>
-                <a:sym typeface="Calibri"/>
-              </a:endParaRPr>
-            </a:p>
-          </p:txBody>
-        </p:sp>
-        <p:sp>
-          <p:nvSpPr>
-            <p:cNvPr id="64" name="Google Shape;1169;p46">
-              <a:extLst>
-                <a:ext uri="{FF2B5EF4-FFF2-40B4-BE49-F238E27FC236}">
-                  <a16:creationId xmlns:a16="http://schemas.microsoft.com/office/drawing/2014/main" id="{551BFB32-2776-2F40-8765-7EFBDACFAF4D}"/>
-                </a:ext>
-              </a:extLst>
-            </p:cNvPr>
-            <p:cNvSpPr/>
-            <p:nvPr/>
-          </p:nvSpPr>
-          <p:spPr>
-            <a:xfrm>
-              <a:off x="7242035" y="4420419"/>
-              <a:ext cx="88684" cy="87371"/>
-            </a:xfrm>
-            <a:custGeom>
-              <a:avLst/>
-              <a:gdLst/>
-              <a:ahLst/>
-              <a:cxnLst/>
-              <a:rect l="l" t="t" r="r" b="b"/>
-              <a:pathLst>
-                <a:path w="886839" h="873712" extrusionOk="0">
-                  <a:moveTo>
-                    <a:pt x="0" y="361370"/>
-                  </a:moveTo>
-                  <a:lnTo>
-                    <a:pt x="0" y="0"/>
-                  </a:lnTo>
-                  <a:lnTo>
-                    <a:pt x="886839" y="512342"/>
-                  </a:lnTo>
-                  <a:lnTo>
-                    <a:pt x="886839" y="873712"/>
-                  </a:lnTo>
-                  <a:lnTo>
-                    <a:pt x="0" y="361370"/>
-                  </a:lnTo>
-                  <a:close/>
-                </a:path>
-              </a:pathLst>
-            </a:custGeom>
-            <a:gradFill>
-              <a:gsLst>
-                <a:gs pos="0">
-                  <a:schemeClr val="accent1"/>
-                </a:gs>
-                <a:gs pos="100000">
-                  <a:schemeClr val="accent2"/>
-                </a:gs>
-              </a:gsLst>
-              <a:lin ang="0" scaled="0"/>
-            </a:gradFill>
-            <a:ln>
-              <a:noFill/>
-            </a:ln>
-          </p:spPr>
-          <p:txBody>
-            <a:bodyPr spcFirstLastPara="1" wrap="square" lIns="68575" tIns="34275" rIns="68575" bIns="34275" anchor="ctr" anchorCtr="0">
-              <a:noAutofit/>
-            </a:bodyPr>
-            <a:lstStyle/>
-            <a:p>
-              <a:pPr marL="0" marR="0" lvl="0" indent="0" algn="l" rtl="0">
-                <a:spcBef>
-                  <a:spcPts val="0"/>
-                </a:spcBef>
-                <a:spcAft>
-                  <a:spcPts val="0"/>
-                </a:spcAft>
-                <a:buNone/>
-              </a:pPr>
-              <a:endParaRPr sz="1400">
-                <a:solidFill>
-                  <a:schemeClr val="dk1"/>
-                </a:solidFill>
-                <a:latin typeface="Calibri"/>
-                <a:ea typeface="Calibri"/>
-                <a:cs typeface="Calibri"/>
-                <a:sym typeface="Calibri"/>
-              </a:endParaRPr>
-            </a:p>
-          </p:txBody>
-        </p:sp>
-        <p:sp>
-          <p:nvSpPr>
-            <p:cNvPr id="65" name="Google Shape;1170;p46">
-              <a:extLst>
-                <a:ext uri="{FF2B5EF4-FFF2-40B4-BE49-F238E27FC236}">
-                  <a16:creationId xmlns:a16="http://schemas.microsoft.com/office/drawing/2014/main" id="{94624E01-92BA-314D-8E1B-36A9576598AD}"/>
-                </a:ext>
-              </a:extLst>
-            </p:cNvPr>
-            <p:cNvSpPr/>
-            <p:nvPr/>
-          </p:nvSpPr>
-          <p:spPr>
-            <a:xfrm>
-              <a:off x="7521147" y="4436256"/>
-              <a:ext cx="79615" cy="187933"/>
-            </a:xfrm>
-            <a:custGeom>
-              <a:avLst/>
-              <a:gdLst/>
-              <a:ahLst/>
-              <a:cxnLst/>
-              <a:rect l="l" t="t" r="r" b="b"/>
-              <a:pathLst>
-                <a:path w="796148" h="1879329" extrusionOk="0">
-                  <a:moveTo>
-                    <a:pt x="294543" y="125463"/>
-                  </a:moveTo>
-                  <a:cubicBezTo>
-                    <a:pt x="225522" y="15446"/>
-                    <a:pt x="130016" y="991"/>
-                    <a:pt x="126003" y="188"/>
-                  </a:cubicBezTo>
-                  <a:cubicBezTo>
-                    <a:pt x="116373" y="-1418"/>
-                    <a:pt x="110754" y="7416"/>
-                    <a:pt x="110754" y="20264"/>
-                  </a:cubicBezTo>
-                  <a:lnTo>
-                    <a:pt x="110754" y="310967"/>
-                  </a:lnTo>
-                  <a:cubicBezTo>
-                    <a:pt x="110754" y="409741"/>
-                    <a:pt x="77046" y="473182"/>
-                    <a:pt x="10433" y="500485"/>
-                  </a:cubicBezTo>
-                  <a:cubicBezTo>
-                    <a:pt x="4013" y="502894"/>
-                    <a:pt x="0" y="510122"/>
-                    <a:pt x="0" y="519758"/>
-                  </a:cubicBezTo>
-                  <a:cubicBezTo>
-                    <a:pt x="0" y="659488"/>
-                    <a:pt x="2408" y="1259362"/>
-                    <a:pt x="3210" y="1446472"/>
-                  </a:cubicBezTo>
-                  <a:cubicBezTo>
-                    <a:pt x="3210" y="1477790"/>
-                    <a:pt x="24879" y="1514731"/>
-                    <a:pt x="51364" y="1529988"/>
-                  </a:cubicBezTo>
-                  <a:cubicBezTo>
-                    <a:pt x="194222" y="1612702"/>
-                    <a:pt x="604335" y="1849600"/>
-                    <a:pt x="604335" y="1849600"/>
-                  </a:cubicBezTo>
-                  <a:cubicBezTo>
-                    <a:pt x="713484" y="1913040"/>
-                    <a:pt x="783308" y="1873691"/>
-                    <a:pt x="795346" y="1743598"/>
-                  </a:cubicBezTo>
-                  <a:lnTo>
-                    <a:pt x="796149" y="1167815"/>
-                  </a:lnTo>
-                  <a:cubicBezTo>
-                    <a:pt x="796149" y="1080283"/>
-                    <a:pt x="780900" y="990342"/>
-                    <a:pt x="732746" y="915659"/>
-                  </a:cubicBezTo>
-                  <a:cubicBezTo>
-                    <a:pt x="705458" y="873098"/>
-                    <a:pt x="673355" y="840173"/>
-                    <a:pt x="639648" y="820900"/>
-                  </a:cubicBezTo>
-                  <a:lnTo>
-                    <a:pt x="359551" y="659488"/>
-                  </a:lnTo>
-                  <a:lnTo>
-                    <a:pt x="359551" y="389665"/>
-                  </a:lnTo>
-                  <a:cubicBezTo>
-                    <a:pt x="360353" y="283663"/>
-                    <a:pt x="337882" y="195328"/>
-                    <a:pt x="294543" y="125463"/>
-                  </a:cubicBezTo>
-                  <a:close/>
-                </a:path>
-              </a:pathLst>
-            </a:custGeom>
-            <a:gradFill>
-              <a:gsLst>
-                <a:gs pos="0">
-                  <a:srgbClr val="FFFFFF">
-                    <a:alpha val="40000"/>
-                  </a:srgbClr>
-                </a:gs>
-                <a:gs pos="100000">
-                  <a:srgbClr val="FFFFFF">
-                    <a:alpha val="10000"/>
-                  </a:srgbClr>
-                </a:gs>
-              </a:gsLst>
-              <a:lin ang="6600474" scaled="0"/>
-            </a:gradFill>
-            <a:ln>
-              <a:noFill/>
-            </a:ln>
-          </p:spPr>
-          <p:txBody>
-            <a:bodyPr spcFirstLastPara="1" wrap="square" lIns="68575" tIns="34275" rIns="68575" bIns="34275" anchor="ctr" anchorCtr="0">
-              <a:noAutofit/>
-            </a:bodyPr>
-            <a:lstStyle/>
-            <a:p>
-              <a:pPr marL="0" marR="0" lvl="0" indent="0" algn="l" rtl="0">
-                <a:spcBef>
-                  <a:spcPts val="0"/>
-                </a:spcBef>
-                <a:spcAft>
-                  <a:spcPts val="0"/>
-                </a:spcAft>
-                <a:buNone/>
-              </a:pPr>
-              <a:endParaRPr sz="1400">
-                <a:solidFill>
-                  <a:schemeClr val="dk1"/>
-                </a:solidFill>
-                <a:latin typeface="Calibri"/>
-                <a:ea typeface="Calibri"/>
-                <a:cs typeface="Calibri"/>
-                <a:sym typeface="Calibri"/>
-              </a:endParaRPr>
-            </a:p>
-          </p:txBody>
-        </p:sp>
-        <p:sp>
-          <p:nvSpPr>
-            <p:cNvPr id="66" name="Google Shape;1171;p46">
-              <a:extLst>
-                <a:ext uri="{FF2B5EF4-FFF2-40B4-BE49-F238E27FC236}">
-                  <a16:creationId xmlns:a16="http://schemas.microsoft.com/office/drawing/2014/main" id="{10DE90FF-48AC-4A4F-88ED-74F8C32263B8}"/>
-                </a:ext>
-              </a:extLst>
-            </p:cNvPr>
-            <p:cNvSpPr/>
-            <p:nvPr/>
-          </p:nvSpPr>
-          <p:spPr>
-            <a:xfrm>
-              <a:off x="7483777" y="4463342"/>
-              <a:ext cx="31300" cy="120537"/>
-            </a:xfrm>
-            <a:custGeom>
-              <a:avLst/>
-              <a:gdLst/>
-              <a:ahLst/>
-              <a:cxnLst/>
-              <a:rect l="l" t="t" r="r" b="b"/>
-              <a:pathLst>
-                <a:path w="313002" h="1205369" extrusionOk="0">
-                  <a:moveTo>
-                    <a:pt x="0" y="0"/>
-                  </a:moveTo>
-                  <a:lnTo>
-                    <a:pt x="313002" y="180685"/>
-                  </a:lnTo>
-                  <a:lnTo>
-                    <a:pt x="313002" y="1205370"/>
-                  </a:lnTo>
-                  <a:lnTo>
-                    <a:pt x="0" y="1024685"/>
-                  </a:lnTo>
-                  <a:lnTo>
-                    <a:pt x="0" y="0"/>
-                  </a:lnTo>
-                  <a:close/>
-                </a:path>
-              </a:pathLst>
-            </a:custGeom>
-            <a:solidFill>
-              <a:schemeClr val="accent2"/>
-            </a:solidFill>
-            <a:ln>
-              <a:noFill/>
-            </a:ln>
-          </p:spPr>
-          <p:txBody>
-            <a:bodyPr spcFirstLastPara="1" wrap="square" lIns="68575" tIns="34275" rIns="68575" bIns="34275" anchor="ctr" anchorCtr="0">
-              <a:noAutofit/>
-            </a:bodyPr>
-            <a:lstStyle/>
-            <a:p>
-              <a:pPr marL="0" marR="0" lvl="0" indent="0" algn="l" rtl="0">
-                <a:spcBef>
-                  <a:spcPts val="0"/>
-                </a:spcBef>
-                <a:spcAft>
-                  <a:spcPts val="0"/>
-                </a:spcAft>
-                <a:buNone/>
-              </a:pPr>
-              <a:endParaRPr sz="1400">
-                <a:solidFill>
-                  <a:schemeClr val="dk1"/>
-                </a:solidFill>
-                <a:latin typeface="Calibri"/>
-                <a:ea typeface="Calibri"/>
-                <a:cs typeface="Calibri"/>
-                <a:sym typeface="Calibri"/>
-              </a:endParaRPr>
-            </a:p>
-          </p:txBody>
-        </p:sp>
-        <p:sp>
-          <p:nvSpPr>
-            <p:cNvPr id="67" name="Google Shape;1172;p46">
-              <a:extLst>
-                <a:ext uri="{FF2B5EF4-FFF2-40B4-BE49-F238E27FC236}">
-                  <a16:creationId xmlns:a16="http://schemas.microsoft.com/office/drawing/2014/main" id="{E4318164-AB54-A341-AF90-6E36AA2C4788}"/>
-                </a:ext>
-              </a:extLst>
-            </p:cNvPr>
-            <p:cNvSpPr/>
-            <p:nvPr/>
-          </p:nvSpPr>
-          <p:spPr>
-            <a:xfrm>
-              <a:off x="7017258" y="4131327"/>
-              <a:ext cx="238925" cy="281547"/>
-            </a:xfrm>
-            <a:custGeom>
-              <a:avLst/>
-              <a:gdLst/>
-              <a:ahLst/>
-              <a:cxnLst/>
-              <a:rect l="l" t="t" r="r" b="b"/>
-              <a:pathLst>
-                <a:path w="2389249" h="2815474" extrusionOk="0">
-                  <a:moveTo>
-                    <a:pt x="2388447" y="1379631"/>
-                  </a:moveTo>
-                  <a:lnTo>
-                    <a:pt x="0" y="0"/>
-                  </a:lnTo>
-                  <a:lnTo>
-                    <a:pt x="803" y="1245522"/>
-                  </a:lnTo>
-                  <a:lnTo>
-                    <a:pt x="2178173" y="2503090"/>
-                  </a:lnTo>
-                  <a:lnTo>
-                    <a:pt x="2389249" y="2815474"/>
-                  </a:lnTo>
-                  <a:lnTo>
-                    <a:pt x="2388447" y="1379631"/>
-                  </a:lnTo>
-                  <a:close/>
-                </a:path>
-              </a:pathLst>
-            </a:custGeom>
-            <a:gradFill>
-              <a:gsLst>
-                <a:gs pos="0">
-                  <a:srgbClr val="FFFFFF">
-                    <a:alpha val="29803"/>
-                    <a:alpha val="29800"/>
-                  </a:srgbClr>
-                </a:gs>
-                <a:gs pos="100000">
-                  <a:srgbClr val="FFFFFF">
-                    <a:alpha val="0"/>
-                  </a:srgbClr>
-                </a:gs>
-              </a:gsLst>
-              <a:lin ang="10801400" scaled="0"/>
-            </a:gradFill>
-            <a:ln>
-              <a:noFill/>
-            </a:ln>
-          </p:spPr>
-          <p:txBody>
-            <a:bodyPr spcFirstLastPara="1" wrap="square" lIns="68575" tIns="34275" rIns="68575" bIns="34275" anchor="ctr" anchorCtr="0">
-              <a:noAutofit/>
-            </a:bodyPr>
-            <a:lstStyle/>
-            <a:p>
-              <a:pPr marL="0" marR="0" lvl="0" indent="0" algn="l" rtl="0">
-                <a:spcBef>
-                  <a:spcPts val="0"/>
-                </a:spcBef>
-                <a:spcAft>
-                  <a:spcPts val="0"/>
-                </a:spcAft>
-                <a:buNone/>
-              </a:pPr>
-              <a:endParaRPr sz="1400">
-                <a:solidFill>
-                  <a:schemeClr val="dk1"/>
-                </a:solidFill>
-                <a:latin typeface="Calibri"/>
-                <a:ea typeface="Calibri"/>
-                <a:cs typeface="Calibri"/>
-                <a:sym typeface="Calibri"/>
-              </a:endParaRPr>
-            </a:p>
-          </p:txBody>
-        </p:sp>
-        <p:sp>
-          <p:nvSpPr>
-            <p:cNvPr id="68" name="Google Shape;1173;p46">
-              <a:extLst>
-                <a:ext uri="{FF2B5EF4-FFF2-40B4-BE49-F238E27FC236}">
-                  <a16:creationId xmlns:a16="http://schemas.microsoft.com/office/drawing/2014/main" id="{933A2D64-80DC-6746-9B59-2085AEAAEC6E}"/>
-                </a:ext>
-              </a:extLst>
-            </p:cNvPr>
-            <p:cNvSpPr/>
-            <p:nvPr/>
-          </p:nvSpPr>
-          <p:spPr>
-            <a:xfrm>
-              <a:off x="7142010" y="4233590"/>
-              <a:ext cx="52327" cy="41116"/>
-            </a:xfrm>
-            <a:custGeom>
-              <a:avLst/>
-              <a:gdLst/>
-              <a:ahLst/>
-              <a:cxnLst/>
-              <a:rect l="l" t="t" r="r" b="b"/>
-              <a:pathLst>
-                <a:path w="523275" h="411158" extrusionOk="0">
-                  <a:moveTo>
-                    <a:pt x="523275" y="301945"/>
-                  </a:moveTo>
-                  <a:lnTo>
-                    <a:pt x="0" y="0"/>
-                  </a:lnTo>
-                  <a:lnTo>
-                    <a:pt x="0" y="109214"/>
-                  </a:lnTo>
-                  <a:lnTo>
-                    <a:pt x="523275" y="411159"/>
-                  </a:lnTo>
-                  <a:lnTo>
-                    <a:pt x="523275" y="301945"/>
-                  </a:lnTo>
-                  <a:close/>
-                </a:path>
-              </a:pathLst>
-            </a:custGeom>
-            <a:solidFill>
-              <a:srgbClr val="FFFFFF">
-                <a:alpha val="29800"/>
-              </a:srgbClr>
-            </a:solidFill>
-            <a:ln>
-              <a:noFill/>
-            </a:ln>
-          </p:spPr>
-          <p:txBody>
-            <a:bodyPr spcFirstLastPara="1" wrap="square" lIns="68575" tIns="34275" rIns="68575" bIns="34275" anchor="ctr" anchorCtr="0">
-              <a:noAutofit/>
-            </a:bodyPr>
-            <a:lstStyle/>
-            <a:p>
-              <a:pPr marL="0" marR="0" lvl="0" indent="0" algn="l" rtl="0">
-                <a:spcBef>
-                  <a:spcPts val="0"/>
-                </a:spcBef>
-                <a:spcAft>
-                  <a:spcPts val="0"/>
-                </a:spcAft>
-                <a:buNone/>
-              </a:pPr>
-              <a:endParaRPr sz="1400">
-                <a:solidFill>
-                  <a:schemeClr val="dk1"/>
-                </a:solidFill>
-                <a:latin typeface="Calibri"/>
-                <a:ea typeface="Calibri"/>
-                <a:cs typeface="Calibri"/>
-                <a:sym typeface="Calibri"/>
-              </a:endParaRPr>
-            </a:p>
-          </p:txBody>
-        </p:sp>
-        <p:sp>
-          <p:nvSpPr>
-            <p:cNvPr id="69" name="Google Shape;1174;p46">
-              <a:extLst>
-                <a:ext uri="{FF2B5EF4-FFF2-40B4-BE49-F238E27FC236}">
-                  <a16:creationId xmlns:a16="http://schemas.microsoft.com/office/drawing/2014/main" id="{3F4E65C5-7F7E-0F4F-B2C6-80E93D82C7E8}"/>
-                </a:ext>
-              </a:extLst>
-            </p:cNvPr>
-            <p:cNvSpPr/>
-            <p:nvPr/>
-          </p:nvSpPr>
-          <p:spPr>
-            <a:xfrm>
-              <a:off x="7064950" y="4210927"/>
-              <a:ext cx="129615" cy="85765"/>
-            </a:xfrm>
-            <a:custGeom>
-              <a:avLst/>
-              <a:gdLst/>
-              <a:ahLst/>
-              <a:cxnLst/>
-              <a:rect l="l" t="t" r="r" b="b"/>
-              <a:pathLst>
-                <a:path w="1296149" h="857651" extrusionOk="0">
-                  <a:moveTo>
-                    <a:pt x="1296150" y="748438"/>
-                  </a:moveTo>
-                  <a:lnTo>
-                    <a:pt x="0" y="0"/>
-                  </a:lnTo>
-                  <a:lnTo>
-                    <a:pt x="0" y="109214"/>
-                  </a:lnTo>
-                  <a:lnTo>
-                    <a:pt x="1296150" y="857652"/>
-                  </a:lnTo>
-                  <a:lnTo>
-                    <a:pt x="1296150" y="748438"/>
-                  </a:lnTo>
-                  <a:close/>
-                </a:path>
-              </a:pathLst>
-            </a:custGeom>
-            <a:solidFill>
-              <a:srgbClr val="FFFFFF">
-                <a:alpha val="29800"/>
-              </a:srgbClr>
-            </a:solidFill>
-            <a:ln>
-              <a:noFill/>
-            </a:ln>
-          </p:spPr>
-          <p:txBody>
-            <a:bodyPr spcFirstLastPara="1" wrap="square" lIns="68575" tIns="34275" rIns="68575" bIns="34275" anchor="ctr" anchorCtr="0">
-              <a:noAutofit/>
-            </a:bodyPr>
-            <a:lstStyle/>
-            <a:p>
-              <a:pPr marL="0" marR="0" lvl="0" indent="0" algn="l" rtl="0">
-                <a:spcBef>
-                  <a:spcPts val="0"/>
-                </a:spcBef>
-                <a:spcAft>
-                  <a:spcPts val="0"/>
-                </a:spcAft>
-                <a:buNone/>
-              </a:pPr>
-              <a:endParaRPr sz="1400">
-                <a:solidFill>
-                  <a:schemeClr val="dk1"/>
-                </a:solidFill>
-                <a:latin typeface="Calibri"/>
-                <a:ea typeface="Calibri"/>
-                <a:cs typeface="Calibri"/>
-                <a:sym typeface="Calibri"/>
-              </a:endParaRPr>
-            </a:p>
-          </p:txBody>
-        </p:sp>
-        <p:sp>
-          <p:nvSpPr>
-            <p:cNvPr id="70" name="Google Shape;1175;p46">
-              <a:extLst>
-                <a:ext uri="{FF2B5EF4-FFF2-40B4-BE49-F238E27FC236}">
-                  <a16:creationId xmlns:a16="http://schemas.microsoft.com/office/drawing/2014/main" id="{3EF8805A-AE6F-D343-BD55-33C408985582}"/>
-                </a:ext>
-              </a:extLst>
-            </p:cNvPr>
-            <p:cNvSpPr/>
-            <p:nvPr/>
-          </p:nvSpPr>
-          <p:spPr>
-            <a:xfrm>
-              <a:off x="7038303" y="4217334"/>
-              <a:ext cx="156340" cy="101264"/>
-            </a:xfrm>
-            <a:custGeom>
-              <a:avLst/>
-              <a:gdLst/>
-              <a:ahLst/>
-              <a:cxnLst/>
-              <a:rect l="l" t="t" r="r" b="b"/>
-              <a:pathLst>
-                <a:path w="1563405" h="1012639" extrusionOk="0">
-                  <a:moveTo>
-                    <a:pt x="1563405" y="903425"/>
-                  </a:moveTo>
-                  <a:lnTo>
-                    <a:pt x="0" y="0"/>
-                  </a:lnTo>
-                  <a:lnTo>
-                    <a:pt x="0" y="109214"/>
-                  </a:lnTo>
-                  <a:lnTo>
-                    <a:pt x="1563405" y="1012639"/>
-                  </a:lnTo>
-                  <a:lnTo>
-                    <a:pt x="1563405" y="903425"/>
-                  </a:lnTo>
-                  <a:close/>
-                </a:path>
-              </a:pathLst>
-            </a:custGeom>
-            <a:solidFill>
-              <a:srgbClr val="FFFFFF">
-                <a:alpha val="29800"/>
-              </a:srgbClr>
-            </a:solidFill>
-            <a:ln>
-              <a:noFill/>
-            </a:ln>
-          </p:spPr>
-          <p:txBody>
-            <a:bodyPr spcFirstLastPara="1" wrap="square" lIns="68575" tIns="34275" rIns="68575" bIns="34275" anchor="ctr" anchorCtr="0">
-              <a:noAutofit/>
-            </a:bodyPr>
-            <a:lstStyle/>
-            <a:p>
-              <a:pPr marL="0" marR="0" lvl="0" indent="0" algn="l" rtl="0">
-                <a:spcBef>
-                  <a:spcPts val="0"/>
-                </a:spcBef>
-                <a:spcAft>
-                  <a:spcPts val="0"/>
-                </a:spcAft>
-                <a:buNone/>
-              </a:pPr>
-              <a:endParaRPr sz="1400">
-                <a:solidFill>
-                  <a:schemeClr val="dk1"/>
-                </a:solidFill>
-                <a:latin typeface="Calibri"/>
-                <a:ea typeface="Calibri"/>
-                <a:cs typeface="Calibri"/>
-                <a:sym typeface="Calibri"/>
-              </a:endParaRPr>
-            </a:p>
-          </p:txBody>
-        </p:sp>
-        <p:sp>
-          <p:nvSpPr>
-            <p:cNvPr id="71" name="Google Shape;1176;p46">
-              <a:extLst>
-                <a:ext uri="{FF2B5EF4-FFF2-40B4-BE49-F238E27FC236}">
-                  <a16:creationId xmlns:a16="http://schemas.microsoft.com/office/drawing/2014/main" id="{DB85EE08-57AA-304F-9281-620E4F00D77F}"/>
-                </a:ext>
-              </a:extLst>
-            </p:cNvPr>
-            <p:cNvSpPr/>
-            <p:nvPr/>
-          </p:nvSpPr>
-          <p:spPr>
-            <a:xfrm>
-              <a:off x="7206986" y="4270200"/>
-              <a:ext cx="27127" cy="40368"/>
-            </a:xfrm>
-            <a:custGeom>
-              <a:avLst/>
-              <a:gdLst/>
-              <a:ahLst/>
-              <a:cxnLst/>
-              <a:rect l="l" t="t" r="r" b="b"/>
-              <a:pathLst>
-                <a:path w="271268" h="403680" extrusionOk="0">
-                  <a:moveTo>
-                    <a:pt x="0" y="123544"/>
-                  </a:moveTo>
-                  <a:cubicBezTo>
-                    <a:pt x="0" y="226333"/>
-                    <a:pt x="60995" y="344381"/>
-                    <a:pt x="135634" y="387745"/>
-                  </a:cubicBezTo>
-                  <a:cubicBezTo>
-                    <a:pt x="210273" y="431110"/>
-                    <a:pt x="271268" y="382927"/>
-                    <a:pt x="271268" y="280137"/>
-                  </a:cubicBezTo>
-                  <a:cubicBezTo>
-                    <a:pt x="271268" y="177347"/>
-                    <a:pt x="210273" y="59300"/>
-                    <a:pt x="135634" y="15935"/>
-                  </a:cubicBezTo>
-                  <a:cubicBezTo>
-                    <a:pt x="60995" y="-27429"/>
-                    <a:pt x="0" y="20754"/>
-                    <a:pt x="0" y="123544"/>
-                  </a:cubicBezTo>
-                  <a:close/>
-                </a:path>
-              </a:pathLst>
-            </a:custGeom>
-            <a:solidFill>
-              <a:schemeClr val="accent1"/>
-            </a:solidFill>
-            <a:ln>
-              <a:noFill/>
-            </a:ln>
-          </p:spPr>
-          <p:txBody>
-            <a:bodyPr spcFirstLastPara="1" wrap="square" lIns="68575" tIns="34275" rIns="68575" bIns="34275" anchor="ctr" anchorCtr="0">
-              <a:noAutofit/>
-            </a:bodyPr>
-            <a:lstStyle/>
-            <a:p>
-              <a:pPr marL="0" marR="0" lvl="0" indent="0" algn="l" rtl="0">
-                <a:spcBef>
-                  <a:spcPts val="0"/>
-                </a:spcBef>
-                <a:spcAft>
-                  <a:spcPts val="0"/>
-                </a:spcAft>
-                <a:buNone/>
-              </a:pPr>
-              <a:endParaRPr sz="1400">
-                <a:solidFill>
-                  <a:schemeClr val="dk1"/>
-                </a:solidFill>
-                <a:latin typeface="Calibri"/>
-                <a:ea typeface="Calibri"/>
-                <a:cs typeface="Calibri"/>
-                <a:sym typeface="Calibri"/>
-              </a:endParaRPr>
-            </a:p>
-          </p:txBody>
-        </p:sp>
-        <p:sp>
-          <p:nvSpPr>
-            <p:cNvPr id="72" name="Google Shape;1177;p46">
-              <a:extLst>
-                <a:ext uri="{FF2B5EF4-FFF2-40B4-BE49-F238E27FC236}">
-                  <a16:creationId xmlns:a16="http://schemas.microsoft.com/office/drawing/2014/main" id="{C5EFC99A-B8D7-484E-85C4-BC9519430A52}"/>
-                </a:ext>
-              </a:extLst>
-            </p:cNvPr>
-            <p:cNvSpPr/>
-            <p:nvPr/>
-          </p:nvSpPr>
-          <p:spPr>
-            <a:xfrm>
-              <a:off x="7358065" y="4552792"/>
-              <a:ext cx="238925" cy="262515"/>
-            </a:xfrm>
-            <a:custGeom>
-              <a:avLst/>
-              <a:gdLst/>
-              <a:ahLst/>
-              <a:cxnLst/>
-              <a:rect l="l" t="t" r="r" b="b"/>
-              <a:pathLst>
-                <a:path w="2389248" h="2625152" extrusionOk="0">
-                  <a:moveTo>
-                    <a:pt x="0" y="0"/>
-                  </a:moveTo>
-                  <a:lnTo>
-                    <a:pt x="2388447" y="1379630"/>
-                  </a:lnTo>
-                  <a:lnTo>
-                    <a:pt x="2389249" y="2625153"/>
-                  </a:lnTo>
-                  <a:lnTo>
-                    <a:pt x="211076" y="1367585"/>
-                  </a:lnTo>
-                  <a:lnTo>
-                    <a:pt x="803" y="1436647"/>
-                  </a:lnTo>
-                  <a:lnTo>
-                    <a:pt x="0" y="0"/>
-                  </a:lnTo>
-                  <a:close/>
-                </a:path>
-              </a:pathLst>
-            </a:custGeom>
-            <a:gradFill>
-              <a:gsLst>
-                <a:gs pos="0">
-                  <a:srgbClr val="FFFFFF">
-                    <a:alpha val="29803"/>
-                    <a:alpha val="29800"/>
-                  </a:srgbClr>
-                </a:gs>
-                <a:gs pos="99000">
-                  <a:srgbClr val="FFFFFF">
-                    <a:alpha val="0"/>
-                  </a:srgbClr>
-                </a:gs>
-              </a:gsLst>
-              <a:lin ang="0" scaled="0"/>
-            </a:gradFill>
-            <a:ln>
-              <a:noFill/>
-            </a:ln>
-          </p:spPr>
-          <p:txBody>
-            <a:bodyPr spcFirstLastPara="1" wrap="square" lIns="68575" tIns="34275" rIns="68575" bIns="34275" anchor="ctr" anchorCtr="0">
-              <a:noAutofit/>
-            </a:bodyPr>
-            <a:lstStyle/>
-            <a:p>
-              <a:pPr marL="0" marR="0" lvl="0" indent="0" algn="l" rtl="0">
-                <a:spcBef>
-                  <a:spcPts val="0"/>
-                </a:spcBef>
-                <a:spcAft>
-                  <a:spcPts val="0"/>
-                </a:spcAft>
-                <a:buNone/>
-              </a:pPr>
-              <a:endParaRPr sz="1400">
-                <a:solidFill>
-                  <a:schemeClr val="dk1"/>
-                </a:solidFill>
-                <a:latin typeface="Calibri"/>
-                <a:ea typeface="Calibri"/>
-                <a:cs typeface="Calibri"/>
-                <a:sym typeface="Calibri"/>
-              </a:endParaRPr>
-            </a:p>
-          </p:txBody>
-        </p:sp>
-        <p:sp>
-          <p:nvSpPr>
-            <p:cNvPr id="73" name="Google Shape;1178;p46">
-              <a:extLst>
-                <a:ext uri="{FF2B5EF4-FFF2-40B4-BE49-F238E27FC236}">
-                  <a16:creationId xmlns:a16="http://schemas.microsoft.com/office/drawing/2014/main" id="{17F6C43F-8D1C-C94E-B682-D8A2B4723403}"/>
-                </a:ext>
-              </a:extLst>
-            </p:cNvPr>
-            <p:cNvSpPr/>
-            <p:nvPr/>
-          </p:nvSpPr>
-          <p:spPr>
-            <a:xfrm>
-              <a:off x="7419281" y="4618458"/>
-              <a:ext cx="52327" cy="41116"/>
-            </a:xfrm>
-            <a:custGeom>
-              <a:avLst/>
-              <a:gdLst/>
-              <a:ahLst/>
-              <a:cxnLst/>
-              <a:rect l="l" t="t" r="r" b="b"/>
-              <a:pathLst>
-                <a:path w="523275" h="411158" extrusionOk="0">
-                  <a:moveTo>
-                    <a:pt x="0" y="0"/>
-                  </a:moveTo>
-                  <a:lnTo>
-                    <a:pt x="523275" y="301945"/>
-                  </a:lnTo>
-                  <a:lnTo>
-                    <a:pt x="523275" y="411159"/>
-                  </a:lnTo>
-                  <a:lnTo>
-                    <a:pt x="0" y="109214"/>
-                  </a:lnTo>
-                  <a:lnTo>
-                    <a:pt x="0" y="0"/>
-                  </a:lnTo>
-                  <a:close/>
-                </a:path>
-              </a:pathLst>
-            </a:custGeom>
-            <a:solidFill>
-              <a:srgbClr val="FFFFFF">
-                <a:alpha val="29800"/>
-              </a:srgbClr>
-            </a:solidFill>
-            <a:ln>
-              <a:noFill/>
-            </a:ln>
-          </p:spPr>
-          <p:txBody>
-            <a:bodyPr spcFirstLastPara="1" wrap="square" lIns="68575" tIns="34275" rIns="68575" bIns="34275" anchor="ctr" anchorCtr="0">
-              <a:noAutofit/>
-            </a:bodyPr>
-            <a:lstStyle/>
-            <a:p>
-              <a:pPr marL="0" marR="0" lvl="0" indent="0" algn="l" rtl="0">
-                <a:spcBef>
-                  <a:spcPts val="0"/>
-                </a:spcBef>
-                <a:spcAft>
-                  <a:spcPts val="0"/>
-                </a:spcAft>
-                <a:buNone/>
-              </a:pPr>
-              <a:endParaRPr sz="1400">
-                <a:solidFill>
-                  <a:schemeClr val="dk1"/>
-                </a:solidFill>
-                <a:latin typeface="Calibri"/>
-                <a:ea typeface="Calibri"/>
-                <a:cs typeface="Calibri"/>
-                <a:sym typeface="Calibri"/>
-              </a:endParaRPr>
-            </a:p>
-          </p:txBody>
-        </p:sp>
-        <p:sp>
-          <p:nvSpPr>
-            <p:cNvPr id="74" name="Google Shape;1179;p46">
-              <a:extLst>
-                <a:ext uri="{FF2B5EF4-FFF2-40B4-BE49-F238E27FC236}">
-                  <a16:creationId xmlns:a16="http://schemas.microsoft.com/office/drawing/2014/main" id="{8239D188-FF10-B144-BBCA-B1C91E8B82D2}"/>
-                </a:ext>
-              </a:extLst>
-            </p:cNvPr>
-            <p:cNvSpPr/>
-            <p:nvPr/>
-          </p:nvSpPr>
-          <p:spPr>
-            <a:xfrm>
-              <a:off x="7419281" y="4640240"/>
-              <a:ext cx="94462" cy="65448"/>
-            </a:xfrm>
-            <a:custGeom>
-              <a:avLst/>
-              <a:gdLst/>
-              <a:ahLst/>
-              <a:cxnLst/>
-              <a:rect l="l" t="t" r="r" b="b"/>
-              <a:pathLst>
-                <a:path w="944624" h="654481" extrusionOk="0">
-                  <a:moveTo>
-                    <a:pt x="0" y="0"/>
-                  </a:moveTo>
-                  <a:lnTo>
-                    <a:pt x="944624" y="545267"/>
-                  </a:lnTo>
-                  <a:lnTo>
-                    <a:pt x="944624" y="654481"/>
-                  </a:lnTo>
-                  <a:lnTo>
-                    <a:pt x="0" y="109214"/>
-                  </a:lnTo>
-                  <a:lnTo>
-                    <a:pt x="0" y="0"/>
-                  </a:lnTo>
-                  <a:close/>
-                </a:path>
-              </a:pathLst>
-            </a:custGeom>
-            <a:solidFill>
-              <a:srgbClr val="FFFFFF">
-                <a:alpha val="29800"/>
-              </a:srgbClr>
-            </a:solidFill>
-            <a:ln>
-              <a:noFill/>
-            </a:ln>
-          </p:spPr>
-          <p:txBody>
-            <a:bodyPr spcFirstLastPara="1" wrap="square" lIns="68575" tIns="34275" rIns="68575" bIns="34275" anchor="ctr" anchorCtr="0">
-              <a:noAutofit/>
-            </a:bodyPr>
-            <a:lstStyle/>
-            <a:p>
-              <a:pPr marL="0" marR="0" lvl="0" indent="0" algn="l" rtl="0">
-                <a:spcBef>
-                  <a:spcPts val="0"/>
-                </a:spcBef>
-                <a:spcAft>
-                  <a:spcPts val="0"/>
-                </a:spcAft>
-                <a:buNone/>
-              </a:pPr>
-              <a:endParaRPr sz="1400">
-                <a:solidFill>
-                  <a:schemeClr val="dk1"/>
-                </a:solidFill>
-                <a:latin typeface="Calibri"/>
-                <a:ea typeface="Calibri"/>
-                <a:cs typeface="Calibri"/>
-                <a:sym typeface="Calibri"/>
-              </a:endParaRPr>
-            </a:p>
-          </p:txBody>
-        </p:sp>
-        <p:sp>
-          <p:nvSpPr>
-            <p:cNvPr id="75" name="Google Shape;1180;p46">
-              <a:extLst>
-                <a:ext uri="{FF2B5EF4-FFF2-40B4-BE49-F238E27FC236}">
-                  <a16:creationId xmlns:a16="http://schemas.microsoft.com/office/drawing/2014/main" id="{F103420C-D8B8-3B4C-BE84-631DD6D8C9B9}"/>
-                </a:ext>
-              </a:extLst>
-            </p:cNvPr>
-            <p:cNvSpPr/>
-            <p:nvPr/>
-          </p:nvSpPr>
-          <p:spPr>
-            <a:xfrm>
-              <a:off x="7419281" y="4662102"/>
-              <a:ext cx="122231" cy="81509"/>
-            </a:xfrm>
-            <a:custGeom>
-              <a:avLst/>
-              <a:gdLst/>
-              <a:ahLst/>
-              <a:cxnLst/>
-              <a:rect l="l" t="t" r="r" b="b"/>
-              <a:pathLst>
-                <a:path w="1222313" h="815090" extrusionOk="0">
-                  <a:moveTo>
-                    <a:pt x="0" y="0"/>
-                  </a:moveTo>
-                  <a:lnTo>
-                    <a:pt x="1222313" y="705876"/>
-                  </a:lnTo>
-                  <a:lnTo>
-                    <a:pt x="1222313" y="815090"/>
-                  </a:lnTo>
-                  <a:lnTo>
-                    <a:pt x="0" y="109214"/>
-                  </a:lnTo>
-                  <a:lnTo>
-                    <a:pt x="0" y="0"/>
-                  </a:lnTo>
-                  <a:close/>
-                </a:path>
-              </a:pathLst>
-            </a:custGeom>
-            <a:solidFill>
-              <a:srgbClr val="FFFFFF">
-                <a:alpha val="29800"/>
-              </a:srgbClr>
-            </a:solidFill>
-            <a:ln>
-              <a:noFill/>
-            </a:ln>
-          </p:spPr>
-          <p:txBody>
-            <a:bodyPr spcFirstLastPara="1" wrap="square" lIns="68575" tIns="34275" rIns="68575" bIns="34275" anchor="ctr" anchorCtr="0">
-              <a:noAutofit/>
-            </a:bodyPr>
-            <a:lstStyle/>
-            <a:p>
-              <a:pPr marL="0" marR="0" lvl="0" indent="0" algn="l" rtl="0">
-                <a:spcBef>
-                  <a:spcPts val="0"/>
-                </a:spcBef>
-                <a:spcAft>
-                  <a:spcPts val="0"/>
-                </a:spcAft>
-                <a:buNone/>
-              </a:pPr>
-              <a:endParaRPr sz="1400">
-                <a:solidFill>
-                  <a:schemeClr val="dk1"/>
-                </a:solidFill>
-                <a:latin typeface="Calibri"/>
-                <a:ea typeface="Calibri"/>
-                <a:cs typeface="Calibri"/>
-                <a:sym typeface="Calibri"/>
-              </a:endParaRPr>
-            </a:p>
-          </p:txBody>
-        </p:sp>
-        <p:sp>
-          <p:nvSpPr>
-            <p:cNvPr id="76" name="Google Shape;1181;p46">
-              <a:extLst>
-                <a:ext uri="{FF2B5EF4-FFF2-40B4-BE49-F238E27FC236}">
-                  <a16:creationId xmlns:a16="http://schemas.microsoft.com/office/drawing/2014/main" id="{13CE0265-F5AC-B742-9206-C9DA29FF50A9}"/>
-                </a:ext>
-              </a:extLst>
-            </p:cNvPr>
-            <p:cNvSpPr/>
-            <p:nvPr/>
-          </p:nvSpPr>
-          <p:spPr>
-            <a:xfrm>
-              <a:off x="7379431" y="4594446"/>
-              <a:ext cx="27127" cy="40368"/>
-            </a:xfrm>
-            <a:custGeom>
-              <a:avLst/>
-              <a:gdLst/>
-              <a:ahLst/>
-              <a:cxnLst/>
-              <a:rect l="l" t="t" r="r" b="b"/>
-              <a:pathLst>
-                <a:path w="271268" h="403680" extrusionOk="0">
-                  <a:moveTo>
-                    <a:pt x="271268" y="280137"/>
-                  </a:moveTo>
-                  <a:cubicBezTo>
-                    <a:pt x="271268" y="382927"/>
-                    <a:pt x="210273" y="431109"/>
-                    <a:pt x="135634" y="387745"/>
-                  </a:cubicBezTo>
-                  <a:cubicBezTo>
-                    <a:pt x="60995" y="344381"/>
-                    <a:pt x="0" y="226333"/>
-                    <a:pt x="0" y="123544"/>
-                  </a:cubicBezTo>
-                  <a:cubicBezTo>
-                    <a:pt x="0" y="20754"/>
-                    <a:pt x="60995" y="-27429"/>
-                    <a:pt x="135634" y="15935"/>
-                  </a:cubicBezTo>
-                  <a:cubicBezTo>
-                    <a:pt x="210273" y="59300"/>
-                    <a:pt x="270466" y="177348"/>
-                    <a:pt x="271268" y="280137"/>
-                  </a:cubicBezTo>
-                  <a:close/>
-                </a:path>
-              </a:pathLst>
-            </a:custGeom>
-            <a:solidFill>
-              <a:schemeClr val="accent2"/>
-            </a:solidFill>
-            <a:ln>
-              <a:noFill/>
-            </a:ln>
-          </p:spPr>
-          <p:txBody>
-            <a:bodyPr spcFirstLastPara="1" wrap="square" lIns="68575" tIns="34275" rIns="68575" bIns="34275" anchor="ctr" anchorCtr="0">
-              <a:noAutofit/>
-            </a:bodyPr>
-            <a:lstStyle/>
-            <a:p>
-              <a:pPr marL="0" marR="0" lvl="0" indent="0" algn="l" rtl="0">
-                <a:spcBef>
-                  <a:spcPts val="0"/>
-                </a:spcBef>
-                <a:spcAft>
-                  <a:spcPts val="0"/>
-                </a:spcAft>
-                <a:buNone/>
-              </a:pPr>
-              <a:endParaRPr sz="1400">
-                <a:solidFill>
-                  <a:schemeClr val="dk1"/>
-                </a:solidFill>
-                <a:latin typeface="Calibri"/>
-                <a:ea typeface="Calibri"/>
-                <a:cs typeface="Calibri"/>
-                <a:sym typeface="Calibri"/>
-              </a:endParaRPr>
-            </a:p>
-          </p:txBody>
-        </p:sp>
-        <p:sp>
-          <p:nvSpPr>
-            <p:cNvPr id="77" name="Google Shape;1182;p46">
-              <a:extLst>
-                <a:ext uri="{FF2B5EF4-FFF2-40B4-BE49-F238E27FC236}">
-                  <a16:creationId xmlns:a16="http://schemas.microsoft.com/office/drawing/2014/main" id="{D7467D72-ACF1-564E-9A83-E042225F0309}"/>
-                </a:ext>
-              </a:extLst>
-            </p:cNvPr>
-            <p:cNvSpPr/>
-            <p:nvPr/>
-          </p:nvSpPr>
-          <p:spPr>
-            <a:xfrm>
-              <a:off x="7242195" y="4530298"/>
-              <a:ext cx="67095" cy="91494"/>
-            </a:xfrm>
-            <a:custGeom>
-              <a:avLst/>
-              <a:gdLst/>
-              <a:ahLst/>
-              <a:cxnLst/>
-              <a:rect l="l" t="t" r="r" b="b"/>
-              <a:pathLst>
-                <a:path w="670948" h="914939" extrusionOk="0">
-                  <a:moveTo>
-                    <a:pt x="335474" y="11956"/>
-                  </a:moveTo>
-                  <a:cubicBezTo>
-                    <a:pt x="383628" y="39259"/>
-                    <a:pt x="422152" y="106715"/>
-                    <a:pt x="422152" y="162125"/>
-                  </a:cubicBezTo>
-                  <a:lnTo>
-                    <a:pt x="422152" y="407054"/>
-                  </a:lnTo>
-                  <a:lnTo>
-                    <a:pt x="584270" y="500207"/>
-                  </a:lnTo>
-                  <a:cubicBezTo>
-                    <a:pt x="632425" y="527511"/>
-                    <a:pt x="670948" y="594966"/>
-                    <a:pt x="670948" y="650376"/>
-                  </a:cubicBezTo>
-                  <a:cubicBezTo>
-                    <a:pt x="670948" y="705786"/>
-                    <a:pt x="632425" y="728272"/>
-                    <a:pt x="584270" y="700968"/>
-                  </a:cubicBezTo>
-                  <a:lnTo>
-                    <a:pt x="422152" y="607815"/>
-                  </a:lnTo>
-                  <a:lnTo>
-                    <a:pt x="422152" y="852744"/>
-                  </a:lnTo>
-                  <a:cubicBezTo>
-                    <a:pt x="422152" y="908153"/>
-                    <a:pt x="383628" y="930639"/>
-                    <a:pt x="335474" y="903335"/>
-                  </a:cubicBezTo>
-                  <a:cubicBezTo>
-                    <a:pt x="287320" y="876032"/>
-                    <a:pt x="248797" y="808576"/>
-                    <a:pt x="248797" y="753166"/>
-                  </a:cubicBezTo>
-                  <a:lnTo>
-                    <a:pt x="248797" y="508237"/>
-                  </a:lnTo>
-                  <a:lnTo>
-                    <a:pt x="86677" y="415084"/>
-                  </a:lnTo>
-                  <a:cubicBezTo>
-                    <a:pt x="38523" y="387781"/>
-                    <a:pt x="0" y="320325"/>
-                    <a:pt x="0" y="264915"/>
-                  </a:cubicBezTo>
-                  <a:cubicBezTo>
-                    <a:pt x="0" y="209505"/>
-                    <a:pt x="38523" y="187020"/>
-                    <a:pt x="86677" y="214323"/>
-                  </a:cubicBezTo>
-                  <a:lnTo>
-                    <a:pt x="248797" y="307476"/>
-                  </a:lnTo>
-                  <a:lnTo>
-                    <a:pt x="248797" y="62548"/>
-                  </a:lnTo>
-                  <a:cubicBezTo>
-                    <a:pt x="247994" y="7138"/>
-                    <a:pt x="287320" y="-16151"/>
-                    <a:pt x="335474" y="11956"/>
-                  </a:cubicBezTo>
-                  <a:close/>
-                </a:path>
-              </a:pathLst>
-            </a:custGeom>
-            <a:gradFill>
-              <a:gsLst>
-                <a:gs pos="0">
-                  <a:srgbClr val="FFFFFF">
-                    <a:alpha val="29803"/>
-                    <a:alpha val="29800"/>
-                  </a:srgbClr>
-                </a:gs>
-                <a:gs pos="100000">
-                  <a:srgbClr val="FFFFFF">
-                    <a:alpha val="0"/>
-                  </a:srgbClr>
-                </a:gs>
-              </a:gsLst>
-              <a:lin ang="5400700" scaled="0"/>
-            </a:gradFill>
-            <a:ln>
-              <a:noFill/>
-            </a:ln>
-          </p:spPr>
-          <p:txBody>
-            <a:bodyPr spcFirstLastPara="1" wrap="square" lIns="68575" tIns="34275" rIns="68575" bIns="34275" anchor="ctr" anchorCtr="0">
-              <a:noAutofit/>
-            </a:bodyPr>
-            <a:lstStyle/>
-            <a:p>
-              <a:pPr marL="0" marR="0" lvl="0" indent="0" algn="l" rtl="0">
-                <a:spcBef>
-                  <a:spcPts val="0"/>
-                </a:spcBef>
-                <a:spcAft>
-                  <a:spcPts val="0"/>
-                </a:spcAft>
-                <a:buNone/>
-              </a:pPr>
-              <a:endParaRPr sz="1400">
-                <a:solidFill>
-                  <a:schemeClr val="dk1"/>
-                </a:solidFill>
-                <a:latin typeface="Calibri"/>
-                <a:ea typeface="Calibri"/>
-                <a:cs typeface="Calibri"/>
-                <a:sym typeface="Calibri"/>
-              </a:endParaRPr>
-            </a:p>
-          </p:txBody>
-        </p:sp>
-        <p:sp>
-          <p:nvSpPr>
-            <p:cNvPr id="78" name="Google Shape;1183;p46">
-              <a:extLst>
-                <a:ext uri="{FF2B5EF4-FFF2-40B4-BE49-F238E27FC236}">
-                  <a16:creationId xmlns:a16="http://schemas.microsoft.com/office/drawing/2014/main" id="{0823111E-A1B1-8046-B70A-000E2CE8F7DD}"/>
-                </a:ext>
-              </a:extLst>
-            </p:cNvPr>
-            <p:cNvSpPr/>
-            <p:nvPr/>
-          </p:nvSpPr>
-          <p:spPr>
-            <a:xfrm>
-              <a:off x="7304559" y="4297072"/>
-              <a:ext cx="70592" cy="94782"/>
-            </a:xfrm>
-            <a:custGeom>
-              <a:avLst/>
-              <a:gdLst/>
-              <a:ahLst/>
-              <a:cxnLst/>
-              <a:rect l="l" t="t" r="r" b="b"/>
-              <a:pathLst>
-                <a:path w="705920" h="947817" extrusionOk="0">
-                  <a:moveTo>
-                    <a:pt x="352852" y="947818"/>
-                  </a:moveTo>
-                  <a:cubicBezTo>
-                    <a:pt x="-335753" y="51620"/>
-                    <a:pt x="162642" y="-272810"/>
-                    <a:pt x="352852" y="252381"/>
-                  </a:cubicBezTo>
-                  <a:cubicBezTo>
-                    <a:pt x="543863" y="-49564"/>
-                    <a:pt x="1041456" y="855467"/>
-                    <a:pt x="352852" y="947818"/>
-                  </a:cubicBezTo>
-                  <a:close/>
-                </a:path>
-              </a:pathLst>
-            </a:custGeom>
-            <a:solidFill>
-              <a:srgbClr val="FFFFFF">
-                <a:alpha val="29800"/>
-              </a:srgbClr>
-            </a:solidFill>
-            <a:ln>
-              <a:noFill/>
-            </a:ln>
-          </p:spPr>
-          <p:txBody>
-            <a:bodyPr spcFirstLastPara="1" wrap="square" lIns="68575" tIns="34275" rIns="68575" bIns="34275" anchor="ctr" anchorCtr="0">
-              <a:noAutofit/>
-            </a:bodyPr>
-            <a:lstStyle/>
-            <a:p>
-              <a:pPr marL="0" marR="0" lvl="0" indent="0" algn="l" rtl="0">
-                <a:spcBef>
-                  <a:spcPts val="0"/>
-                </a:spcBef>
-                <a:spcAft>
-                  <a:spcPts val="0"/>
-                </a:spcAft>
-                <a:buNone/>
-              </a:pPr>
-              <a:endParaRPr sz="1400">
-                <a:solidFill>
-                  <a:schemeClr val="dk1"/>
-                </a:solidFill>
-                <a:latin typeface="Calibri"/>
-                <a:ea typeface="Calibri"/>
-                <a:cs typeface="Calibri"/>
-                <a:sym typeface="Calibri"/>
-              </a:endParaRPr>
-            </a:p>
-          </p:txBody>
-        </p:sp>
-      </p:grpSp>
-    </p:spTree>
-  </p:cSld>
-  <p:clrMapOvr>
-    <a:masterClrMapping/>
-  </p:clrMapOvr>
-  <mc:AlternateContent xmlns:mc="http://schemas.openxmlformats.org/markup-compatibility/2006" xmlns:p14="http://schemas.microsoft.com/office/powerpoint/2010/main">
-    <mc:Choice Requires="p14">
-      <p:transition spd="med" p14:dur="700">
-        <p:fade/>
-      </p:transition>
-    </mc:Choice>
-    <mc:Fallback xmlns="">
-      <p:transition spd="med">
-        <p:fade/>
-      </p:transition>
-    </mc:Fallback>
-  </mc:AlternateContent>
-  <p:timing>
-    <p:tnLst>
-      <p:par>
-        <p:cTn id="1" dur="indefinite" restart="never" nodeType="tmRoot">
-          <p:childTnLst>
-            <p:seq concurrent="1" nextAc="seek">
-              <p:cTn id="2" dur="indefinite" nodeType="mainSeq">
-                <p:childTnLst>
-                  <p:par>
-                    <p:cTn id="3" fill="hold">
-                      <p:stCondLst>
-                        <p:cond delay="indefinite"/>
-                      </p:stCondLst>
-                      <p:childTnLst>
-                        <p:par>
-                          <p:cTn id="4" fill="hold">
-                            <p:stCondLst>
-                              <p:cond delay="0"/>
-                            </p:stCondLst>
-                            <p:childTnLst>
-                              <p:par>
-                                <p:cTn id="5" presetID="10" presetClass="entr" presetSubtype="0" fill="hold" grpId="0" nodeType="clickEffect">
-                                  <p:stCondLst>
-                                    <p:cond delay="0"/>
-                                  </p:stCondLst>
-                                  <p:childTnLst>
-                                    <p:set>
-                                      <p:cBhvr>
-                                        <p:cTn id="6" dur="1" fill="hold">
-                                          <p:stCondLst>
-                                            <p:cond delay="0"/>
-                                          </p:stCondLst>
-                                        </p:cTn>
-                                        <p:tgtEl>
-                                          <p:spTgt spid="491"/>
-                                        </p:tgtEl>
-                                        <p:attrNameLst>
-                                          <p:attrName>style.visibility</p:attrName>
-                                        </p:attrNameLst>
-                                      </p:cBhvr>
-                                      <p:to>
-                                        <p:strVal val="visible"/>
-                                      </p:to>
-                                    </p:set>
-                                    <p:animEffect transition="in" filter="fade">
-                                      <p:cBhvr>
-                                        <p:cTn id="7" dur="500"/>
-                                        <p:tgtEl>
-                                          <p:spTgt spid="491"/>
-                                        </p:tgtEl>
-                                      </p:cBhvr>
-                                    </p:animEffect>
-                                  </p:childTnLst>
-                                </p:cTn>
-                              </p:par>
-                            </p:childTnLst>
-                          </p:cTn>
-                        </p:par>
-                      </p:childTnLst>
-                    </p:cTn>
-                  </p:par>
-                  <p:par>
-                    <p:cTn id="8" fill="hold">
-                      <p:stCondLst>
-                        <p:cond delay="indefinite"/>
-                      </p:stCondLst>
-                      <p:childTnLst>
-                        <p:par>
-                          <p:cTn id="9" fill="hold">
-                            <p:stCondLst>
-                              <p:cond delay="0"/>
-                            </p:stCondLst>
-                            <p:childTnLst>
-                              <p:par>
-                                <p:cTn id="10" presetID="42" presetClass="entr" presetSubtype="0" fill="hold" grpId="0" nodeType="clickEffect">
-                                  <p:stCondLst>
-                                    <p:cond delay="0"/>
-                                  </p:stCondLst>
-                                  <p:childTnLst>
-                                    <p:set>
-                                      <p:cBhvr>
-                                        <p:cTn id="11" dur="1" fill="hold">
-                                          <p:stCondLst>
-                                            <p:cond delay="0"/>
-                                          </p:stCondLst>
-                                        </p:cTn>
-                                        <p:tgtEl>
-                                          <p:spTgt spid="492">
-                                            <p:txEl>
-                                              <p:pRg st="0" end="0"/>
-                                            </p:txEl>
-                                          </p:spTgt>
-                                        </p:tgtEl>
-                                        <p:attrNameLst>
-                                          <p:attrName>style.visibility</p:attrName>
-                                        </p:attrNameLst>
-                                      </p:cBhvr>
-                                      <p:to>
-                                        <p:strVal val="visible"/>
-                                      </p:to>
-                                    </p:set>
-                                    <p:animEffect transition="in" filter="fade">
-                                      <p:cBhvr>
-                                        <p:cTn id="12" dur="1000"/>
-                                        <p:tgtEl>
-                                          <p:spTgt spid="492">
-                                            <p:txEl>
-                                              <p:pRg st="0" end="0"/>
-                                            </p:txEl>
-                                          </p:spTgt>
-                                        </p:tgtEl>
-                                      </p:cBhvr>
-                                    </p:animEffect>
-                                    <p:anim calcmode="lin" valueType="num">
-                                      <p:cBhvr>
-                                        <p:cTn id="13" dur="1000" fill="hold"/>
-                                        <p:tgtEl>
-                                          <p:spTgt spid="492">
-                                            <p:txEl>
-                                              <p:pRg st="0" end="0"/>
-                                            </p:txEl>
-                                          </p:spTgt>
-                                        </p:tgtEl>
-                                        <p:attrNameLst>
-                                          <p:attrName>ppt_x</p:attrName>
-                                        </p:attrNameLst>
-                                      </p:cBhvr>
-                                      <p:tavLst>
-                                        <p:tav tm="0">
-                                          <p:val>
-                                            <p:strVal val="#ppt_x"/>
-                                          </p:val>
-                                        </p:tav>
-                                        <p:tav tm="100000">
-                                          <p:val>
-                                            <p:strVal val="#ppt_x"/>
-                                          </p:val>
-                                        </p:tav>
-                                      </p:tavLst>
-                                    </p:anim>
-                                    <p:anim calcmode="lin" valueType="num">
-                                      <p:cBhvr>
-                                        <p:cTn id="14" dur="1000" fill="hold"/>
-                                        <p:tgtEl>
-                                          <p:spTgt spid="492">
-                                            <p:txEl>
-                                              <p:pRg st="0" end="0"/>
-                                            </p:txEl>
-                                          </p:spTgt>
-                                        </p:tgtEl>
-                                        <p:attrNameLst>
-                                          <p:attrName>ppt_y</p:attrName>
-                                        </p:attrNameLst>
-                                      </p:cBhvr>
-                                      <p:tavLst>
-                                        <p:tav tm="0">
-                                          <p:val>
-                                            <p:strVal val="#ppt_y+.1"/>
-                                          </p:val>
-                                        </p:tav>
-                                        <p:tav tm="100000">
-                                          <p:val>
-                                            <p:strVal val="#ppt_y"/>
-                                          </p:val>
-                                        </p:tav>
-                                      </p:tavLst>
-                                    </p:anim>
-                                  </p:childTnLst>
-                                </p:cTn>
-                              </p:par>
-                            </p:childTnLst>
-                          </p:cTn>
-                        </p:par>
-                      </p:childTnLst>
-                    </p:cTn>
-                  </p:par>
-                  <p:par>
-                    <p:cTn id="15" fill="hold">
-                      <p:stCondLst>
-                        <p:cond delay="indefinite"/>
-                      </p:stCondLst>
-                      <p:childTnLst>
-                        <p:par>
-                          <p:cTn id="16" fill="hold">
-                            <p:stCondLst>
-                              <p:cond delay="0"/>
-                            </p:stCondLst>
-                            <p:childTnLst>
-                              <p:par>
-                                <p:cTn id="17" presetID="42" presetClass="entr" presetSubtype="0" fill="hold" grpId="0" nodeType="clickEffect">
-                                  <p:stCondLst>
-                                    <p:cond delay="0"/>
-                                  </p:stCondLst>
-                                  <p:childTnLst>
-                                    <p:set>
-                                      <p:cBhvr>
-                                        <p:cTn id="18" dur="1" fill="hold">
-                                          <p:stCondLst>
-                                            <p:cond delay="0"/>
-                                          </p:stCondLst>
-                                        </p:cTn>
-                                        <p:tgtEl>
-                                          <p:spTgt spid="492">
-                                            <p:txEl>
-                                              <p:pRg st="1" end="1"/>
-                                            </p:txEl>
-                                          </p:spTgt>
-                                        </p:tgtEl>
-                                        <p:attrNameLst>
-                                          <p:attrName>style.visibility</p:attrName>
-                                        </p:attrNameLst>
-                                      </p:cBhvr>
-                                      <p:to>
-                                        <p:strVal val="visible"/>
-                                      </p:to>
-                                    </p:set>
-                                    <p:animEffect transition="in" filter="fade">
-                                      <p:cBhvr>
-                                        <p:cTn id="19" dur="1000"/>
-                                        <p:tgtEl>
-                                          <p:spTgt spid="492">
-                                            <p:txEl>
-                                              <p:pRg st="1" end="1"/>
-                                            </p:txEl>
-                                          </p:spTgt>
-                                        </p:tgtEl>
-                                      </p:cBhvr>
-                                    </p:animEffect>
-                                    <p:anim calcmode="lin" valueType="num">
-                                      <p:cBhvr>
-                                        <p:cTn id="20" dur="1000" fill="hold"/>
-                                        <p:tgtEl>
-                                          <p:spTgt spid="492">
-                                            <p:txEl>
-                                              <p:pRg st="1" end="1"/>
-                                            </p:txEl>
-                                          </p:spTgt>
-                                        </p:tgtEl>
-                                        <p:attrNameLst>
-                                          <p:attrName>ppt_x</p:attrName>
-                                        </p:attrNameLst>
-                                      </p:cBhvr>
-                                      <p:tavLst>
-                                        <p:tav tm="0">
-                                          <p:val>
-                                            <p:strVal val="#ppt_x"/>
-                                          </p:val>
-                                        </p:tav>
-                                        <p:tav tm="100000">
-                                          <p:val>
-                                            <p:strVal val="#ppt_x"/>
-                                          </p:val>
-                                        </p:tav>
-                                      </p:tavLst>
-                                    </p:anim>
-                                    <p:anim calcmode="lin" valueType="num">
-                                      <p:cBhvr>
-                                        <p:cTn id="21" dur="1000" fill="hold"/>
-                                        <p:tgtEl>
-                                          <p:spTgt spid="492">
-                                            <p:txEl>
-                                              <p:pRg st="1" end="1"/>
-                                            </p:txEl>
-                                          </p:spTgt>
-                                        </p:tgtEl>
-                                        <p:attrNameLst>
-                                          <p:attrName>ppt_y</p:attrName>
-                                        </p:attrNameLst>
-                                      </p:cBhvr>
-                                      <p:tavLst>
-                                        <p:tav tm="0">
-                                          <p:val>
-                                            <p:strVal val="#ppt_y+.1"/>
-                                          </p:val>
-                                        </p:tav>
-                                        <p:tav tm="100000">
-                                          <p:val>
-                                            <p:strVal val="#ppt_y"/>
-                                          </p:val>
-                                        </p:tav>
-                                      </p:tavLst>
-                                    </p:anim>
-                                  </p:childTnLst>
-                                </p:cTn>
-                              </p:par>
-                            </p:childTnLst>
-                          </p:cTn>
-                        </p:par>
-                      </p:childTnLst>
-                    </p:cTn>
-                  </p:par>
-                  <p:par>
-                    <p:cTn id="22" fill="hold">
-                      <p:stCondLst>
-                        <p:cond delay="indefinite"/>
-                      </p:stCondLst>
-                      <p:childTnLst>
-                        <p:par>
-                          <p:cTn id="23" fill="hold">
-                            <p:stCondLst>
-                              <p:cond delay="0"/>
-                            </p:stCondLst>
-                            <p:childTnLst>
-                              <p:par>
-                                <p:cTn id="24" presetID="42" presetClass="entr" presetSubtype="0" fill="hold" grpId="0" nodeType="clickEffect">
-                                  <p:stCondLst>
-                                    <p:cond delay="0"/>
-                                  </p:stCondLst>
-                                  <p:childTnLst>
-                                    <p:set>
-                                      <p:cBhvr>
-                                        <p:cTn id="25" dur="1" fill="hold">
-                                          <p:stCondLst>
-                                            <p:cond delay="0"/>
-                                          </p:stCondLst>
-                                        </p:cTn>
-                                        <p:tgtEl>
-                                          <p:spTgt spid="492">
-                                            <p:txEl>
-                                              <p:pRg st="2" end="2"/>
-                                            </p:txEl>
-                                          </p:spTgt>
-                                        </p:tgtEl>
-                                        <p:attrNameLst>
-                                          <p:attrName>style.visibility</p:attrName>
-                                        </p:attrNameLst>
-                                      </p:cBhvr>
-                                      <p:to>
-                                        <p:strVal val="visible"/>
-                                      </p:to>
-                                    </p:set>
-                                    <p:animEffect transition="in" filter="fade">
-                                      <p:cBhvr>
-                                        <p:cTn id="26" dur="1000"/>
-                                        <p:tgtEl>
-                                          <p:spTgt spid="492">
-                                            <p:txEl>
-                                              <p:pRg st="2" end="2"/>
-                                            </p:txEl>
-                                          </p:spTgt>
-                                        </p:tgtEl>
-                                      </p:cBhvr>
-                                    </p:animEffect>
-                                    <p:anim calcmode="lin" valueType="num">
-                                      <p:cBhvr>
-                                        <p:cTn id="27" dur="1000" fill="hold"/>
-                                        <p:tgtEl>
-                                          <p:spTgt spid="492">
-                                            <p:txEl>
-                                              <p:pRg st="2" end="2"/>
-                                            </p:txEl>
-                                          </p:spTgt>
-                                        </p:tgtEl>
-                                        <p:attrNameLst>
-                                          <p:attrName>ppt_x</p:attrName>
-                                        </p:attrNameLst>
-                                      </p:cBhvr>
-                                      <p:tavLst>
-                                        <p:tav tm="0">
-                                          <p:val>
-                                            <p:strVal val="#ppt_x"/>
-                                          </p:val>
-                                        </p:tav>
-                                        <p:tav tm="100000">
-                                          <p:val>
-                                            <p:strVal val="#ppt_x"/>
-                                          </p:val>
-                                        </p:tav>
-                                      </p:tavLst>
-                                    </p:anim>
-                                    <p:anim calcmode="lin" valueType="num">
-                                      <p:cBhvr>
-                                        <p:cTn id="28" dur="1000" fill="hold"/>
-                                        <p:tgtEl>
-                                          <p:spTgt spid="492">
-                                            <p:txEl>
-                                              <p:pRg st="2" end="2"/>
-                                            </p:txEl>
-                                          </p:spTgt>
-                                        </p:tgtEl>
-                                        <p:attrNameLst>
-                                          <p:attrName>ppt_y</p:attrName>
-                                        </p:attrNameLst>
-                                      </p:cBhvr>
-                                      <p:tavLst>
-                                        <p:tav tm="0">
-                                          <p:val>
-                                            <p:strVal val="#ppt_y+.1"/>
-                                          </p:val>
-                                        </p:tav>
-                                        <p:tav tm="100000">
-                                          <p:val>
-                                            <p:strVal val="#ppt_y"/>
-                                          </p:val>
-                                        </p:tav>
-                                      </p:tavLst>
-                                    </p:anim>
-                                  </p:childTnLst>
-                                </p:cTn>
-                              </p:par>
-                            </p:childTnLst>
-                          </p:cTn>
-                        </p:par>
-                      </p:childTnLst>
-                    </p:cTn>
-                  </p:par>
-                  <p:par>
-                    <p:cTn id="29" fill="hold">
-                      <p:stCondLst>
-                        <p:cond delay="indefinite"/>
-                      </p:stCondLst>
-                      <p:childTnLst>
-                        <p:par>
-                          <p:cTn id="30" fill="hold">
-                            <p:stCondLst>
-                              <p:cond delay="0"/>
-                            </p:stCondLst>
-                            <p:childTnLst>
-                              <p:par>
-                                <p:cTn id="31" presetID="42" presetClass="entr" presetSubtype="0" fill="hold" grpId="0" nodeType="clickEffect">
-                                  <p:stCondLst>
-                                    <p:cond delay="0"/>
-                                  </p:stCondLst>
-                                  <p:childTnLst>
-                                    <p:set>
-                                      <p:cBhvr>
-                                        <p:cTn id="32" dur="1" fill="hold">
-                                          <p:stCondLst>
-                                            <p:cond delay="0"/>
-                                          </p:stCondLst>
-                                        </p:cTn>
-                                        <p:tgtEl>
-                                          <p:spTgt spid="492">
-                                            <p:txEl>
-                                              <p:pRg st="3" end="3"/>
-                                            </p:txEl>
-                                          </p:spTgt>
-                                        </p:tgtEl>
-                                        <p:attrNameLst>
-                                          <p:attrName>style.visibility</p:attrName>
-                                        </p:attrNameLst>
-                                      </p:cBhvr>
-                                      <p:to>
-                                        <p:strVal val="visible"/>
-                                      </p:to>
-                                    </p:set>
-                                    <p:animEffect transition="in" filter="fade">
-                                      <p:cBhvr>
-                                        <p:cTn id="33" dur="1000"/>
-                                        <p:tgtEl>
-                                          <p:spTgt spid="492">
-                                            <p:txEl>
-                                              <p:pRg st="3" end="3"/>
-                                            </p:txEl>
-                                          </p:spTgt>
-                                        </p:tgtEl>
-                                      </p:cBhvr>
-                                    </p:animEffect>
-                                    <p:anim calcmode="lin" valueType="num">
-                                      <p:cBhvr>
-                                        <p:cTn id="34" dur="1000" fill="hold"/>
-                                        <p:tgtEl>
-                                          <p:spTgt spid="492">
-                                            <p:txEl>
-                                              <p:pRg st="3" end="3"/>
-                                            </p:txEl>
-                                          </p:spTgt>
-                                        </p:tgtEl>
-                                        <p:attrNameLst>
-                                          <p:attrName>ppt_x</p:attrName>
-                                        </p:attrNameLst>
-                                      </p:cBhvr>
-                                      <p:tavLst>
-                                        <p:tav tm="0">
-                                          <p:val>
-                                            <p:strVal val="#ppt_x"/>
-                                          </p:val>
-                                        </p:tav>
-                                        <p:tav tm="100000">
-                                          <p:val>
-                                            <p:strVal val="#ppt_x"/>
-                                          </p:val>
-                                        </p:tav>
-                                      </p:tavLst>
-                                    </p:anim>
-                                    <p:anim calcmode="lin" valueType="num">
-                                      <p:cBhvr>
-                                        <p:cTn id="35" dur="1000" fill="hold"/>
-                                        <p:tgtEl>
-                                          <p:spTgt spid="492">
-                                            <p:txEl>
-                                              <p:pRg st="3" end="3"/>
-                                            </p:txEl>
-                                          </p:spTgt>
-                                        </p:tgtEl>
-                                        <p:attrNameLst>
-                                          <p:attrName>ppt_y</p:attrName>
-                                        </p:attrNameLst>
-                                      </p:cBhvr>
-                                      <p:tavLst>
-                                        <p:tav tm="0">
-                                          <p:val>
-                                            <p:strVal val="#ppt_y+.1"/>
-                                          </p:val>
-                                        </p:tav>
-                                        <p:tav tm="100000">
-                                          <p:val>
-                                            <p:strVal val="#ppt_y"/>
-                                          </p:val>
-                                        </p:tav>
-                                      </p:tavLst>
-                                    </p:anim>
-                                  </p:childTnLst>
-                                </p:cTn>
-                              </p:par>
-                              <p:par>
-                                <p:cTn id="36" presetID="42" presetClass="entr" presetSubtype="0" fill="hold" nodeType="withEffect">
-                                  <p:stCondLst>
-                                    <p:cond delay="0"/>
-                                  </p:stCondLst>
-                                  <p:childTnLst>
-                                    <p:set>
-                                      <p:cBhvr>
-                                        <p:cTn id="37" dur="1" fill="hold">
-                                          <p:stCondLst>
-                                            <p:cond delay="0"/>
-                                          </p:stCondLst>
-                                        </p:cTn>
-                                        <p:tgtEl>
-                                          <p:spTgt spid="54"/>
-                                        </p:tgtEl>
-                                        <p:attrNameLst>
-                                          <p:attrName>style.visibility</p:attrName>
-                                        </p:attrNameLst>
-                                      </p:cBhvr>
-                                      <p:to>
-                                        <p:strVal val="visible"/>
-                                      </p:to>
-                                    </p:set>
-                                    <p:animEffect transition="in" filter="fade">
-                                      <p:cBhvr>
-                                        <p:cTn id="38" dur="1000"/>
-                                        <p:tgtEl>
-                                          <p:spTgt spid="54"/>
-                                        </p:tgtEl>
-                                      </p:cBhvr>
-                                    </p:animEffect>
-                                    <p:anim calcmode="lin" valueType="num">
-                                      <p:cBhvr>
-                                        <p:cTn id="39" dur="1000" fill="hold"/>
-                                        <p:tgtEl>
-                                          <p:spTgt spid="54"/>
-                                        </p:tgtEl>
-                                        <p:attrNameLst>
-                                          <p:attrName>ppt_x</p:attrName>
-                                        </p:attrNameLst>
-                                      </p:cBhvr>
-                                      <p:tavLst>
-                                        <p:tav tm="0">
-                                          <p:val>
-                                            <p:strVal val="#ppt_x"/>
-                                          </p:val>
-                                        </p:tav>
-                                        <p:tav tm="100000">
-                                          <p:val>
-                                            <p:strVal val="#ppt_x"/>
-                                          </p:val>
-                                        </p:tav>
-                                      </p:tavLst>
-                                    </p:anim>
-                                    <p:anim calcmode="lin" valueType="num">
-                                      <p:cBhvr>
-                                        <p:cTn id="40" dur="1000" fill="hold"/>
-                                        <p:tgtEl>
-                                          <p:spTgt spid="54"/>
-                                        </p:tgtEl>
-                                        <p:attrNameLst>
-                                          <p:attrName>ppt_y</p:attrName>
-                                        </p:attrNameLst>
-                                      </p:cBhvr>
-                                      <p:tavLst>
-                                        <p:tav tm="0">
-                                          <p:val>
-                                            <p:strVal val="#ppt_y+.1"/>
-                                          </p:val>
-                                        </p:tav>
-                                        <p:tav tm="100000">
-                                          <p:val>
-                                            <p:strVal val="#ppt_y"/>
-                                          </p:val>
-                                        </p:tav>
-                                      </p:tavLst>
-                                    </p:anim>
-                                  </p:childTnLst>
-                                </p:cTn>
-                              </p:par>
-                            </p:childTnLst>
-                          </p:cTn>
-                        </p:par>
-                      </p:childTnLst>
-                    </p:cTn>
-                  </p:par>
-                </p:childTnLst>
-              </p:cTn>
-              <p:prevCondLst>
-                <p:cond evt="onPrev" delay="0">
-                  <p:tgtEl>
-                    <p:sldTgt/>
-                  </p:tgtEl>
-                </p:cond>
-              </p:prevCondLst>
-              <p:nextCondLst>
-                <p:cond evt="onNext" delay="0">
-                  <p:tgtEl>
-                    <p:sldTgt/>
-                  </p:tgtEl>
-                </p:cond>
-              </p:nextCondLst>
-            </p:seq>
-          </p:childTnLst>
-        </p:cTn>
-      </p:par>
-    </p:tnLst>
-    <p:bldLst>
-      <p:bldP spid="491" grpId="0"/>
-      <p:bldP spid="492" grpId="0" build="p"/>
-    </p:bldLst>
-  </p:timing>
-</p:sld>
-</file>
-
 <file path=ppt/theme/theme1.xml><?xml version="1.0" encoding="utf-8"?>
 <a:theme xmlns:a="http://schemas.openxmlformats.org/drawingml/2006/main" name="Minola template">
   <a:themeElements>
